--- a/WPF.pptx
+++ b/WPF.pptx
@@ -5,7 +5,7 @@
     <p:sldMasterId id="2147483648" r:id="rId1"/>
   </p:sldMasterIdLst>
   <p:notesMasterIdLst>
-    <p:notesMasterId r:id="rId21"/>
+    <p:notesMasterId r:id="rId23"/>
   </p:notesMasterIdLst>
   <p:sldIdLst>
     <p:sldId id="277" r:id="rId2"/>
@@ -18,15 +18,17 @@
     <p:sldId id="274" r:id="rId9"/>
     <p:sldId id="259" r:id="rId10"/>
     <p:sldId id="260" r:id="rId11"/>
-    <p:sldId id="261" r:id="rId12"/>
-    <p:sldId id="262" r:id="rId13"/>
-    <p:sldId id="263" r:id="rId14"/>
-    <p:sldId id="264" r:id="rId15"/>
-    <p:sldId id="266" r:id="rId16"/>
-    <p:sldId id="267" r:id="rId17"/>
-    <p:sldId id="268" r:id="rId18"/>
-    <p:sldId id="275" r:id="rId19"/>
-    <p:sldId id="276" r:id="rId20"/>
+    <p:sldId id="280" r:id="rId12"/>
+    <p:sldId id="281" r:id="rId13"/>
+    <p:sldId id="261" r:id="rId14"/>
+    <p:sldId id="262" r:id="rId15"/>
+    <p:sldId id="263" r:id="rId16"/>
+    <p:sldId id="264" r:id="rId17"/>
+    <p:sldId id="266" r:id="rId18"/>
+    <p:sldId id="267" r:id="rId19"/>
+    <p:sldId id="268" r:id="rId20"/>
+    <p:sldId id="275" r:id="rId21"/>
+    <p:sldId id="276" r:id="rId22"/>
   </p:sldIdLst>
   <p:sldSz cx="9144000" cy="6858000" type="screen4x3"/>
   <p:notesSz cx="6858000" cy="9144000"/>
@@ -3925,7 +3927,7 @@
           <a:p>
             <a:fld id="{AABCBB12-66E5-4C5E-9F63-142DAEDA9D54}" type="datetimeFigureOut">
               <a:rPr lang="en-US" smtClean="0"/>
-              <a:t>30/08/2016</a:t>
+              <a:t>2016-08-31</a:t>
             </a:fld>
             <a:endParaRPr lang="en-US"/>
           </a:p>
@@ -4258,7 +4260,7 @@
           <a:p>
             <a:fld id="{82E60EC3-8C79-4CEA-A738-E96756DF9B30}" type="slidenum">
               <a:rPr lang="en-US" smtClean="0"/>
-              <a:t>14</a:t>
+              <a:t>16</a:t>
             </a:fld>
             <a:endParaRPr lang="en-US"/>
           </a:p>
@@ -4458,7 +4460,7 @@
           <a:p>
             <a:fld id="{4DD179DB-F397-40A4-B965-7B61CEF0A734}" type="datetime1">
               <a:rPr lang="en-US" smtClean="0"/>
-              <a:t>30/08/2016</a:t>
+              <a:t>2016-08-31</a:t>
             </a:fld>
             <a:endParaRPr lang="en-US"/>
           </a:p>
@@ -4628,7 +4630,7 @@
           <a:p>
             <a:fld id="{D4CE5E00-0BB6-4427-9004-3F5D43CE5AE0}" type="datetime1">
               <a:rPr lang="en-US" smtClean="0"/>
-              <a:t>30/08/2016</a:t>
+              <a:t>2016-08-31</a:t>
             </a:fld>
             <a:endParaRPr lang="en-US"/>
           </a:p>
@@ -4808,7 +4810,7 @@
           <a:p>
             <a:fld id="{4F91FDCB-FF1C-4422-AA3A-BA8B433F0805}" type="datetime1">
               <a:rPr lang="en-US" smtClean="0"/>
-              <a:t>30/08/2016</a:t>
+              <a:t>2016-08-31</a:t>
             </a:fld>
             <a:endParaRPr lang="en-US"/>
           </a:p>
@@ -4978,7 +4980,7 @@
           <a:p>
             <a:fld id="{F25F27B3-9B75-49D1-8428-E45AC8400D61}" type="datetime1">
               <a:rPr lang="en-US" smtClean="0"/>
-              <a:t>30/08/2016</a:t>
+              <a:t>2016-08-31</a:t>
             </a:fld>
             <a:endParaRPr lang="en-US"/>
           </a:p>
@@ -5224,7 +5226,7 @@
           <a:p>
             <a:fld id="{62E6AE32-7559-46A7-958B-A09404CAC59B}" type="datetime1">
               <a:rPr lang="en-US" smtClean="0"/>
-              <a:t>30/08/2016</a:t>
+              <a:t>2016-08-31</a:t>
             </a:fld>
             <a:endParaRPr lang="en-US"/>
           </a:p>
@@ -5512,7 +5514,7 @@
           <a:p>
             <a:fld id="{F17FA6CB-F163-4AA2-942D-479850FF5584}" type="datetime1">
               <a:rPr lang="en-US" smtClean="0"/>
-              <a:t>30/08/2016</a:t>
+              <a:t>2016-08-31</a:t>
             </a:fld>
             <a:endParaRPr lang="en-US"/>
           </a:p>
@@ -5934,7 +5936,7 @@
           <a:p>
             <a:fld id="{200FE661-7A87-47C8-930C-61751E07FF91}" type="datetime1">
               <a:rPr lang="en-US" smtClean="0"/>
-              <a:t>30/08/2016</a:t>
+              <a:t>2016-08-31</a:t>
             </a:fld>
             <a:endParaRPr lang="en-US"/>
           </a:p>
@@ -6052,7 +6054,7 @@
           <a:p>
             <a:fld id="{8D35A93F-BFB7-4DEC-930F-0F43C9D5F904}" type="datetime1">
               <a:rPr lang="en-US" smtClean="0"/>
-              <a:t>30/08/2016</a:t>
+              <a:t>2016-08-31</a:t>
             </a:fld>
             <a:endParaRPr lang="en-US"/>
           </a:p>
@@ -6147,7 +6149,7 @@
           <a:p>
             <a:fld id="{A3252B38-603C-4B7F-9232-ACB694015E6B}" type="datetime1">
               <a:rPr lang="en-US" smtClean="0"/>
-              <a:t>30/08/2016</a:t>
+              <a:t>2016-08-31</a:t>
             </a:fld>
             <a:endParaRPr lang="en-US"/>
           </a:p>
@@ -6424,7 +6426,7 @@
           <a:p>
             <a:fld id="{DEDA5584-4AB6-47A8-BBE1-D315473BFBAD}" type="datetime1">
               <a:rPr lang="en-US" smtClean="0"/>
-              <a:t>30/08/2016</a:t>
+              <a:t>2016-08-31</a:t>
             </a:fld>
             <a:endParaRPr lang="en-US"/>
           </a:p>
@@ -6677,7 +6679,7 @@
           <a:p>
             <a:fld id="{05FF7BE0-26D7-4D39-992E-DEE52EE4D318}" type="datetime1">
               <a:rPr lang="en-US" smtClean="0"/>
-              <a:t>30/08/2016</a:t>
+              <a:t>2016-08-31</a:t>
             </a:fld>
             <a:endParaRPr lang="en-US"/>
           </a:p>
@@ -6890,7 +6892,7 @@
           <a:p>
             <a:fld id="{6DA9AA03-D11C-468F-AF39-C1CBF4151C0C}" type="datetime1">
               <a:rPr lang="en-US" smtClean="0"/>
-              <a:t>30/08/2016</a:t>
+              <a:t>2016-08-31</a:t>
             </a:fld>
             <a:endParaRPr lang="en-US"/>
           </a:p>
@@ -7584,13 +7586,6 @@
               </a:rPr>
               <a:t>	</a:t>
             </a:r>
-            <a:endParaRPr lang="en-US" sz="2400" i="1" dirty="0" smtClean="0">
-              <a:solidFill>
-                <a:srgbClr val="00B0F0"/>
-              </a:solidFill>
-              <a:latin typeface="Times New Roman" pitchFamily="18" charset="0"/>
-              <a:cs typeface="Times New Roman" pitchFamily="18" charset="0"/>
-            </a:endParaRPr>
           </a:p>
           <a:p>
             <a:pPr lvl="1"/>
@@ -7627,14 +7622,7 @@
                 <a:latin typeface="Times New Roman" pitchFamily="18" charset="0"/>
                 <a:cs typeface="Times New Roman" pitchFamily="18" charset="0"/>
               </a:rPr>
-              <a:t>	</a:t>
-            </a:r>
-            <a:r>
-              <a:rPr lang="en-US" sz="2400" i="1" dirty="0" smtClean="0">
-                <a:latin typeface="Times New Roman" pitchFamily="18" charset="0"/>
-                <a:cs typeface="Times New Roman" pitchFamily="18" charset="0"/>
-              </a:rPr>
-              <a:t>1254052202</a:t>
+              <a:t>	1254052202</a:t>
             </a:r>
             <a:endParaRPr lang="en-US" sz="2400" i="1" dirty="0">
               <a:latin typeface="Times New Roman" pitchFamily="18" charset="0"/>
@@ -7701,14 +7689,7 @@
                 <a:latin typeface="Times New Roman" pitchFamily="18" charset="0"/>
                 <a:cs typeface="Times New Roman" pitchFamily="18" charset="0"/>
               </a:rPr>
-              <a:t>	</a:t>
-            </a:r>
-            <a:r>
-              <a:rPr lang="en-US" sz="2400" i="1" dirty="0" smtClean="0">
-                <a:latin typeface="Times New Roman" pitchFamily="18" charset="0"/>
-                <a:cs typeface="Times New Roman" pitchFamily="18" charset="0"/>
-              </a:rPr>
-              <a:t>1254052174</a:t>
+              <a:t>	1254052174</a:t>
             </a:r>
             <a:endParaRPr lang="en-US" sz="2400" i="1" dirty="0">
               <a:latin typeface="Times New Roman" pitchFamily="18" charset="0"/>
@@ -7761,14 +7742,7 @@
                 <a:latin typeface="Times New Roman" pitchFamily="18" charset="0"/>
                 <a:cs typeface="Times New Roman" pitchFamily="18" charset="0"/>
               </a:rPr>
-              <a:t>	</a:t>
-            </a:r>
-            <a:r>
-              <a:rPr lang="en-US" sz="2400" i="1" dirty="0" smtClean="0">
-                <a:latin typeface="Times New Roman" pitchFamily="18" charset="0"/>
-                <a:cs typeface="Times New Roman" pitchFamily="18" charset="0"/>
-              </a:rPr>
-              <a:t>1254052212</a:t>
+              <a:t>	1254052212</a:t>
             </a:r>
           </a:p>
           <a:p>
@@ -8514,6 +8488,541 @@
       </p:grpSpPr>
       <p:sp>
         <p:nvSpPr>
+          <p:cNvPr id="2" name="Slide Number Placeholder 1"/>
+          <p:cNvSpPr>
+            <a:spLocks noGrp="1"/>
+          </p:cNvSpPr>
+          <p:nvPr>
+            <p:ph type="sldNum" sz="quarter" idx="12"/>
+          </p:nvPr>
+        </p:nvSpPr>
+        <p:spPr/>
+        <p:txBody>
+          <a:bodyPr/>
+          <a:lstStyle/>
+          <a:p>
+            <a:fld id="{DDE78882-3F85-442E-9580-E9FE03BA44CF}" type="slidenum">
+              <a:rPr lang="en-US" smtClean="0"/>
+              <a:t>11</a:t>
+            </a:fld>
+            <a:endParaRPr lang="en-US"/>
+          </a:p>
+        </p:txBody>
+      </p:sp>
+      <p:pic>
+        <p:nvPicPr>
+          <p:cNvPr id="3" name="Picture 3"/>
+          <p:cNvPicPr>
+            <a:picLocks noChangeAspect="1" noChangeArrowheads="1"/>
+          </p:cNvPicPr>
+          <p:nvPr/>
+        </p:nvPicPr>
+        <p:blipFill>
+          <a:blip r:embed="rId2">
+            <a:extLst>
+              <a:ext uri="{28A0092B-C50C-407E-A947-70E740481C1C}">
+                <a14:useLocalDpi xmlns:a14="http://schemas.microsoft.com/office/drawing/2010/main" val="0"/>
+              </a:ext>
+            </a:extLst>
+          </a:blip>
+          <a:srcRect/>
+          <a:stretch>
+            <a:fillRect/>
+          </a:stretch>
+        </p:blipFill>
+        <p:spPr bwMode="auto">
+          <a:xfrm>
+            <a:off x="228600" y="1333681"/>
+            <a:ext cx="6248400" cy="5488460"/>
+          </a:xfrm>
+          <a:prstGeom prst="rect">
+            <a:avLst/>
+          </a:prstGeom>
+          <a:noFill/>
+          <a:ln>
+            <a:noFill/>
+          </a:ln>
+          <a:effectLst/>
+          <a:extLst>
+            <a:ext uri="{909E8E84-426E-40DD-AFC4-6F175D3DCCD1}">
+              <a14:hiddenFill xmlns:a14="http://schemas.microsoft.com/office/drawing/2010/main">
+                <a:solidFill>
+                  <a:schemeClr val="accent1"/>
+                </a:solidFill>
+              </a14:hiddenFill>
+            </a:ext>
+            <a:ext uri="{91240B29-F687-4F45-9708-019B960494DF}">
+              <a14:hiddenLine xmlns:a14="http://schemas.microsoft.com/office/drawing/2010/main" w="9525">
+                <a:solidFill>
+                  <a:schemeClr val="tx1"/>
+                </a:solidFill>
+                <a:miter lim="800000"/>
+                <a:headEnd/>
+                <a:tailEnd/>
+              </a14:hiddenLine>
+            </a:ext>
+            <a:ext uri="{AF507438-7753-43E0-B8FC-AC1667EBCBE1}">
+              <a14:hiddenEffects xmlns:a14="http://schemas.microsoft.com/office/drawing/2010/main">
+                <a:effectLst>
+                  <a:outerShdw dist="35921" dir="2700000" algn="ctr" rotWithShape="0">
+                    <a:schemeClr val="bg2"/>
+                  </a:outerShdw>
+                </a:effectLst>
+              </a14:hiddenEffects>
+            </a:ext>
+          </a:extLst>
+        </p:spPr>
+      </p:pic>
+      <p:pic>
+        <p:nvPicPr>
+          <p:cNvPr id="4" name="Picture 2"/>
+          <p:cNvPicPr>
+            <a:picLocks noChangeAspect="1" noChangeArrowheads="1"/>
+          </p:cNvPicPr>
+          <p:nvPr/>
+        </p:nvPicPr>
+        <p:blipFill>
+          <a:blip r:embed="rId3">
+            <a:extLst>
+              <a:ext uri="{28A0092B-C50C-407E-A947-70E740481C1C}">
+                <a14:useLocalDpi xmlns:a14="http://schemas.microsoft.com/office/drawing/2010/main" val="0"/>
+              </a:ext>
+            </a:extLst>
+          </a:blip>
+          <a:srcRect/>
+          <a:stretch>
+            <a:fillRect/>
+          </a:stretch>
+        </p:blipFill>
+        <p:spPr bwMode="auto">
+          <a:xfrm>
+            <a:off x="5534024" y="4953000"/>
+            <a:ext cx="3228975" cy="1700758"/>
+          </a:xfrm>
+          <a:prstGeom prst="rect">
+            <a:avLst/>
+          </a:prstGeom>
+          <a:noFill/>
+          <a:ln>
+            <a:noFill/>
+          </a:ln>
+          <a:effectLst/>
+          <a:extLst>
+            <a:ext uri="{909E8E84-426E-40DD-AFC4-6F175D3DCCD1}">
+              <a14:hiddenFill xmlns:a14="http://schemas.microsoft.com/office/drawing/2010/main">
+                <a:solidFill>
+                  <a:schemeClr val="accent1"/>
+                </a:solidFill>
+              </a14:hiddenFill>
+            </a:ext>
+            <a:ext uri="{91240B29-F687-4F45-9708-019B960494DF}">
+              <a14:hiddenLine xmlns:a14="http://schemas.microsoft.com/office/drawing/2010/main" w="9525">
+                <a:solidFill>
+                  <a:schemeClr val="tx1"/>
+                </a:solidFill>
+                <a:miter lim="800000"/>
+                <a:headEnd/>
+                <a:tailEnd/>
+              </a14:hiddenLine>
+            </a:ext>
+            <a:ext uri="{AF507438-7753-43E0-B8FC-AC1667EBCBE1}">
+              <a14:hiddenEffects xmlns:a14="http://schemas.microsoft.com/office/drawing/2010/main">
+                <a:effectLst>
+                  <a:outerShdw dist="35921" dir="2700000" algn="ctr" rotWithShape="0">
+                    <a:schemeClr val="bg2"/>
+                  </a:outerShdw>
+                </a:effectLst>
+              </a14:hiddenEffects>
+            </a:ext>
+          </a:extLst>
+        </p:spPr>
+      </p:pic>
+      <p:sp>
+        <p:nvSpPr>
+          <p:cNvPr id="5" name="Rectangle 4"/>
+          <p:cNvSpPr/>
+          <p:nvPr/>
+        </p:nvSpPr>
+        <p:spPr>
+          <a:xfrm>
+            <a:off x="0" y="228600"/>
+            <a:ext cx="9143999" cy="646331"/>
+          </a:xfrm>
+          <a:prstGeom prst="rect">
+            <a:avLst/>
+          </a:prstGeom>
+        </p:spPr>
+        <p:txBody>
+          <a:bodyPr wrap="square">
+            <a:spAutoFit/>
+          </a:bodyPr>
+          <a:lstStyle/>
+          <a:p>
+            <a:pPr algn="ctr"/>
+            <a:r>
+              <a:rPr lang="en-US" sz="3600" b="1" smtClean="0">
+                <a:solidFill>
+                  <a:srgbClr val="0F02B6"/>
+                </a:solidFill>
+                <a:effectLst>
+                  <a:outerShdw blurRad="38100" dist="38100" dir="2700000" algn="tl">
+                    <a:srgbClr val="000000">
+                      <a:alpha val="43137"/>
+                    </a:srgbClr>
+                  </a:outerShdw>
+                </a:effectLst>
+                <a:latin typeface="Times New Roman" pitchFamily="18" charset="0"/>
+                <a:cs typeface="Times New Roman" pitchFamily="18" charset="0"/>
+              </a:rPr>
+              <a:t> </a:t>
+            </a:r>
+            <a:r>
+              <a:rPr lang="en-US" sz="3600" b="1">
+                <a:solidFill>
+                  <a:srgbClr val="0F02B6"/>
+                </a:solidFill>
+                <a:effectLst>
+                  <a:outerShdw blurRad="38100" dist="38100" dir="2700000" algn="tl">
+                    <a:srgbClr val="000000">
+                      <a:alpha val="43137"/>
+                    </a:srgbClr>
+                  </a:outerShdw>
+                </a:effectLst>
+                <a:latin typeface="Times New Roman" pitchFamily="18" charset="0"/>
+                <a:cs typeface="Times New Roman" pitchFamily="18" charset="0"/>
+              </a:rPr>
+              <a:t>WPF code and </a:t>
+            </a:r>
+            <a:r>
+              <a:rPr lang="en-US" sz="3600" b="1">
+                <a:solidFill>
+                  <a:srgbClr val="0F02B6"/>
+                </a:solidFill>
+                <a:effectLst>
+                  <a:outerShdw blurRad="38100" dist="38100" dir="2700000" algn="tl">
+                    <a:srgbClr val="000000">
+                      <a:alpha val="43137"/>
+                    </a:srgbClr>
+                  </a:outerShdw>
+                </a:effectLst>
+                <a:latin typeface="Times New Roman" pitchFamily="18" charset="0"/>
+                <a:cs typeface="Times New Roman" pitchFamily="18" charset="0"/>
+              </a:rPr>
+              <a:t>XAML</a:t>
+            </a:r>
+            <a:r>
+              <a:rPr lang="en-US" sz="3600" b="1" smtClean="0">
+                <a:solidFill>
+                  <a:srgbClr val="0F02B6"/>
+                </a:solidFill>
+                <a:effectLst>
+                  <a:outerShdw blurRad="38100" dist="38100" dir="2700000" algn="tl">
+                    <a:srgbClr val="000000">
+                      <a:alpha val="43137"/>
+                    </a:srgbClr>
+                  </a:outerShdw>
+                </a:effectLst>
+                <a:latin typeface="Times New Roman" pitchFamily="18" charset="0"/>
+                <a:cs typeface="Times New Roman" pitchFamily="18" charset="0"/>
+              </a:rPr>
+              <a:t>:</a:t>
+            </a:r>
+            <a:endParaRPr lang="en-US" sz="3600" b="1">
+              <a:solidFill>
+                <a:srgbClr val="0F02B6"/>
+              </a:solidFill>
+              <a:effectLst>
+                <a:outerShdw blurRad="38100" dist="38100" dir="2700000" algn="tl">
+                  <a:srgbClr val="000000">
+                    <a:alpha val="43137"/>
+                  </a:srgbClr>
+                </a:outerShdw>
+              </a:effectLst>
+              <a:latin typeface="Times New Roman" pitchFamily="18" charset="0"/>
+              <a:cs typeface="Times New Roman" pitchFamily="18" charset="0"/>
+            </a:endParaRPr>
+          </a:p>
+        </p:txBody>
+      </p:sp>
+    </p:spTree>
+    <p:extLst>
+      <p:ext uri="{BB962C8B-B14F-4D97-AF65-F5344CB8AC3E}">
+        <p14:creationId xmlns:p14="http://schemas.microsoft.com/office/powerpoint/2010/main" val="741922625"/>
+      </p:ext>
+    </p:extLst>
+  </p:cSld>
+  <p:clrMapOvr>
+    <a:masterClrMapping/>
+  </p:clrMapOvr>
+  <p:timing>
+    <p:tnLst>
+      <p:par>
+        <p:cTn id="1" dur="indefinite" restart="never" nodeType="tmRoot"/>
+      </p:par>
+    </p:tnLst>
+  </p:timing>
+</p:sld>
+</file>
+
+<file path=ppt/slides/slide12.xml><?xml version="1.0" encoding="utf-8"?>
+<p:sld xmlns:a="http://schemas.openxmlformats.org/drawingml/2006/main" xmlns:r="http://schemas.openxmlformats.org/officeDocument/2006/relationships" xmlns:p="http://schemas.openxmlformats.org/presentationml/2006/main">
+  <p:cSld>
+    <p:spTree>
+      <p:nvGrpSpPr>
+        <p:cNvPr id="1" name=""/>
+        <p:cNvGrpSpPr/>
+        <p:nvPr/>
+      </p:nvGrpSpPr>
+      <p:grpSpPr>
+        <a:xfrm>
+          <a:off x="0" y="0"/>
+          <a:ext cx="0" cy="0"/>
+          <a:chOff x="0" y="0"/>
+          <a:chExt cx="0" cy="0"/>
+        </a:xfrm>
+      </p:grpSpPr>
+      <p:sp>
+        <p:nvSpPr>
+          <p:cNvPr id="2" name="Slide Number Placeholder 1"/>
+          <p:cNvSpPr>
+            <a:spLocks noGrp="1"/>
+          </p:cNvSpPr>
+          <p:nvPr>
+            <p:ph type="sldNum" sz="quarter" idx="12"/>
+          </p:nvPr>
+        </p:nvSpPr>
+        <p:spPr/>
+        <p:txBody>
+          <a:bodyPr/>
+          <a:lstStyle/>
+          <a:p>
+            <a:fld id="{DDE78882-3F85-442E-9580-E9FE03BA44CF}" type="slidenum">
+              <a:rPr lang="en-US" smtClean="0"/>
+              <a:t>12</a:t>
+            </a:fld>
+            <a:endParaRPr lang="en-US"/>
+          </a:p>
+        </p:txBody>
+      </p:sp>
+      <p:pic>
+        <p:nvPicPr>
+          <p:cNvPr id="3" name="Picture 2"/>
+          <p:cNvPicPr>
+            <a:picLocks noChangeAspect="1" noChangeArrowheads="1"/>
+          </p:cNvPicPr>
+          <p:nvPr/>
+        </p:nvPicPr>
+        <p:blipFill rotWithShape="1">
+          <a:blip r:embed="rId2">
+            <a:extLst>
+              <a:ext uri="{28A0092B-C50C-407E-A947-70E740481C1C}">
+                <a14:useLocalDpi xmlns:a14="http://schemas.microsoft.com/office/drawing/2010/main" val="0"/>
+              </a:ext>
+            </a:extLst>
+          </a:blip>
+          <a:srcRect r="25106"/>
+          <a:stretch/>
+        </p:blipFill>
+        <p:spPr bwMode="auto">
+          <a:xfrm>
+            <a:off x="152399" y="1224230"/>
+            <a:ext cx="8610601" cy="5405170"/>
+          </a:xfrm>
+          <a:prstGeom prst="rect">
+            <a:avLst/>
+          </a:prstGeom>
+          <a:noFill/>
+          <a:ln>
+            <a:noFill/>
+          </a:ln>
+          <a:effectLst/>
+          <a:extLst>
+            <a:ext uri="{909E8E84-426E-40DD-AFC4-6F175D3DCCD1}">
+              <a14:hiddenFill xmlns:a14="http://schemas.microsoft.com/office/drawing/2010/main">
+                <a:solidFill>
+                  <a:schemeClr val="accent1"/>
+                </a:solidFill>
+              </a14:hiddenFill>
+            </a:ext>
+            <a:ext uri="{91240B29-F687-4F45-9708-019B960494DF}">
+              <a14:hiddenLine xmlns:a14="http://schemas.microsoft.com/office/drawing/2010/main" w="9525">
+                <a:solidFill>
+                  <a:schemeClr val="tx1"/>
+                </a:solidFill>
+                <a:miter lim="800000"/>
+                <a:headEnd/>
+                <a:tailEnd/>
+              </a14:hiddenLine>
+            </a:ext>
+            <a:ext uri="{AF507438-7753-43E0-B8FC-AC1667EBCBE1}">
+              <a14:hiddenEffects xmlns:a14="http://schemas.microsoft.com/office/drawing/2010/main">
+                <a:effectLst>
+                  <a:outerShdw dist="35921" dir="2700000" algn="ctr" rotWithShape="0">
+                    <a:schemeClr val="bg2"/>
+                  </a:outerShdw>
+                </a:effectLst>
+              </a14:hiddenEffects>
+            </a:ext>
+          </a:extLst>
+        </p:spPr>
+      </p:pic>
+      <p:pic>
+        <p:nvPicPr>
+          <p:cNvPr id="4" name="Picture 2"/>
+          <p:cNvPicPr>
+            <a:picLocks noChangeAspect="1" noChangeArrowheads="1"/>
+          </p:cNvPicPr>
+          <p:nvPr/>
+        </p:nvPicPr>
+        <p:blipFill rotWithShape="1">
+          <a:blip r:embed="rId3">
+            <a:extLst>
+              <a:ext uri="{28A0092B-C50C-407E-A947-70E740481C1C}">
+                <a14:useLocalDpi xmlns:a14="http://schemas.microsoft.com/office/drawing/2010/main" val="0"/>
+              </a:ext>
+            </a:extLst>
+          </a:blip>
+          <a:srcRect l="29099" t="24805" r="45095" b="51172"/>
+          <a:stretch/>
+        </p:blipFill>
+        <p:spPr bwMode="auto">
+          <a:xfrm>
+            <a:off x="4171950" y="3276600"/>
+            <a:ext cx="4804315" cy="2514600"/>
+          </a:xfrm>
+          <a:prstGeom prst="rect">
+            <a:avLst/>
+          </a:prstGeom>
+          <a:noFill/>
+          <a:ln>
+            <a:noFill/>
+          </a:ln>
+          <a:effectLst/>
+          <a:extLst>
+            <a:ext uri="{909E8E84-426E-40DD-AFC4-6F175D3DCCD1}">
+              <a14:hiddenFill xmlns:a14="http://schemas.microsoft.com/office/drawing/2010/main">
+                <a:solidFill>
+                  <a:schemeClr val="accent1"/>
+                </a:solidFill>
+              </a14:hiddenFill>
+            </a:ext>
+            <a:ext uri="{91240B29-F687-4F45-9708-019B960494DF}">
+              <a14:hiddenLine xmlns:a14="http://schemas.microsoft.com/office/drawing/2010/main" w="9525">
+                <a:solidFill>
+                  <a:schemeClr val="tx1"/>
+                </a:solidFill>
+                <a:miter lim="800000"/>
+                <a:headEnd/>
+                <a:tailEnd/>
+              </a14:hiddenLine>
+            </a:ext>
+            <a:ext uri="{AF507438-7753-43E0-B8FC-AC1667EBCBE1}">
+              <a14:hiddenEffects xmlns:a14="http://schemas.microsoft.com/office/drawing/2010/main">
+                <a:effectLst>
+                  <a:outerShdw dist="35921" dir="2700000" algn="ctr" rotWithShape="0">
+                    <a:schemeClr val="bg2"/>
+                  </a:outerShdw>
+                </a:effectLst>
+              </a14:hiddenEffects>
+            </a:ext>
+          </a:extLst>
+        </p:spPr>
+      </p:pic>
+      <p:sp>
+        <p:nvSpPr>
+          <p:cNvPr id="5" name="Rectangle 4"/>
+          <p:cNvSpPr/>
+          <p:nvPr/>
+        </p:nvSpPr>
+        <p:spPr>
+          <a:xfrm>
+            <a:off x="0" y="304800"/>
+            <a:ext cx="9144000" cy="646331"/>
+          </a:xfrm>
+          <a:prstGeom prst="rect">
+            <a:avLst/>
+          </a:prstGeom>
+        </p:spPr>
+        <p:txBody>
+          <a:bodyPr wrap="square">
+            <a:spAutoFit/>
+          </a:bodyPr>
+          <a:lstStyle/>
+          <a:p>
+            <a:pPr algn="ctr"/>
+            <a:r>
+              <a:rPr lang="en-US" sz="3600" b="1">
+                <a:solidFill>
+                  <a:srgbClr val="0F02B6"/>
+                </a:solidFill>
+                <a:effectLst>
+                  <a:outerShdw blurRad="38100" dist="38100" dir="2700000" algn="tl">
+                    <a:srgbClr val="000000">
+                      <a:alpha val="43137"/>
+                    </a:srgbClr>
+                  </a:outerShdw>
+                </a:effectLst>
+                <a:latin typeface="Times New Roman" pitchFamily="18" charset="0"/>
+                <a:cs typeface="Times New Roman" pitchFamily="18" charset="0"/>
+              </a:rPr>
+              <a:t> WPF code and XAML:</a:t>
+            </a:r>
+            <a:endParaRPr lang="en-US" sz="3600" b="1">
+              <a:solidFill>
+                <a:srgbClr val="0F02B6"/>
+              </a:solidFill>
+              <a:effectLst>
+                <a:outerShdw blurRad="38100" dist="38100" dir="2700000" algn="tl">
+                  <a:srgbClr val="000000">
+                    <a:alpha val="43137"/>
+                  </a:srgbClr>
+                </a:outerShdw>
+              </a:effectLst>
+              <a:latin typeface="Times New Roman" pitchFamily="18" charset="0"/>
+              <a:cs typeface="Times New Roman" pitchFamily="18" charset="0"/>
+            </a:endParaRPr>
+          </a:p>
+        </p:txBody>
+      </p:sp>
+    </p:spTree>
+    <p:extLst>
+      <p:ext uri="{BB962C8B-B14F-4D97-AF65-F5344CB8AC3E}">
+        <p14:creationId xmlns:p14="http://schemas.microsoft.com/office/powerpoint/2010/main" val="3508213636"/>
+      </p:ext>
+    </p:extLst>
+  </p:cSld>
+  <p:clrMapOvr>
+    <a:masterClrMapping/>
+  </p:clrMapOvr>
+  <p:timing>
+    <p:tnLst>
+      <p:par>
+        <p:cTn id="1" dur="indefinite" restart="never" nodeType="tmRoot"/>
+      </p:par>
+    </p:tnLst>
+  </p:timing>
+</p:sld>
+</file>
+
+<file path=ppt/slides/slide13.xml><?xml version="1.0" encoding="utf-8"?>
+<p:sld xmlns:a="http://schemas.openxmlformats.org/drawingml/2006/main" xmlns:r="http://schemas.openxmlformats.org/officeDocument/2006/relationships" xmlns:p="http://schemas.openxmlformats.org/presentationml/2006/main">
+  <p:cSld>
+    <p:spTree>
+      <p:nvGrpSpPr>
+        <p:cNvPr id="1" name=""/>
+        <p:cNvGrpSpPr/>
+        <p:nvPr/>
+      </p:nvGrpSpPr>
+      <p:grpSpPr>
+        <a:xfrm>
+          <a:off x="0" y="0"/>
+          <a:ext cx="0" cy="0"/>
+          <a:chOff x="0" y="0"/>
+          <a:chExt cx="0" cy="0"/>
+        </a:xfrm>
+      </p:grpSpPr>
+      <p:sp>
+        <p:nvSpPr>
           <p:cNvPr id="2" name="Title 1"/>
           <p:cNvSpPr>
             <a:spLocks noGrp="1"/>
@@ -9297,7 +9806,7 @@
           <a:p>
             <a:fld id="{DDE78882-3F85-442E-9580-E9FE03BA44CF}" type="slidenum">
               <a:rPr lang="en-US" smtClean="0"/>
-              <a:t>11</a:t>
+              <a:t>13</a:t>
             </a:fld>
             <a:endParaRPr lang="en-US"/>
           </a:p>
@@ -9307,1030 +9816,6 @@
     <p:extLst>
       <p:ext uri="{BB962C8B-B14F-4D97-AF65-F5344CB8AC3E}">
         <p14:creationId xmlns:p14="http://schemas.microsoft.com/office/powerpoint/2010/main" val="3388116215"/>
-      </p:ext>
-    </p:extLst>
-  </p:cSld>
-  <p:clrMapOvr>
-    <a:masterClrMapping/>
-  </p:clrMapOvr>
-  <p:timing>
-    <p:tnLst>
-      <p:par>
-        <p:cTn id="1" dur="indefinite" restart="never" nodeType="tmRoot"/>
-      </p:par>
-    </p:tnLst>
-  </p:timing>
-</p:sld>
-</file>
-
-<file path=ppt/slides/slide12.xml><?xml version="1.0" encoding="utf-8"?>
-<p:sld xmlns:a="http://schemas.openxmlformats.org/drawingml/2006/main" xmlns:r="http://schemas.openxmlformats.org/officeDocument/2006/relationships" xmlns:p="http://schemas.openxmlformats.org/presentationml/2006/main">
-  <p:cSld>
-    <p:spTree>
-      <p:nvGrpSpPr>
-        <p:cNvPr id="1" name=""/>
-        <p:cNvGrpSpPr/>
-        <p:nvPr/>
-      </p:nvGrpSpPr>
-      <p:grpSpPr>
-        <a:xfrm>
-          <a:off x="0" y="0"/>
-          <a:ext cx="0" cy="0"/>
-          <a:chOff x="0" y="0"/>
-          <a:chExt cx="0" cy="0"/>
-        </a:xfrm>
-      </p:grpSpPr>
-      <p:sp>
-        <p:nvSpPr>
-          <p:cNvPr id="2" name="Title 1"/>
-          <p:cNvSpPr>
-            <a:spLocks noGrp="1"/>
-          </p:cNvSpPr>
-          <p:nvPr>
-            <p:ph type="title"/>
-          </p:nvPr>
-        </p:nvSpPr>
-        <p:spPr/>
-        <p:txBody>
-          <a:bodyPr>
-            <a:normAutofit fontScale="90000"/>
-          </a:bodyPr>
-          <a:lstStyle/>
-          <a:p>
-            <a:r>
-              <a:rPr lang="en-US" dirty="0" err="1" smtClean="0">
-                <a:solidFill>
-                  <a:schemeClr val="tx2">
-                    <a:lumMod val="60000"/>
-                    <a:lumOff val="40000"/>
-                  </a:schemeClr>
-                </a:solidFill>
-              </a:rPr>
-              <a:t>Các</a:t>
-            </a:r>
-            <a:r>
-              <a:rPr lang="en-US" dirty="0" smtClean="0">
-                <a:solidFill>
-                  <a:schemeClr val="tx2">
-                    <a:lumMod val="60000"/>
-                    <a:lumOff val="40000"/>
-                  </a:schemeClr>
-                </a:solidFill>
-              </a:rPr>
-              <a:t> </a:t>
-            </a:r>
-            <a:r>
-              <a:rPr lang="en-US" dirty="0" err="1" smtClean="0">
-                <a:solidFill>
-                  <a:schemeClr val="tx2">
-                    <a:lumMod val="60000"/>
-                    <a:lumOff val="40000"/>
-                  </a:schemeClr>
-                </a:solidFill>
-              </a:rPr>
-              <a:t>thành</a:t>
-            </a:r>
-            <a:r>
-              <a:rPr lang="en-US" dirty="0" smtClean="0">
-                <a:solidFill>
-                  <a:schemeClr val="tx2">
-                    <a:lumMod val="60000"/>
-                    <a:lumOff val="40000"/>
-                  </a:schemeClr>
-                </a:solidFill>
-              </a:rPr>
-              <a:t> </a:t>
-            </a:r>
-            <a:r>
-              <a:rPr lang="en-US" dirty="0" err="1" smtClean="0">
-                <a:solidFill>
-                  <a:schemeClr val="tx2">
-                    <a:lumMod val="60000"/>
-                    <a:lumOff val="40000"/>
-                  </a:schemeClr>
-                </a:solidFill>
-              </a:rPr>
-              <a:t>phần</a:t>
-            </a:r>
-            <a:r>
-              <a:rPr lang="en-US" dirty="0" smtClean="0">
-                <a:solidFill>
-                  <a:schemeClr val="tx2">
-                    <a:lumMod val="60000"/>
-                    <a:lumOff val="40000"/>
-                  </a:schemeClr>
-                </a:solidFill>
-              </a:rPr>
-              <a:t> </a:t>
-            </a:r>
-            <a:r>
-              <a:rPr lang="en-US" dirty="0" err="1" smtClean="0">
-                <a:solidFill>
-                  <a:schemeClr val="tx2">
-                    <a:lumMod val="60000"/>
-                    <a:lumOff val="40000"/>
-                  </a:schemeClr>
-                </a:solidFill>
-              </a:rPr>
-              <a:t>cơ</a:t>
-            </a:r>
-            <a:r>
-              <a:rPr lang="en-US" dirty="0" smtClean="0">
-                <a:solidFill>
-                  <a:schemeClr val="tx2">
-                    <a:lumMod val="60000"/>
-                    <a:lumOff val="40000"/>
-                  </a:schemeClr>
-                </a:solidFill>
-              </a:rPr>
-              <a:t> </a:t>
-            </a:r>
-            <a:r>
-              <a:rPr lang="en-US" dirty="0" err="1" smtClean="0">
-                <a:solidFill>
-                  <a:schemeClr val="tx2">
-                    <a:lumMod val="60000"/>
-                    <a:lumOff val="40000"/>
-                  </a:schemeClr>
-                </a:solidFill>
-              </a:rPr>
-              <a:t>bản</a:t>
-            </a:r>
-            <a:r>
-              <a:rPr lang="en-US" dirty="0" smtClean="0">
-                <a:solidFill>
-                  <a:schemeClr val="tx2">
-                    <a:lumMod val="60000"/>
-                    <a:lumOff val="40000"/>
-                  </a:schemeClr>
-                </a:solidFill>
-              </a:rPr>
-              <a:t> </a:t>
-            </a:r>
-            <a:r>
-              <a:rPr lang="en-US" dirty="0" err="1" smtClean="0">
-                <a:solidFill>
-                  <a:schemeClr val="tx2">
-                    <a:lumMod val="60000"/>
-                    <a:lumOff val="40000"/>
-                  </a:schemeClr>
-                </a:solidFill>
-              </a:rPr>
-              <a:t>và</a:t>
-            </a:r>
-            <a:r>
-              <a:rPr lang="en-US" dirty="0" smtClean="0">
-                <a:solidFill>
-                  <a:schemeClr val="tx2">
-                    <a:lumMod val="60000"/>
-                    <a:lumOff val="40000"/>
-                  </a:schemeClr>
-                </a:solidFill>
-              </a:rPr>
-              <a:t> </a:t>
-            </a:r>
-            <a:r>
-              <a:rPr lang="en-US" dirty="0" err="1" smtClean="0">
-                <a:solidFill>
-                  <a:schemeClr val="tx2">
-                    <a:lumMod val="60000"/>
-                    <a:lumOff val="40000"/>
-                  </a:schemeClr>
-                </a:solidFill>
-              </a:rPr>
-              <a:t>tính</a:t>
-            </a:r>
-            <a:r>
-              <a:rPr lang="en-US" dirty="0" smtClean="0">
-                <a:solidFill>
-                  <a:schemeClr val="tx2">
-                    <a:lumMod val="60000"/>
-                    <a:lumOff val="40000"/>
-                  </a:schemeClr>
-                </a:solidFill>
-              </a:rPr>
-              <a:t> </a:t>
-            </a:r>
-            <a:r>
-              <a:rPr lang="en-US" dirty="0" err="1" smtClean="0">
-                <a:solidFill>
-                  <a:schemeClr val="tx2">
-                    <a:lumMod val="60000"/>
-                    <a:lumOff val="40000"/>
-                  </a:schemeClr>
-                </a:solidFill>
-              </a:rPr>
-              <a:t>năng</a:t>
-            </a:r>
-            <a:r>
-              <a:rPr lang="en-US" dirty="0" smtClean="0">
-                <a:solidFill>
-                  <a:schemeClr val="tx2">
-                    <a:lumMod val="60000"/>
-                    <a:lumOff val="40000"/>
-                  </a:schemeClr>
-                </a:solidFill>
-              </a:rPr>
-              <a:t>  </a:t>
-            </a:r>
-            <a:r>
-              <a:rPr lang="en-US" dirty="0" err="1" smtClean="0">
-                <a:solidFill>
-                  <a:schemeClr val="tx2">
-                    <a:lumMod val="60000"/>
-                    <a:lumOff val="40000"/>
-                  </a:schemeClr>
-                </a:solidFill>
-              </a:rPr>
-              <a:t>của</a:t>
-            </a:r>
-            <a:r>
-              <a:rPr lang="en-US" dirty="0" smtClean="0">
-                <a:solidFill>
-                  <a:schemeClr val="tx2">
-                    <a:lumMod val="60000"/>
-                    <a:lumOff val="40000"/>
-                  </a:schemeClr>
-                </a:solidFill>
-              </a:rPr>
-              <a:t> WPF</a:t>
-            </a:r>
-            <a:endParaRPr lang="en-US" dirty="0">
-              <a:solidFill>
-                <a:schemeClr val="tx2">
-                  <a:lumMod val="60000"/>
-                  <a:lumOff val="40000"/>
-                </a:schemeClr>
-              </a:solidFill>
-            </a:endParaRPr>
-          </a:p>
-        </p:txBody>
-      </p:sp>
-      <p:pic>
-        <p:nvPicPr>
-          <p:cNvPr id="4098" name="Picture 2"/>
-          <p:cNvPicPr>
-            <a:picLocks noGrp="1" noChangeAspect="1" noChangeArrowheads="1"/>
-          </p:cNvPicPr>
-          <p:nvPr>
-            <p:ph idx="1"/>
-          </p:nvPr>
-        </p:nvPicPr>
-        <p:blipFill>
-          <a:blip r:embed="rId2">
-            <a:extLst>
-              <a:ext uri="{28A0092B-C50C-407E-A947-70E740481C1C}">
-                <a14:useLocalDpi xmlns:a14="http://schemas.microsoft.com/office/drawing/2010/main" val="0"/>
-              </a:ext>
-            </a:extLst>
-          </a:blip>
-          <a:srcRect/>
-          <a:stretch>
-            <a:fillRect/>
-          </a:stretch>
-        </p:blipFill>
-        <p:spPr bwMode="auto">
-          <a:xfrm>
-            <a:off x="304800" y="1524000"/>
-            <a:ext cx="8534400" cy="4800599"/>
-          </a:xfrm>
-          <a:prstGeom prst="rect">
-            <a:avLst/>
-          </a:prstGeom>
-          <a:noFill/>
-          <a:ln>
-            <a:noFill/>
-          </a:ln>
-          <a:effectLst/>
-          <a:extLst>
-            <a:ext uri="{909E8E84-426E-40DD-AFC4-6F175D3DCCD1}">
-              <a14:hiddenFill xmlns:a14="http://schemas.microsoft.com/office/drawing/2010/main">
-                <a:solidFill>
-                  <a:schemeClr val="accent1"/>
-                </a:solidFill>
-              </a14:hiddenFill>
-            </a:ext>
-            <a:ext uri="{91240B29-F687-4F45-9708-019B960494DF}">
-              <a14:hiddenLine xmlns:a14="http://schemas.microsoft.com/office/drawing/2010/main" w="9525">
-                <a:solidFill>
-                  <a:schemeClr val="tx1"/>
-                </a:solidFill>
-                <a:miter lim="800000"/>
-                <a:headEnd/>
-                <a:tailEnd/>
-              </a14:hiddenLine>
-            </a:ext>
-            <a:ext uri="{AF507438-7753-43E0-B8FC-AC1667EBCBE1}">
-              <a14:hiddenEffects xmlns:a14="http://schemas.microsoft.com/office/drawing/2010/main">
-                <a:effectLst>
-                  <a:outerShdw dist="35921" dir="2700000" algn="ctr" rotWithShape="0">
-                    <a:schemeClr val="bg2"/>
-                  </a:outerShdw>
-                </a:effectLst>
-              </a14:hiddenEffects>
-            </a:ext>
-          </a:extLst>
-        </p:spPr>
-      </p:pic>
-      <p:sp>
-        <p:nvSpPr>
-          <p:cNvPr id="3" name="Slide Number Placeholder 2"/>
-          <p:cNvSpPr>
-            <a:spLocks noGrp="1"/>
-          </p:cNvSpPr>
-          <p:nvPr>
-            <p:ph type="sldNum" sz="quarter" idx="12"/>
-          </p:nvPr>
-        </p:nvSpPr>
-        <p:spPr/>
-        <p:txBody>
-          <a:bodyPr/>
-          <a:lstStyle/>
-          <a:p>
-            <a:fld id="{DDE78882-3F85-442E-9580-E9FE03BA44CF}" type="slidenum">
-              <a:rPr lang="en-US" smtClean="0"/>
-              <a:t>12</a:t>
-            </a:fld>
-            <a:endParaRPr lang="en-US"/>
-          </a:p>
-        </p:txBody>
-      </p:sp>
-    </p:spTree>
-    <p:extLst>
-      <p:ext uri="{BB962C8B-B14F-4D97-AF65-F5344CB8AC3E}">
-        <p14:creationId xmlns:p14="http://schemas.microsoft.com/office/powerpoint/2010/main" val="2063249309"/>
-      </p:ext>
-    </p:extLst>
-  </p:cSld>
-  <p:clrMapOvr>
-    <a:masterClrMapping/>
-  </p:clrMapOvr>
-  <p:timing>
-    <p:tnLst>
-      <p:par>
-        <p:cTn id="1" dur="indefinite" restart="never" nodeType="tmRoot"/>
-      </p:par>
-    </p:tnLst>
-  </p:timing>
-</p:sld>
-</file>
-
-<file path=ppt/slides/slide13.xml><?xml version="1.0" encoding="utf-8"?>
-<p:sld xmlns:a="http://schemas.openxmlformats.org/drawingml/2006/main" xmlns:r="http://schemas.openxmlformats.org/officeDocument/2006/relationships" xmlns:p="http://schemas.openxmlformats.org/presentationml/2006/main">
-  <p:cSld>
-    <p:spTree>
-      <p:nvGrpSpPr>
-        <p:cNvPr id="1" name=""/>
-        <p:cNvGrpSpPr/>
-        <p:nvPr/>
-      </p:nvGrpSpPr>
-      <p:grpSpPr>
-        <a:xfrm>
-          <a:off x="0" y="0"/>
-          <a:ext cx="0" cy="0"/>
-          <a:chOff x="0" y="0"/>
-          <a:chExt cx="0" cy="0"/>
-        </a:xfrm>
-      </p:grpSpPr>
-      <p:sp>
-        <p:nvSpPr>
-          <p:cNvPr id="2" name="Title 1"/>
-          <p:cNvSpPr>
-            <a:spLocks noGrp="1"/>
-          </p:cNvSpPr>
-          <p:nvPr>
-            <p:ph type="title"/>
-          </p:nvPr>
-        </p:nvSpPr>
-        <p:spPr>
-          <a:xfrm>
-            <a:off x="457200" y="0"/>
-            <a:ext cx="8229600" cy="1417638"/>
-          </a:xfrm>
-        </p:spPr>
-        <p:txBody>
-          <a:bodyPr>
-            <a:normAutofit fontScale="90000"/>
-          </a:bodyPr>
-          <a:lstStyle/>
-          <a:p>
-            <a:pPr algn="l"/>
-            <a:r>
-              <a:rPr lang="en-US" dirty="0" smtClean="0"/>
-              <a:t/>
-            </a:r>
-            <a:br>
-              <a:rPr lang="en-US" dirty="0" smtClean="0"/>
-            </a:br>
-            <a:r>
-              <a:rPr lang="en-US" b="1" dirty="0">
-                <a:solidFill>
-                  <a:srgbClr val="0070C0"/>
-                </a:solidFill>
-                <a:sym typeface="Wingdings"/>
-              </a:rPr>
-              <a:t></a:t>
-            </a:r>
-            <a:r>
-              <a:rPr lang="en-US" b="1" dirty="0" smtClean="0">
-                <a:solidFill>
-                  <a:srgbClr val="0070C0"/>
-                </a:solidFill>
-                <a:latin typeface="Times New Roman" pitchFamily="18" charset="0"/>
-                <a:cs typeface="Times New Roman" pitchFamily="18" charset="0"/>
-              </a:rPr>
-              <a:t>Layout &amp; Control </a:t>
-            </a:r>
-            <a:r>
-              <a:rPr lang="en-US" dirty="0" smtClean="0">
-                <a:latin typeface="Times New Roman" pitchFamily="18" charset="0"/>
-                <a:cs typeface="Times New Roman" pitchFamily="18" charset="0"/>
-              </a:rPr>
-              <a:t/>
-            </a:r>
-            <a:br>
-              <a:rPr lang="en-US" dirty="0" smtClean="0">
-                <a:latin typeface="Times New Roman" pitchFamily="18" charset="0"/>
-                <a:cs typeface="Times New Roman" pitchFamily="18" charset="0"/>
-              </a:rPr>
-            </a:br>
-            <a:r>
-              <a:rPr lang="en-US" dirty="0" smtClean="0">
-                <a:latin typeface="Times New Roman" pitchFamily="18" charset="0"/>
-                <a:cs typeface="Times New Roman" pitchFamily="18" charset="0"/>
-              </a:rPr>
-              <a:t/>
-            </a:r>
-            <a:br>
-              <a:rPr lang="en-US" dirty="0" smtClean="0">
-                <a:latin typeface="Times New Roman" pitchFamily="18" charset="0"/>
-                <a:cs typeface="Times New Roman" pitchFamily="18" charset="0"/>
-              </a:rPr>
-            </a:br>
-            <a:endParaRPr lang="en-US" dirty="0">
-              <a:latin typeface="Times New Roman" pitchFamily="18" charset="0"/>
-              <a:cs typeface="Times New Roman" pitchFamily="18" charset="0"/>
-            </a:endParaRPr>
-          </a:p>
-        </p:txBody>
-      </p:sp>
-      <p:sp>
-        <p:nvSpPr>
-          <p:cNvPr id="3" name="Content Placeholder 2"/>
-          <p:cNvSpPr>
-            <a:spLocks noGrp="1"/>
-          </p:cNvSpPr>
-          <p:nvPr>
-            <p:ph idx="1"/>
-          </p:nvPr>
-        </p:nvSpPr>
-        <p:spPr>
-          <a:xfrm>
-            <a:off x="304800" y="914400"/>
-            <a:ext cx="8229600" cy="5334000"/>
-          </a:xfrm>
-        </p:spPr>
-        <p:txBody>
-          <a:bodyPr>
-            <a:normAutofit lnSpcReduction="10000"/>
-          </a:bodyPr>
-          <a:lstStyle/>
-          <a:p>
-            <a:r>
-              <a:rPr lang="en-US" sz="2900" dirty="0" smtClean="0">
-                <a:latin typeface="Times New Roman" pitchFamily="18" charset="0"/>
-                <a:cs typeface="Times New Roman" pitchFamily="18" charset="0"/>
-              </a:rPr>
-              <a:t>WPF </a:t>
-            </a:r>
-            <a:r>
-              <a:rPr lang="en-US" sz="2900" dirty="0" err="1" smtClean="0">
-                <a:latin typeface="Times New Roman" pitchFamily="18" charset="0"/>
-                <a:cs typeface="Times New Roman" pitchFamily="18" charset="0"/>
-              </a:rPr>
-              <a:t>sử</a:t>
-            </a:r>
-            <a:r>
-              <a:rPr lang="en-US" sz="2900" dirty="0" smtClean="0">
-                <a:latin typeface="Times New Roman" pitchFamily="18" charset="0"/>
-                <a:cs typeface="Times New Roman" pitchFamily="18" charset="0"/>
-              </a:rPr>
-              <a:t> </a:t>
-            </a:r>
-            <a:r>
-              <a:rPr lang="en-US" sz="2900" dirty="0" err="1" smtClean="0">
-                <a:latin typeface="Times New Roman" pitchFamily="18" charset="0"/>
-                <a:cs typeface="Times New Roman" pitchFamily="18" charset="0"/>
-              </a:rPr>
-              <a:t>dụng</a:t>
-            </a:r>
-            <a:r>
-              <a:rPr lang="en-US" sz="2900" dirty="0" smtClean="0">
-                <a:latin typeface="Times New Roman" pitchFamily="18" charset="0"/>
-                <a:cs typeface="Times New Roman" pitchFamily="18" charset="0"/>
-              </a:rPr>
-              <a:t> Panel. </a:t>
-            </a:r>
-            <a:r>
-              <a:rPr lang="en-US" sz="2900" dirty="0" err="1" smtClean="0">
-                <a:latin typeface="Times New Roman" pitchFamily="18" charset="0"/>
-                <a:cs typeface="Times New Roman" pitchFamily="18" charset="0"/>
-              </a:rPr>
-              <a:t>Có</a:t>
-            </a:r>
-            <a:r>
-              <a:rPr lang="en-US" sz="2900" dirty="0" smtClean="0">
-                <a:latin typeface="Times New Roman" pitchFamily="18" charset="0"/>
-                <a:cs typeface="Times New Roman" pitchFamily="18" charset="0"/>
-              </a:rPr>
-              <a:t> </a:t>
-            </a:r>
-            <a:r>
-              <a:rPr lang="en-US" sz="2900" dirty="0" err="1" smtClean="0">
-                <a:latin typeface="Times New Roman" pitchFamily="18" charset="0"/>
-                <a:cs typeface="Times New Roman" pitchFamily="18" charset="0"/>
-              </a:rPr>
-              <a:t>nhiều</a:t>
-            </a:r>
-            <a:r>
-              <a:rPr lang="en-US" sz="2900" dirty="0" smtClean="0">
-                <a:latin typeface="Times New Roman" pitchFamily="18" charset="0"/>
-                <a:cs typeface="Times New Roman" pitchFamily="18" charset="0"/>
-              </a:rPr>
-              <a:t> </a:t>
-            </a:r>
-            <a:r>
-              <a:rPr lang="en-US" sz="2900" dirty="0" err="1" smtClean="0">
-                <a:latin typeface="Times New Roman" pitchFamily="18" charset="0"/>
-                <a:cs typeface="Times New Roman" pitchFamily="18" charset="0"/>
-              </a:rPr>
-              <a:t>dạng</a:t>
-            </a:r>
-            <a:r>
-              <a:rPr lang="en-US" sz="2900" dirty="0" smtClean="0">
-                <a:latin typeface="Times New Roman" pitchFamily="18" charset="0"/>
-                <a:cs typeface="Times New Roman" pitchFamily="18" charset="0"/>
-              </a:rPr>
-              <a:t> </a:t>
-            </a:r>
-            <a:r>
-              <a:rPr lang="en-US" sz="2900" dirty="0" err="1" smtClean="0">
-                <a:latin typeface="Times New Roman" pitchFamily="18" charset="0"/>
-                <a:cs typeface="Times New Roman" pitchFamily="18" charset="0"/>
-              </a:rPr>
-              <a:t>khác</a:t>
-            </a:r>
-            <a:r>
-              <a:rPr lang="en-US" sz="2900" dirty="0" smtClean="0">
-                <a:latin typeface="Times New Roman" pitchFamily="18" charset="0"/>
-                <a:cs typeface="Times New Roman" pitchFamily="18" charset="0"/>
-              </a:rPr>
-              <a:t> </a:t>
-            </a:r>
-            <a:r>
-              <a:rPr lang="en-US" sz="2900" dirty="0" err="1" smtClean="0">
-                <a:latin typeface="Times New Roman" pitchFamily="18" charset="0"/>
-                <a:cs typeface="Times New Roman" pitchFamily="18" charset="0"/>
-              </a:rPr>
-              <a:t>nhau</a:t>
-            </a:r>
-            <a:r>
-              <a:rPr lang="en-US" sz="2900" dirty="0" smtClean="0">
-                <a:latin typeface="Times New Roman" pitchFamily="18" charset="0"/>
-                <a:cs typeface="Times New Roman" pitchFamily="18" charset="0"/>
-              </a:rPr>
-              <a:t>  </a:t>
-            </a:r>
-            <a:r>
-              <a:rPr lang="en-US" sz="2900" dirty="0" err="1" smtClean="0">
-                <a:latin typeface="Times New Roman" pitchFamily="18" charset="0"/>
-                <a:cs typeface="Times New Roman" pitchFamily="18" charset="0"/>
-              </a:rPr>
-              <a:t>như</a:t>
-            </a:r>
-            <a:r>
-              <a:rPr lang="en-US" sz="2900" dirty="0" smtClean="0">
-                <a:latin typeface="Times New Roman" pitchFamily="18" charset="0"/>
-                <a:cs typeface="Times New Roman" pitchFamily="18" charset="0"/>
-              </a:rPr>
-              <a:t>: </a:t>
-            </a:r>
-            <a:r>
-              <a:rPr lang="en-US" sz="2900" dirty="0" err="1" smtClean="0">
-                <a:latin typeface="Times New Roman" pitchFamily="18" charset="0"/>
-                <a:cs typeface="Times New Roman" pitchFamily="18" charset="0"/>
-              </a:rPr>
-              <a:t>Dockpanel</a:t>
-            </a:r>
-            <a:r>
-              <a:rPr lang="en-US" sz="2900" dirty="0" smtClean="0">
-                <a:latin typeface="Times New Roman" pitchFamily="18" charset="0"/>
-                <a:cs typeface="Times New Roman" pitchFamily="18" charset="0"/>
-              </a:rPr>
-              <a:t>, Grid</a:t>
-            </a:r>
-          </a:p>
-          <a:p>
-            <a:r>
-              <a:rPr lang="en-US" sz="2900" dirty="0" err="1" smtClean="0">
-                <a:latin typeface="Times New Roman" pitchFamily="18" charset="0"/>
-                <a:cs typeface="Times New Roman" pitchFamily="18" charset="0"/>
-              </a:rPr>
-              <a:t>Các</a:t>
-            </a:r>
-            <a:r>
-              <a:rPr lang="en-US" sz="2900" dirty="0" smtClean="0">
-                <a:latin typeface="Times New Roman" pitchFamily="18" charset="0"/>
-                <a:cs typeface="Times New Roman" pitchFamily="18" charset="0"/>
-              </a:rPr>
-              <a:t> control </a:t>
-            </a:r>
-            <a:r>
-              <a:rPr lang="en-US" sz="2900" dirty="0" err="1" smtClean="0">
-                <a:latin typeface="Times New Roman" pitchFamily="18" charset="0"/>
-                <a:cs typeface="Times New Roman" pitchFamily="18" charset="0"/>
-              </a:rPr>
-              <a:t>chuẩn</a:t>
-            </a:r>
-            <a:r>
-              <a:rPr lang="en-US" sz="2900" dirty="0" smtClean="0">
-                <a:latin typeface="Times New Roman" pitchFamily="18" charset="0"/>
-                <a:cs typeface="Times New Roman" pitchFamily="18" charset="0"/>
-              </a:rPr>
-              <a:t>: Button, Label, Textbox, </a:t>
-            </a:r>
-            <a:r>
-              <a:rPr lang="en-US" sz="2900" dirty="0" err="1" smtClean="0">
-                <a:latin typeface="Times New Roman" pitchFamily="18" charset="0"/>
-                <a:cs typeface="Times New Roman" pitchFamily="18" charset="0"/>
-              </a:rPr>
-              <a:t>Listbox</a:t>
-            </a:r>
-            <a:endParaRPr lang="en-US" sz="2900" dirty="0" smtClean="0">
-              <a:latin typeface="Times New Roman" pitchFamily="18" charset="0"/>
-              <a:cs typeface="Times New Roman" pitchFamily="18" charset="0"/>
-            </a:endParaRPr>
-          </a:p>
-          <a:p>
-            <a:pPr marL="0" indent="0">
-              <a:buNone/>
-            </a:pPr>
-            <a:r>
-              <a:rPr lang="en-US" sz="2900" dirty="0" smtClean="0">
-                <a:latin typeface="Times New Roman" pitchFamily="18" charset="0"/>
-                <a:cs typeface="Times New Roman" pitchFamily="18" charset="0"/>
-              </a:rPr>
-              <a:t> </a:t>
-            </a:r>
-            <a:r>
-              <a:rPr lang="en-US" sz="4000" b="1" dirty="0" smtClean="0">
-                <a:solidFill>
-                  <a:srgbClr val="0070C0"/>
-                </a:solidFill>
-                <a:latin typeface="Times New Roman" pitchFamily="18" charset="0"/>
-                <a:cs typeface="Times New Roman" pitchFamily="18" charset="0"/>
-                <a:sym typeface="Wingdings"/>
-              </a:rPr>
-              <a:t> </a:t>
-            </a:r>
-            <a:r>
-              <a:rPr lang="en-US" sz="4000" b="1" dirty="0" smtClean="0">
-                <a:solidFill>
-                  <a:srgbClr val="0070C0"/>
-                </a:solidFill>
-                <a:latin typeface="Times New Roman" pitchFamily="18" charset="0"/>
-                <a:cs typeface="Times New Roman" pitchFamily="18" charset="0"/>
-              </a:rPr>
-              <a:t>Style &amp; Template</a:t>
-            </a:r>
-          </a:p>
-          <a:p>
-            <a:pPr marL="0" indent="0">
-              <a:buNone/>
-            </a:pPr>
-            <a:r>
-              <a:rPr lang="en-US" sz="2900" dirty="0">
-                <a:latin typeface="Times New Roman" pitchFamily="18" charset="0"/>
-                <a:cs typeface="Times New Roman" pitchFamily="18" charset="0"/>
-                <a:sym typeface="Wingdings"/>
-              </a:rPr>
-              <a:t></a:t>
-            </a:r>
-            <a:r>
-              <a:rPr lang="en-US" sz="2900" dirty="0" smtClean="0">
-                <a:latin typeface="Times New Roman" pitchFamily="18" charset="0"/>
-                <a:cs typeface="Times New Roman" pitchFamily="18" charset="0"/>
-              </a:rPr>
-              <a:t> WPF </a:t>
-            </a:r>
-            <a:r>
-              <a:rPr lang="en-US" sz="2900" dirty="0" err="1" smtClean="0">
-                <a:latin typeface="Times New Roman" pitchFamily="18" charset="0"/>
-                <a:cs typeface="Times New Roman" pitchFamily="18" charset="0"/>
-              </a:rPr>
-              <a:t>cung</a:t>
-            </a:r>
-            <a:r>
-              <a:rPr lang="en-US" sz="2900" dirty="0" smtClean="0">
-                <a:latin typeface="Times New Roman" pitchFamily="18" charset="0"/>
-                <a:cs typeface="Times New Roman" pitchFamily="18" charset="0"/>
-              </a:rPr>
-              <a:t> </a:t>
-            </a:r>
-            <a:r>
-              <a:rPr lang="en-US" sz="2900" dirty="0" err="1" smtClean="0">
-                <a:latin typeface="Times New Roman" pitchFamily="18" charset="0"/>
-                <a:cs typeface="Times New Roman" pitchFamily="18" charset="0"/>
-              </a:rPr>
-              <a:t>cấp</a:t>
-            </a:r>
-            <a:r>
-              <a:rPr lang="en-US" sz="2900" dirty="0" smtClean="0">
-                <a:latin typeface="Times New Roman" pitchFamily="18" charset="0"/>
-                <a:cs typeface="Times New Roman" pitchFamily="18" charset="0"/>
-              </a:rPr>
-              <a:t> </a:t>
-            </a:r>
-            <a:r>
-              <a:rPr lang="en-US" sz="2900" dirty="0" err="1" smtClean="0">
-                <a:latin typeface="Times New Roman" pitchFamily="18" charset="0"/>
-                <a:cs typeface="Times New Roman" pitchFamily="18" charset="0"/>
-              </a:rPr>
-              <a:t>tính</a:t>
-            </a:r>
-            <a:r>
-              <a:rPr lang="en-US" sz="2900" dirty="0" smtClean="0">
-                <a:latin typeface="Times New Roman" pitchFamily="18" charset="0"/>
-                <a:cs typeface="Times New Roman" pitchFamily="18" charset="0"/>
-              </a:rPr>
-              <a:t> </a:t>
-            </a:r>
-            <a:r>
-              <a:rPr lang="en-US" sz="2900" dirty="0" err="1" smtClean="0">
-                <a:latin typeface="Times New Roman" pitchFamily="18" charset="0"/>
-                <a:cs typeface="Times New Roman" pitchFamily="18" charset="0"/>
-              </a:rPr>
-              <a:t>năng</a:t>
-            </a:r>
-            <a:r>
-              <a:rPr lang="en-US" sz="2900" dirty="0" smtClean="0">
-                <a:latin typeface="Times New Roman" pitchFamily="18" charset="0"/>
-                <a:cs typeface="Times New Roman" pitchFamily="18" charset="0"/>
-              </a:rPr>
-              <a:t> </a:t>
-            </a:r>
-            <a:r>
-              <a:rPr lang="en-US" sz="2900" dirty="0" err="1" smtClean="0">
-                <a:latin typeface="Times New Roman" pitchFamily="18" charset="0"/>
-                <a:cs typeface="Times New Roman" pitchFamily="18" charset="0"/>
-              </a:rPr>
-              <a:t>sử</a:t>
-            </a:r>
-            <a:r>
-              <a:rPr lang="en-US" sz="2900" dirty="0" smtClean="0">
-                <a:latin typeface="Times New Roman" pitchFamily="18" charset="0"/>
-                <a:cs typeface="Times New Roman" pitchFamily="18" charset="0"/>
-              </a:rPr>
-              <a:t> </a:t>
-            </a:r>
-            <a:r>
-              <a:rPr lang="en-US" sz="2900" dirty="0" err="1" smtClean="0">
-                <a:latin typeface="Times New Roman" pitchFamily="18" charset="0"/>
-                <a:cs typeface="Times New Roman" pitchFamily="18" charset="0"/>
-              </a:rPr>
-              <a:t>dụng</a:t>
-            </a:r>
-            <a:r>
-              <a:rPr lang="en-US" sz="2900" dirty="0" smtClean="0">
-                <a:latin typeface="Times New Roman" pitchFamily="18" charset="0"/>
-                <a:cs typeface="Times New Roman" pitchFamily="18" charset="0"/>
-              </a:rPr>
-              <a:t> Style </a:t>
-            </a:r>
-            <a:r>
-              <a:rPr lang="en-US" sz="2900" dirty="0" err="1" smtClean="0">
-                <a:latin typeface="Times New Roman" pitchFamily="18" charset="0"/>
-                <a:cs typeface="Times New Roman" pitchFamily="18" charset="0"/>
-              </a:rPr>
-              <a:t>của</a:t>
-            </a:r>
-            <a:r>
-              <a:rPr lang="en-US" sz="2900" dirty="0" smtClean="0">
-                <a:latin typeface="Times New Roman" pitchFamily="18" charset="0"/>
-                <a:cs typeface="Times New Roman" pitchFamily="18" charset="0"/>
-              </a:rPr>
-              <a:t> XAML </a:t>
-            </a:r>
-            <a:r>
-              <a:rPr lang="en-US" sz="2900" dirty="0" err="1" smtClean="0">
-                <a:latin typeface="Times New Roman" pitchFamily="18" charset="0"/>
-                <a:cs typeface="Times New Roman" pitchFamily="18" charset="0"/>
-              </a:rPr>
-              <a:t>ví</a:t>
-            </a:r>
-            <a:r>
-              <a:rPr lang="en-US" sz="2900" dirty="0" smtClean="0">
-                <a:latin typeface="Times New Roman" pitchFamily="18" charset="0"/>
-                <a:cs typeface="Times New Roman" pitchFamily="18" charset="0"/>
-              </a:rPr>
-              <a:t> </a:t>
-            </a:r>
-            <a:r>
-              <a:rPr lang="en-US" sz="2900" dirty="0" err="1" smtClean="0">
-                <a:latin typeface="Times New Roman" pitchFamily="18" charset="0"/>
-                <a:cs typeface="Times New Roman" pitchFamily="18" charset="0"/>
-              </a:rPr>
-              <a:t>dụ</a:t>
-            </a:r>
-            <a:r>
-              <a:rPr lang="en-US" sz="2900" dirty="0" smtClean="0">
-                <a:latin typeface="Times New Roman" pitchFamily="18" charset="0"/>
-                <a:cs typeface="Times New Roman" pitchFamily="18" charset="0"/>
-              </a:rPr>
-              <a:t> </a:t>
-            </a:r>
-            <a:r>
-              <a:rPr lang="en-US" sz="2900" dirty="0" err="1" smtClean="0">
-                <a:latin typeface="Times New Roman" pitchFamily="18" charset="0"/>
-                <a:cs typeface="Times New Roman" pitchFamily="18" charset="0"/>
-              </a:rPr>
-              <a:t>một</a:t>
-            </a:r>
-            <a:r>
-              <a:rPr lang="en-US" sz="2900" dirty="0" smtClean="0">
-                <a:latin typeface="Times New Roman" pitchFamily="18" charset="0"/>
-                <a:cs typeface="Times New Roman" pitchFamily="18" charset="0"/>
-              </a:rPr>
-              <a:t> </a:t>
-            </a:r>
-            <a:r>
-              <a:rPr lang="en-US" sz="2900" dirty="0" err="1" smtClean="0">
-                <a:latin typeface="Times New Roman" pitchFamily="18" charset="0"/>
-                <a:cs typeface="Times New Roman" pitchFamily="18" charset="0"/>
-              </a:rPr>
-              <a:t>kiểu</a:t>
-            </a:r>
-            <a:r>
-              <a:rPr lang="en-US" sz="2900" dirty="0" smtClean="0">
-                <a:latin typeface="Times New Roman" pitchFamily="18" charset="0"/>
-                <a:cs typeface="Times New Roman" pitchFamily="18" charset="0"/>
-              </a:rPr>
-              <a:t> button:</a:t>
-            </a:r>
-          </a:p>
-          <a:p>
-            <a:pPr marL="0" indent="0">
-              <a:buNone/>
-            </a:pPr>
-            <a:r>
-              <a:rPr lang="en-US" sz="2900" dirty="0" smtClean="0">
-                <a:latin typeface="Times New Roman" pitchFamily="18" charset="0"/>
-                <a:cs typeface="Times New Roman" pitchFamily="18" charset="0"/>
-              </a:rPr>
-              <a:t>  </a:t>
-            </a:r>
-            <a:r>
-              <a:rPr lang="vi-VN" sz="2900" dirty="0" smtClean="0">
-                <a:latin typeface="Times New Roman" pitchFamily="18" charset="0"/>
-                <a:cs typeface="Times New Roman" pitchFamily="18" charset="0"/>
-              </a:rPr>
-              <a:t>&lt;</a:t>
-            </a:r>
-            <a:r>
-              <a:rPr lang="vi-VN" sz="2900" dirty="0">
-                <a:latin typeface="Times New Roman" pitchFamily="18" charset="0"/>
-                <a:cs typeface="Times New Roman" pitchFamily="18" charset="0"/>
-              </a:rPr>
-              <a:t>Style x:Key="ButtonStyle"&gt; &lt;Setter </a:t>
-            </a:r>
-            <a:r>
-              <a:rPr lang="en-US" sz="2900" dirty="0" smtClean="0">
-                <a:latin typeface="Times New Roman" pitchFamily="18" charset="0"/>
-                <a:cs typeface="Times New Roman" pitchFamily="18" charset="0"/>
-              </a:rPr>
-              <a:t>     </a:t>
-            </a:r>
-            <a:r>
-              <a:rPr lang="vi-VN" sz="2900" dirty="0" smtClean="0">
-                <a:latin typeface="Times New Roman" pitchFamily="18" charset="0"/>
-                <a:cs typeface="Times New Roman" pitchFamily="18" charset="0"/>
-              </a:rPr>
-              <a:t>Property</a:t>
-            </a:r>
-            <a:r>
-              <a:rPr lang="vi-VN" sz="2900" dirty="0">
-                <a:latin typeface="Times New Roman" pitchFamily="18" charset="0"/>
-                <a:cs typeface="Times New Roman" pitchFamily="18" charset="0"/>
-              </a:rPr>
-              <a:t>="Control.Background" Value="Red"/&gt; &lt;Setter </a:t>
-            </a:r>
-            <a:r>
-              <a:rPr lang="en-US" sz="2900" dirty="0" smtClean="0">
-                <a:latin typeface="Times New Roman" pitchFamily="18" charset="0"/>
-                <a:cs typeface="Times New Roman" pitchFamily="18" charset="0"/>
-              </a:rPr>
-              <a:t> </a:t>
-            </a:r>
-            <a:r>
-              <a:rPr lang="vi-VN" sz="2900" dirty="0" smtClean="0">
-                <a:latin typeface="Times New Roman" pitchFamily="18" charset="0"/>
-                <a:cs typeface="Times New Roman" pitchFamily="18" charset="0"/>
-              </a:rPr>
-              <a:t>Property</a:t>
-            </a:r>
-            <a:r>
-              <a:rPr lang="vi-VN" sz="2900" dirty="0">
-                <a:latin typeface="Times New Roman" pitchFamily="18" charset="0"/>
-                <a:cs typeface="Times New Roman" pitchFamily="18" charset="0"/>
-              </a:rPr>
-              <a:t>="Control.FontSize" Value="16"/&gt; &lt;/Style</a:t>
-            </a:r>
-            <a:r>
-              <a:rPr lang="vi-VN" sz="2900" dirty="0" smtClean="0">
-                <a:latin typeface="Times New Roman" pitchFamily="18" charset="0"/>
-                <a:cs typeface="Times New Roman" pitchFamily="18" charset="0"/>
-              </a:rPr>
-              <a:t>&gt;</a:t>
-            </a:r>
-            <a:endParaRPr lang="en-US" sz="2900" dirty="0" smtClean="0">
-              <a:latin typeface="Times New Roman" pitchFamily="18" charset="0"/>
-              <a:cs typeface="Times New Roman" pitchFamily="18" charset="0"/>
-            </a:endParaRPr>
-          </a:p>
-          <a:p>
-            <a:pPr>
-              <a:buFont typeface="Wingdings"/>
-              <a:buChar char="w"/>
-            </a:pPr>
-            <a:r>
-              <a:rPr lang="en-US" sz="2900" dirty="0" err="1" smtClean="0">
-                <a:latin typeface="Times New Roman" pitchFamily="18" charset="0"/>
-                <a:cs typeface="Times New Roman" pitchFamily="18" charset="0"/>
-              </a:rPr>
-              <a:t>DataTemplate</a:t>
-            </a:r>
-            <a:r>
-              <a:rPr lang="en-US" sz="2900" dirty="0" smtClean="0">
-                <a:latin typeface="Times New Roman" pitchFamily="18" charset="0"/>
-                <a:cs typeface="Times New Roman" pitchFamily="18" charset="0"/>
-              </a:rPr>
-              <a:t>  </a:t>
-            </a:r>
-            <a:r>
-              <a:rPr lang="en-US" sz="2900" dirty="0" err="1" smtClean="0">
-                <a:latin typeface="Times New Roman" pitchFamily="18" charset="0"/>
-                <a:cs typeface="Times New Roman" pitchFamily="18" charset="0"/>
-              </a:rPr>
-              <a:t>và</a:t>
-            </a:r>
-            <a:r>
-              <a:rPr lang="en-US" sz="2900" dirty="0" smtClean="0">
-                <a:latin typeface="Times New Roman" pitchFamily="18" charset="0"/>
-                <a:cs typeface="Times New Roman" pitchFamily="18" charset="0"/>
-              </a:rPr>
-              <a:t> </a:t>
-            </a:r>
-            <a:r>
-              <a:rPr lang="en-US" sz="2900" dirty="0" err="1" smtClean="0">
-                <a:latin typeface="Times New Roman" pitchFamily="18" charset="0"/>
-                <a:cs typeface="Times New Roman" pitchFamily="18" charset="0"/>
-              </a:rPr>
-              <a:t>ControlTemplate</a:t>
-            </a:r>
-            <a:endParaRPr lang="en-US" sz="2900" dirty="0">
-              <a:latin typeface="Times New Roman" pitchFamily="18" charset="0"/>
-              <a:cs typeface="Times New Roman" pitchFamily="18" charset="0"/>
-            </a:endParaRPr>
-          </a:p>
-        </p:txBody>
-      </p:sp>
-      <p:sp>
-        <p:nvSpPr>
-          <p:cNvPr id="4" name="Slide Number Placeholder 3"/>
-          <p:cNvSpPr>
-            <a:spLocks noGrp="1"/>
-          </p:cNvSpPr>
-          <p:nvPr>
-            <p:ph type="sldNum" sz="quarter" idx="12"/>
-          </p:nvPr>
-        </p:nvSpPr>
-        <p:spPr/>
-        <p:txBody>
-          <a:bodyPr/>
-          <a:lstStyle/>
-          <a:p>
-            <a:fld id="{DDE78882-3F85-442E-9580-E9FE03BA44CF}" type="slidenum">
-              <a:rPr lang="en-US" smtClean="0"/>
-              <a:t>13</a:t>
-            </a:fld>
-            <a:endParaRPr lang="en-US"/>
-          </a:p>
-        </p:txBody>
-      </p:sp>
-    </p:spTree>
-    <p:extLst>
-      <p:ext uri="{BB962C8B-B14F-4D97-AF65-F5344CB8AC3E}">
-        <p14:creationId xmlns:p14="http://schemas.microsoft.com/office/powerpoint/2010/main" val="3057692845"/>
       </p:ext>
     </p:extLst>
   </p:cSld>
@@ -10374,427 +9859,291 @@
             <p:ph type="title"/>
           </p:nvPr>
         </p:nvSpPr>
-        <p:spPr>
-          <a:xfrm>
-            <a:off x="228600" y="-609600"/>
-            <a:ext cx="8229600" cy="2743200"/>
-          </a:xfrm>
-        </p:spPr>
+        <p:spPr/>
         <p:txBody>
           <a:bodyPr>
             <a:normAutofit fontScale="90000"/>
           </a:bodyPr>
           <a:lstStyle/>
           <a:p>
-            <a:pPr algn="l"/>
-            <a:r>
-              <a:rPr lang="en-US" dirty="0" smtClean="0"/>
-              <a:t/>
-            </a:r>
-            <a:br>
-              <a:rPr lang="en-US" dirty="0" smtClean="0"/>
-            </a:br>
-            <a:r>
-              <a:rPr lang="en-US" dirty="0" smtClean="0"/>
-              <a:t/>
-            </a:r>
-            <a:br>
-              <a:rPr lang="en-US" dirty="0" smtClean="0"/>
-            </a:br>
-            <a:r>
-              <a:rPr lang="en-US" dirty="0"/>
-              <a:t/>
-            </a:r>
-            <a:br>
-              <a:rPr lang="en-US" dirty="0"/>
-            </a:br>
-            <a:r>
-              <a:rPr lang="en-US" b="1" dirty="0" smtClean="0">
-                <a:solidFill>
-                  <a:srgbClr val="0070C0"/>
-                </a:solidFill>
-                <a:latin typeface="Times New Roman" pitchFamily="18" charset="0"/>
-                <a:cs typeface="Times New Roman" pitchFamily="18" charset="0"/>
-                <a:sym typeface="Wingdings"/>
-              </a:rPr>
-              <a:t> </a:t>
-            </a:r>
-            <a:r>
-              <a:rPr lang="en-US" b="1" dirty="0" smtClean="0">
-                <a:solidFill>
-                  <a:srgbClr val="0070C0"/>
-                </a:solidFill>
-                <a:latin typeface="Times New Roman" pitchFamily="18" charset="0"/>
-                <a:cs typeface="Times New Roman" pitchFamily="18" charset="0"/>
-              </a:rPr>
-              <a:t>Text</a:t>
-            </a:r>
-            <a:r>
-              <a:rPr lang="en-US" b="1" dirty="0" smtClean="0"/>
-              <a:t/>
-            </a:r>
-            <a:br>
-              <a:rPr lang="en-US" b="1" dirty="0" smtClean="0"/>
-            </a:br>
-            <a:r>
-              <a:rPr lang="en-US" sz="3200" dirty="0" smtClean="0">
-                <a:latin typeface="Times New Roman" pitchFamily="18" charset="0"/>
-                <a:cs typeface="Times New Roman" pitchFamily="18" charset="0"/>
-              </a:rPr>
-              <a:t>WPF </a:t>
-            </a:r>
-            <a:r>
-              <a:rPr lang="en-US" sz="3200" dirty="0" err="1" smtClean="0">
-                <a:latin typeface="Times New Roman" pitchFamily="18" charset="0"/>
-                <a:cs typeface="Times New Roman" pitchFamily="18" charset="0"/>
-              </a:rPr>
-              <a:t>hỗ</a:t>
-            </a:r>
-            <a:r>
-              <a:rPr lang="en-US" sz="3200" dirty="0" smtClean="0">
-                <a:latin typeface="Times New Roman" pitchFamily="18" charset="0"/>
-                <a:cs typeface="Times New Roman" pitchFamily="18" charset="0"/>
-              </a:rPr>
-              <a:t> </a:t>
-            </a:r>
-            <a:r>
-              <a:rPr lang="en-US" sz="3200" dirty="0" err="1" smtClean="0">
-                <a:latin typeface="Times New Roman" pitchFamily="18" charset="0"/>
-                <a:cs typeface="Times New Roman" pitchFamily="18" charset="0"/>
-              </a:rPr>
-              <a:t>trợ</a:t>
-            </a:r>
-            <a:r>
-              <a:rPr lang="en-US" sz="3200" dirty="0" smtClean="0">
-                <a:latin typeface="Times New Roman" pitchFamily="18" charset="0"/>
-                <a:cs typeface="Times New Roman" pitchFamily="18" charset="0"/>
-              </a:rPr>
-              <a:t> font </a:t>
-            </a:r>
-            <a:r>
-              <a:rPr lang="en-US" sz="3200" dirty="0" err="1" smtClean="0">
-                <a:latin typeface="Times New Roman" pitchFamily="18" charset="0"/>
-                <a:cs typeface="Times New Roman" pitchFamily="18" charset="0"/>
-              </a:rPr>
-              <a:t>chữ</a:t>
-            </a:r>
-            <a:r>
-              <a:rPr lang="en-US" sz="3200" dirty="0" smtClean="0">
-                <a:latin typeface="Times New Roman" pitchFamily="18" charset="0"/>
-                <a:cs typeface="Times New Roman" pitchFamily="18" charset="0"/>
-              </a:rPr>
-              <a:t> </a:t>
-            </a:r>
-            <a:r>
-              <a:rPr lang="en-US" sz="3200" dirty="0" err="1" smtClean="0">
-                <a:latin typeface="Times New Roman" pitchFamily="18" charset="0"/>
-                <a:cs typeface="Times New Roman" pitchFamily="18" charset="0"/>
-              </a:rPr>
-              <a:t>Opentype</a:t>
-            </a:r>
-            <a:r>
-              <a:rPr lang="en-US" sz="3200" dirty="0" smtClean="0">
-                <a:latin typeface="Times New Roman" pitchFamily="18" charset="0"/>
-                <a:cs typeface="Times New Roman" pitchFamily="18" charset="0"/>
-              </a:rPr>
-              <a:t> </a:t>
-            </a:r>
-            <a:r>
-              <a:rPr lang="en-US" sz="3200" dirty="0" err="1" smtClean="0">
-                <a:latin typeface="Times New Roman" pitchFamily="18" charset="0"/>
-                <a:cs typeface="Times New Roman" pitchFamily="18" charset="0"/>
-              </a:rPr>
-              <a:t>chuẩn</a:t>
-            </a:r>
-            <a:r>
-              <a:rPr lang="en-US" sz="3200" dirty="0" smtClean="0">
-                <a:latin typeface="Times New Roman" pitchFamily="18" charset="0"/>
-                <a:cs typeface="Times New Roman" pitchFamily="18" charset="0"/>
-              </a:rPr>
-              <a:t/>
-            </a:r>
-            <a:br>
-              <a:rPr lang="en-US" sz="3200" dirty="0" smtClean="0">
-                <a:latin typeface="Times New Roman" pitchFamily="18" charset="0"/>
-                <a:cs typeface="Times New Roman" pitchFamily="18" charset="0"/>
-              </a:rPr>
-            </a:br>
-            <a:r>
-              <a:rPr lang="en-US" sz="3200" dirty="0" err="1" smtClean="0">
-                <a:latin typeface="Times New Roman" pitchFamily="18" charset="0"/>
-                <a:cs typeface="Times New Roman" pitchFamily="18" charset="0"/>
-              </a:rPr>
-              <a:t>Công</a:t>
-            </a:r>
-            <a:r>
-              <a:rPr lang="en-US" sz="3200" dirty="0" smtClean="0">
-                <a:latin typeface="Times New Roman" pitchFamily="18" charset="0"/>
-                <a:cs typeface="Times New Roman" pitchFamily="18" charset="0"/>
-              </a:rPr>
-              <a:t> </a:t>
-            </a:r>
-            <a:r>
-              <a:rPr lang="en-US" sz="3200" dirty="0" err="1" smtClean="0">
-                <a:latin typeface="Times New Roman" pitchFamily="18" charset="0"/>
-                <a:cs typeface="Times New Roman" pitchFamily="18" charset="0"/>
-              </a:rPr>
-              <a:t>nghệ</a:t>
-            </a:r>
-            <a:r>
-              <a:rPr lang="en-US" sz="3200" dirty="0" smtClean="0">
-                <a:latin typeface="Times New Roman" pitchFamily="18" charset="0"/>
-                <a:cs typeface="Times New Roman" pitchFamily="18" charset="0"/>
-              </a:rPr>
-              <a:t> font </a:t>
-            </a:r>
-            <a:r>
-              <a:rPr lang="en-US" sz="3200" dirty="0" err="1" smtClean="0">
-                <a:latin typeface="Times New Roman" pitchFamily="18" charset="0"/>
-                <a:cs typeface="Times New Roman" pitchFamily="18" charset="0"/>
-              </a:rPr>
-              <a:t>chữ</a:t>
-            </a:r>
-            <a:r>
-              <a:rPr lang="en-US" sz="3200" dirty="0" smtClean="0">
-                <a:latin typeface="Times New Roman" pitchFamily="18" charset="0"/>
-                <a:cs typeface="Times New Roman" pitchFamily="18" charset="0"/>
-              </a:rPr>
-              <a:t> </a:t>
-            </a:r>
-            <a:r>
-              <a:rPr lang="en-US" sz="3200" dirty="0" err="1" smtClean="0">
-                <a:latin typeface="Times New Roman" pitchFamily="18" charset="0"/>
-                <a:cs typeface="Times New Roman" pitchFamily="18" charset="0"/>
-              </a:rPr>
-              <a:t>mới</a:t>
-            </a:r>
-            <a:r>
-              <a:rPr lang="en-US" sz="3200" dirty="0" smtClean="0">
-                <a:latin typeface="Times New Roman" pitchFamily="18" charset="0"/>
-                <a:cs typeface="Times New Roman" pitchFamily="18" charset="0"/>
-              </a:rPr>
-              <a:t> </a:t>
-            </a:r>
-            <a:r>
-              <a:rPr lang="en-US" sz="3200" dirty="0" err="1" smtClean="0">
-                <a:latin typeface="Times New Roman" pitchFamily="18" charset="0"/>
-                <a:cs typeface="Times New Roman" pitchFamily="18" charset="0"/>
-              </a:rPr>
-              <a:t>Cleartype</a:t>
-            </a:r>
-            <a:r>
-              <a:rPr lang="en-US" sz="3200" dirty="0" smtClean="0">
-                <a:latin typeface="Times New Roman" pitchFamily="18" charset="0"/>
-                <a:cs typeface="Times New Roman" pitchFamily="18" charset="0"/>
-              </a:rPr>
-              <a:t> </a:t>
-            </a:r>
-            <a:r>
-              <a:rPr lang="en-US" sz="3200" dirty="0" err="1" smtClean="0">
-                <a:latin typeface="Times New Roman" pitchFamily="18" charset="0"/>
-                <a:cs typeface="Times New Roman" pitchFamily="18" charset="0"/>
-              </a:rPr>
-              <a:t>hiển</a:t>
-            </a:r>
-            <a:r>
-              <a:rPr lang="en-US" sz="3200" dirty="0" smtClean="0">
-                <a:latin typeface="Times New Roman" pitchFamily="18" charset="0"/>
-                <a:cs typeface="Times New Roman" pitchFamily="18" charset="0"/>
-              </a:rPr>
-              <a:t> </a:t>
-            </a:r>
-            <a:r>
-              <a:rPr lang="en-US" sz="3200" dirty="0" err="1" smtClean="0">
-                <a:latin typeface="Times New Roman" pitchFamily="18" charset="0"/>
-                <a:cs typeface="Times New Roman" pitchFamily="18" charset="0"/>
-              </a:rPr>
-              <a:t>thị</a:t>
-            </a:r>
-            <a:r>
-              <a:rPr lang="en-US" sz="3200" dirty="0" smtClean="0">
-                <a:latin typeface="Times New Roman" pitchFamily="18" charset="0"/>
-                <a:cs typeface="Times New Roman" pitchFamily="18" charset="0"/>
-              </a:rPr>
-              <a:t> </a:t>
-            </a:r>
-            <a:r>
-              <a:rPr lang="en-US" sz="3200" dirty="0" err="1" smtClean="0">
-                <a:latin typeface="Times New Roman" pitchFamily="18" charset="0"/>
-                <a:cs typeface="Times New Roman" pitchFamily="18" charset="0"/>
-              </a:rPr>
-              <a:t>ký</a:t>
-            </a:r>
-            <a:r>
-              <a:rPr lang="en-US" sz="3200" dirty="0" smtClean="0">
-                <a:latin typeface="Times New Roman" pitchFamily="18" charset="0"/>
-                <a:cs typeface="Times New Roman" pitchFamily="18" charset="0"/>
-              </a:rPr>
-              <a:t> </a:t>
-            </a:r>
-            <a:r>
-              <a:rPr lang="en-US" sz="3200" dirty="0" err="1" smtClean="0">
-                <a:latin typeface="Times New Roman" pitchFamily="18" charset="0"/>
-                <a:cs typeface="Times New Roman" pitchFamily="18" charset="0"/>
-              </a:rPr>
-              <a:t>tự</a:t>
-            </a:r>
-            <a:r>
-              <a:rPr lang="en-US" sz="3200" dirty="0" smtClean="0">
-                <a:latin typeface="Times New Roman" pitchFamily="18" charset="0"/>
-                <a:cs typeface="Times New Roman" pitchFamily="18" charset="0"/>
-              </a:rPr>
-              <a:t> </a:t>
-            </a:r>
-            <a:r>
-              <a:rPr lang="en-US" sz="3200" dirty="0" err="1" smtClean="0">
-                <a:latin typeface="Times New Roman" pitchFamily="18" charset="0"/>
-                <a:cs typeface="Times New Roman" pitchFamily="18" charset="0"/>
-              </a:rPr>
-              <a:t>mịn</a:t>
-            </a:r>
-            <a:r>
-              <a:rPr lang="en-US" sz="3200" dirty="0" smtClean="0">
-                <a:latin typeface="Times New Roman" pitchFamily="18" charset="0"/>
-                <a:cs typeface="Times New Roman" pitchFamily="18" charset="0"/>
-              </a:rPr>
-              <a:t> </a:t>
-            </a:r>
-            <a:r>
-              <a:rPr lang="en-US" sz="3200" dirty="0" err="1" smtClean="0">
-                <a:latin typeface="Times New Roman" pitchFamily="18" charset="0"/>
-                <a:cs typeface="Times New Roman" pitchFamily="18" charset="0"/>
-              </a:rPr>
-              <a:t>trên</a:t>
-            </a:r>
-            <a:r>
-              <a:rPr lang="en-US" sz="3200" dirty="0" smtClean="0">
-                <a:latin typeface="Times New Roman" pitchFamily="18" charset="0"/>
-                <a:cs typeface="Times New Roman" pitchFamily="18" charset="0"/>
-              </a:rPr>
-              <a:t> LCD</a:t>
-            </a:r>
-            <a:br>
-              <a:rPr lang="en-US" sz="3200" dirty="0" smtClean="0">
-                <a:latin typeface="Times New Roman" pitchFamily="18" charset="0"/>
-                <a:cs typeface="Times New Roman" pitchFamily="18" charset="0"/>
-              </a:rPr>
-            </a:br>
-            <a:endParaRPr lang="en-US" sz="3200" dirty="0">
-              <a:latin typeface="Times New Roman" pitchFamily="18" charset="0"/>
-              <a:cs typeface="Times New Roman" pitchFamily="18" charset="0"/>
+            <a:r>
+              <a:rPr lang="en-US" dirty="0" err="1" smtClean="0">
+                <a:solidFill>
+                  <a:schemeClr val="tx2">
+                    <a:lumMod val="60000"/>
+                    <a:lumOff val="40000"/>
+                  </a:schemeClr>
+                </a:solidFill>
+              </a:rPr>
+              <a:t>Các</a:t>
+            </a:r>
+            <a:r>
+              <a:rPr lang="en-US" dirty="0" smtClean="0">
+                <a:solidFill>
+                  <a:schemeClr val="tx2">
+                    <a:lumMod val="60000"/>
+                    <a:lumOff val="40000"/>
+                  </a:schemeClr>
+                </a:solidFill>
+              </a:rPr>
+              <a:t> </a:t>
+            </a:r>
+            <a:r>
+              <a:rPr lang="en-US" dirty="0" err="1" smtClean="0">
+                <a:solidFill>
+                  <a:schemeClr val="tx2">
+                    <a:lumMod val="60000"/>
+                    <a:lumOff val="40000"/>
+                  </a:schemeClr>
+                </a:solidFill>
+              </a:rPr>
+              <a:t>thành</a:t>
+            </a:r>
+            <a:r>
+              <a:rPr lang="en-US" dirty="0" smtClean="0">
+                <a:solidFill>
+                  <a:schemeClr val="tx2">
+                    <a:lumMod val="60000"/>
+                    <a:lumOff val="40000"/>
+                  </a:schemeClr>
+                </a:solidFill>
+              </a:rPr>
+              <a:t> </a:t>
+            </a:r>
+            <a:r>
+              <a:rPr lang="en-US" dirty="0" err="1" smtClean="0">
+                <a:solidFill>
+                  <a:schemeClr val="tx2">
+                    <a:lumMod val="60000"/>
+                    <a:lumOff val="40000"/>
+                  </a:schemeClr>
+                </a:solidFill>
+              </a:rPr>
+              <a:t>phần</a:t>
+            </a:r>
+            <a:r>
+              <a:rPr lang="en-US" dirty="0" smtClean="0">
+                <a:solidFill>
+                  <a:schemeClr val="tx2">
+                    <a:lumMod val="60000"/>
+                    <a:lumOff val="40000"/>
+                  </a:schemeClr>
+                </a:solidFill>
+              </a:rPr>
+              <a:t> </a:t>
+            </a:r>
+            <a:r>
+              <a:rPr lang="en-US" dirty="0" err="1" smtClean="0">
+                <a:solidFill>
+                  <a:schemeClr val="tx2">
+                    <a:lumMod val="60000"/>
+                    <a:lumOff val="40000"/>
+                  </a:schemeClr>
+                </a:solidFill>
+              </a:rPr>
+              <a:t>cơ</a:t>
+            </a:r>
+            <a:r>
+              <a:rPr lang="en-US" dirty="0" smtClean="0">
+                <a:solidFill>
+                  <a:schemeClr val="tx2">
+                    <a:lumMod val="60000"/>
+                    <a:lumOff val="40000"/>
+                  </a:schemeClr>
+                </a:solidFill>
+              </a:rPr>
+              <a:t> </a:t>
+            </a:r>
+            <a:r>
+              <a:rPr lang="en-US" dirty="0" err="1" smtClean="0">
+                <a:solidFill>
+                  <a:schemeClr val="tx2">
+                    <a:lumMod val="60000"/>
+                    <a:lumOff val="40000"/>
+                  </a:schemeClr>
+                </a:solidFill>
+              </a:rPr>
+              <a:t>bản</a:t>
+            </a:r>
+            <a:r>
+              <a:rPr lang="en-US" dirty="0" smtClean="0">
+                <a:solidFill>
+                  <a:schemeClr val="tx2">
+                    <a:lumMod val="60000"/>
+                    <a:lumOff val="40000"/>
+                  </a:schemeClr>
+                </a:solidFill>
+              </a:rPr>
+              <a:t> </a:t>
+            </a:r>
+            <a:r>
+              <a:rPr lang="en-US" dirty="0" err="1" smtClean="0">
+                <a:solidFill>
+                  <a:schemeClr val="tx2">
+                    <a:lumMod val="60000"/>
+                    <a:lumOff val="40000"/>
+                  </a:schemeClr>
+                </a:solidFill>
+              </a:rPr>
+              <a:t>và</a:t>
+            </a:r>
+            <a:r>
+              <a:rPr lang="en-US" dirty="0" smtClean="0">
+                <a:solidFill>
+                  <a:schemeClr val="tx2">
+                    <a:lumMod val="60000"/>
+                    <a:lumOff val="40000"/>
+                  </a:schemeClr>
+                </a:solidFill>
+              </a:rPr>
+              <a:t> </a:t>
+            </a:r>
+            <a:r>
+              <a:rPr lang="en-US" dirty="0" err="1" smtClean="0">
+                <a:solidFill>
+                  <a:schemeClr val="tx2">
+                    <a:lumMod val="60000"/>
+                    <a:lumOff val="40000"/>
+                  </a:schemeClr>
+                </a:solidFill>
+              </a:rPr>
+              <a:t>tính</a:t>
+            </a:r>
+            <a:r>
+              <a:rPr lang="en-US" dirty="0" smtClean="0">
+                <a:solidFill>
+                  <a:schemeClr val="tx2">
+                    <a:lumMod val="60000"/>
+                    <a:lumOff val="40000"/>
+                  </a:schemeClr>
+                </a:solidFill>
+              </a:rPr>
+              <a:t> </a:t>
+            </a:r>
+            <a:r>
+              <a:rPr lang="en-US" dirty="0" err="1" smtClean="0">
+                <a:solidFill>
+                  <a:schemeClr val="tx2">
+                    <a:lumMod val="60000"/>
+                    <a:lumOff val="40000"/>
+                  </a:schemeClr>
+                </a:solidFill>
+              </a:rPr>
+              <a:t>năng</a:t>
+            </a:r>
+            <a:r>
+              <a:rPr lang="en-US" dirty="0" smtClean="0">
+                <a:solidFill>
+                  <a:schemeClr val="tx2">
+                    <a:lumMod val="60000"/>
+                    <a:lumOff val="40000"/>
+                  </a:schemeClr>
+                </a:solidFill>
+              </a:rPr>
+              <a:t>  </a:t>
+            </a:r>
+            <a:r>
+              <a:rPr lang="en-US" dirty="0" err="1" smtClean="0">
+                <a:solidFill>
+                  <a:schemeClr val="tx2">
+                    <a:lumMod val="60000"/>
+                    <a:lumOff val="40000"/>
+                  </a:schemeClr>
+                </a:solidFill>
+              </a:rPr>
+              <a:t>của</a:t>
+            </a:r>
+            <a:r>
+              <a:rPr lang="en-US" dirty="0" smtClean="0">
+                <a:solidFill>
+                  <a:schemeClr val="tx2">
+                    <a:lumMod val="60000"/>
+                    <a:lumOff val="40000"/>
+                  </a:schemeClr>
+                </a:solidFill>
+              </a:rPr>
+              <a:t> WPF</a:t>
+            </a:r>
+            <a:endParaRPr lang="en-US" dirty="0">
+              <a:solidFill>
+                <a:schemeClr val="tx2">
+                  <a:lumMod val="60000"/>
+                  <a:lumOff val="40000"/>
+                </a:schemeClr>
+              </a:solidFill>
             </a:endParaRPr>
           </a:p>
         </p:txBody>
       </p:sp>
-      <p:sp>
-        <p:nvSpPr>
-          <p:cNvPr id="3" name="Content Placeholder 2"/>
-          <p:cNvSpPr>
-            <a:spLocks noGrp="1"/>
-          </p:cNvSpPr>
+      <p:pic>
+        <p:nvPicPr>
+          <p:cNvPr id="4098" name="Picture 2"/>
+          <p:cNvPicPr>
+            <a:picLocks noGrp="1" noChangeAspect="1" noChangeArrowheads="1"/>
+          </p:cNvPicPr>
           <p:nvPr>
             <p:ph idx="1"/>
           </p:nvPr>
-        </p:nvSpPr>
-        <p:spPr>
+        </p:nvPicPr>
+        <p:blipFill>
+          <a:blip r:embed="rId2">
+            <a:extLst>
+              <a:ext uri="{28A0092B-C50C-407E-A947-70E740481C1C}">
+                <a14:useLocalDpi xmlns:a14="http://schemas.microsoft.com/office/drawing/2010/main" val="0"/>
+              </a:ext>
+            </a:extLst>
+          </a:blip>
+          <a:srcRect/>
+          <a:stretch>
+            <a:fillRect/>
+          </a:stretch>
+        </p:blipFill>
+        <p:spPr bwMode="auto">
           <a:xfrm>
-            <a:off x="0" y="2590800"/>
-            <a:ext cx="8229600" cy="3230563"/>
+            <a:off x="304800" y="1524000"/>
+            <a:ext cx="8534400" cy="4800599"/>
           </a:xfrm>
+          <a:prstGeom prst="rect">
+            <a:avLst/>
+          </a:prstGeom>
+          <a:noFill/>
+          <a:ln>
+            <a:noFill/>
+          </a:ln>
+          <a:effectLst/>
+          <a:extLst>
+            <a:ext uri="{909E8E84-426E-40DD-AFC4-6F175D3DCCD1}">
+              <a14:hiddenFill xmlns:a14="http://schemas.microsoft.com/office/drawing/2010/main">
+                <a:solidFill>
+                  <a:schemeClr val="accent1"/>
+                </a:solidFill>
+              </a14:hiddenFill>
+            </a:ext>
+            <a:ext uri="{91240B29-F687-4F45-9708-019B960494DF}">
+              <a14:hiddenLine xmlns:a14="http://schemas.microsoft.com/office/drawing/2010/main" w="9525">
+                <a:solidFill>
+                  <a:schemeClr val="tx1"/>
+                </a:solidFill>
+                <a:miter lim="800000"/>
+                <a:headEnd/>
+                <a:tailEnd/>
+              </a14:hiddenLine>
+            </a:ext>
+            <a:ext uri="{AF507438-7753-43E0-B8FC-AC1667EBCBE1}">
+              <a14:hiddenEffects xmlns:a14="http://schemas.microsoft.com/office/drawing/2010/main">
+                <a:effectLst>
+                  <a:outerShdw dist="35921" dir="2700000" algn="ctr" rotWithShape="0">
+                    <a:schemeClr val="bg2"/>
+                  </a:outerShdw>
+                </a:effectLst>
+              </a14:hiddenEffects>
+            </a:ext>
+          </a:extLst>
         </p:spPr>
-        <p:txBody>
-          <a:bodyPr/>
-          <a:lstStyle/>
-          <a:p>
-            <a:pPr marL="0" indent="0">
-              <a:buNone/>
-            </a:pPr>
-            <a:r>
-              <a:rPr lang="en-US" dirty="0" smtClean="0"/>
-              <a:t> </a:t>
-            </a:r>
-            <a:r>
-              <a:rPr lang="en-US" sz="4000" b="1" dirty="0" smtClean="0">
-                <a:solidFill>
-                  <a:srgbClr val="0070C0"/>
-                </a:solidFill>
-                <a:latin typeface="Times New Roman" pitchFamily="18" charset="0"/>
-                <a:cs typeface="Times New Roman" pitchFamily="18" charset="0"/>
-                <a:sym typeface="Wingdings"/>
-              </a:rPr>
-              <a:t> </a:t>
-            </a:r>
-            <a:r>
-              <a:rPr lang="en-US" sz="4000" b="1" dirty="0" err="1" smtClean="0">
-                <a:solidFill>
-                  <a:srgbClr val="0070C0"/>
-                </a:solidFill>
-                <a:latin typeface="Times New Roman" pitchFamily="18" charset="0"/>
-                <a:cs typeface="Times New Roman" pitchFamily="18" charset="0"/>
-              </a:rPr>
-              <a:t>Văn</a:t>
-            </a:r>
-            <a:r>
-              <a:rPr lang="en-US" sz="4000" b="1" dirty="0" smtClean="0">
-                <a:solidFill>
-                  <a:srgbClr val="0070C0"/>
-                </a:solidFill>
-                <a:latin typeface="Times New Roman" pitchFamily="18" charset="0"/>
-                <a:cs typeface="Times New Roman" pitchFamily="18" charset="0"/>
-              </a:rPr>
-              <a:t> </a:t>
-            </a:r>
-            <a:r>
-              <a:rPr lang="en-US" sz="4000" b="1" dirty="0" err="1" smtClean="0">
-                <a:solidFill>
-                  <a:srgbClr val="0070C0"/>
-                </a:solidFill>
-                <a:latin typeface="Times New Roman" pitchFamily="18" charset="0"/>
-                <a:cs typeface="Times New Roman" pitchFamily="18" charset="0"/>
-              </a:rPr>
-              <a:t>bản</a:t>
-            </a:r>
-            <a:endParaRPr lang="en-US" sz="4000" b="1" dirty="0" smtClean="0">
-              <a:solidFill>
-                <a:srgbClr val="0070C0"/>
-              </a:solidFill>
-              <a:latin typeface="Times New Roman" pitchFamily="18" charset="0"/>
-              <a:cs typeface="Times New Roman" pitchFamily="18" charset="0"/>
-            </a:endParaRPr>
-          </a:p>
-          <a:p>
-            <a:pPr marL="0" indent="0">
-              <a:buNone/>
-            </a:pPr>
-            <a:r>
-              <a:rPr lang="vi-VN" sz="2900" dirty="0">
-                <a:latin typeface="+mj-lt"/>
-              </a:rPr>
-              <a:t>WPF hỗ trợ ba dạng văn bản: văn bản cố định (fixed), văn bản thích nghi (flow/adaptive) và văn bản XPS (XML Paper Specification) </a:t>
-            </a:r>
-            <a:endParaRPr lang="en-US" sz="2900" dirty="0" smtClean="0">
-              <a:latin typeface="+mj-lt"/>
-            </a:endParaRPr>
-          </a:p>
-          <a:p>
-            <a:pPr marL="0" indent="0">
-              <a:buNone/>
-            </a:pPr>
-            <a:r>
-              <a:rPr lang="vi-VN" sz="2900" dirty="0">
-                <a:latin typeface="+mj-lt"/>
-              </a:rPr>
-              <a:t>WPF cũng cung cấp các dịch vụ để tạo, xem, quản lý, ghi chú, đóng gói và in ấn văn bản. </a:t>
-            </a:r>
-            <a:endParaRPr lang="en-US" sz="2900" dirty="0">
-              <a:latin typeface="+mj-lt"/>
-            </a:endParaRPr>
-          </a:p>
-        </p:txBody>
-      </p:sp>
+      </p:pic>
       <p:sp>
         <p:nvSpPr>
-          <p:cNvPr id="4" name="Slide Number Placeholder 3"/>
+          <p:cNvPr id="3" name="Slide Number Placeholder 2"/>
           <p:cNvSpPr>
             <a:spLocks noGrp="1"/>
           </p:cNvSpPr>
@@ -10818,7 +10167,7 @@
     </p:spTree>
     <p:extLst>
       <p:ext uri="{BB962C8B-B14F-4D97-AF65-F5344CB8AC3E}">
-        <p14:creationId xmlns:p14="http://schemas.microsoft.com/office/powerpoint/2010/main" val="3582269478"/>
+        <p14:creationId xmlns:p14="http://schemas.microsoft.com/office/powerpoint/2010/main" val="2063249309"/>
       </p:ext>
     </p:extLst>
   </p:cSld>
@@ -10883,56 +10232,23 @@
               <a:rPr lang="en-US" dirty="0" smtClean="0"/>
             </a:br>
             <a:r>
+              <a:rPr lang="en-US" b="1" dirty="0">
+                <a:solidFill>
+                  <a:srgbClr val="0070C0"/>
+                </a:solidFill>
+                <a:sym typeface="Wingdings"/>
+              </a:rPr>
+              <a:t></a:t>
+            </a:r>
+            <a:r>
               <a:rPr lang="en-US" b="1" dirty="0" smtClean="0">
                 <a:solidFill>
                   <a:srgbClr val="0070C0"/>
                 </a:solidFill>
-                <a:sym typeface="Wingdings"/>
-              </a:rPr>
-              <a:t></a:t>
-            </a:r>
-            <a:r>
-              <a:rPr lang="en-US" b="1" dirty="0" err="1" smtClean="0">
-                <a:solidFill>
-                  <a:srgbClr val="0070C0"/>
-                </a:solidFill>
-                <a:latin typeface="Times New Roman" pitchFamily="18" charset="0"/>
-                <a:cs typeface="Times New Roman" pitchFamily="18" charset="0"/>
-                <a:sym typeface="Wingdings"/>
-              </a:rPr>
-              <a:t>Hình</a:t>
-            </a:r>
-            <a:r>
-              <a:rPr lang="en-US" b="1" dirty="0" smtClean="0">
-                <a:solidFill>
-                  <a:srgbClr val="0070C0"/>
-                </a:solidFill>
-                <a:latin typeface="Times New Roman" pitchFamily="18" charset="0"/>
-                <a:cs typeface="Times New Roman" pitchFamily="18" charset="0"/>
-                <a:sym typeface="Wingdings"/>
-              </a:rPr>
-              <a:t> </a:t>
-            </a:r>
-            <a:r>
-              <a:rPr lang="en-US" b="1" dirty="0" err="1" smtClean="0">
-                <a:solidFill>
-                  <a:srgbClr val="0070C0"/>
-                </a:solidFill>
-                <a:latin typeface="Times New Roman" pitchFamily="18" charset="0"/>
-                <a:cs typeface="Times New Roman" pitchFamily="18" charset="0"/>
-                <a:sym typeface="Wingdings"/>
-              </a:rPr>
-              <a:t>ảnh</a:t>
-            </a:r>
-            <a:r>
-              <a:rPr lang="en-US" b="1" dirty="0" smtClean="0">
-                <a:solidFill>
-                  <a:srgbClr val="0070C0"/>
-                </a:solidFill>
-                <a:latin typeface="Times New Roman" pitchFamily="18" charset="0"/>
-                <a:cs typeface="Times New Roman" pitchFamily="18" charset="0"/>
-              </a:rPr>
-              <a:t> </a:t>
+                <a:latin typeface="Times New Roman" pitchFamily="18" charset="0"/>
+                <a:cs typeface="Times New Roman" pitchFamily="18" charset="0"/>
+              </a:rPr>
+              <a:t>Layout &amp; Control </a:t>
             </a:r>
             <a:r>
               <a:rPr lang="en-US" dirty="0" smtClean="0">
@@ -10985,144 +10301,51 @@
         </p:spPr>
         <p:txBody>
           <a:bodyPr>
-            <a:normAutofit/>
+            <a:normAutofit lnSpcReduction="10000"/>
           </a:bodyPr>
           <a:lstStyle/>
           <a:p>
             <a:r>
-              <a:rPr lang="en-US" sz="2900" dirty="0" err="1" smtClean="0">
-                <a:latin typeface="Times New Roman" pitchFamily="18" charset="0"/>
-                <a:cs typeface="Times New Roman" pitchFamily="18" charset="0"/>
-              </a:rPr>
-              <a:t>Trong</a:t>
-            </a:r>
-            <a:r>
-              <a:rPr lang="en-US" sz="2900" dirty="0" smtClean="0">
-                <a:latin typeface="Times New Roman" pitchFamily="18" charset="0"/>
-                <a:cs typeface="Times New Roman" pitchFamily="18" charset="0"/>
-              </a:rPr>
-              <a:t> WPF </a:t>
-            </a:r>
-            <a:r>
-              <a:rPr lang="en-US" sz="2900" dirty="0" err="1" smtClean="0">
-                <a:latin typeface="Times New Roman" pitchFamily="18" charset="0"/>
-                <a:cs typeface="Times New Roman" pitchFamily="18" charset="0"/>
-              </a:rPr>
-              <a:t>hình</a:t>
-            </a:r>
-            <a:r>
-              <a:rPr lang="en-US" sz="2900" dirty="0" smtClean="0">
-                <a:latin typeface="Times New Roman" pitchFamily="18" charset="0"/>
-                <a:cs typeface="Times New Roman" pitchFamily="18" charset="0"/>
-              </a:rPr>
-              <a:t> </a:t>
-            </a:r>
-            <a:r>
-              <a:rPr lang="en-US" sz="2900" dirty="0" err="1" smtClean="0">
-                <a:latin typeface="Times New Roman" pitchFamily="18" charset="0"/>
-                <a:cs typeface="Times New Roman" pitchFamily="18" charset="0"/>
-              </a:rPr>
-              <a:t>ảnh</a:t>
-            </a:r>
-            <a:r>
-              <a:rPr lang="en-US" sz="2900" dirty="0" smtClean="0">
-                <a:latin typeface="Times New Roman" pitchFamily="18" charset="0"/>
-                <a:cs typeface="Times New Roman" pitchFamily="18" charset="0"/>
-              </a:rPr>
-              <a:t> </a:t>
-            </a:r>
-            <a:r>
-              <a:rPr lang="en-US" sz="2900" dirty="0" err="1" smtClean="0">
-                <a:latin typeface="Times New Roman" pitchFamily="18" charset="0"/>
-                <a:cs typeface="Times New Roman" pitchFamily="18" charset="0"/>
-              </a:rPr>
-              <a:t>hiện</a:t>
-            </a:r>
-            <a:r>
-              <a:rPr lang="en-US" sz="2900" dirty="0" smtClean="0">
-                <a:latin typeface="Times New Roman" pitchFamily="18" charset="0"/>
-                <a:cs typeface="Times New Roman" pitchFamily="18" charset="0"/>
-              </a:rPr>
-              <a:t> </a:t>
-            </a:r>
-            <a:r>
-              <a:rPr lang="en-US" sz="2900" dirty="0" err="1" smtClean="0">
-                <a:latin typeface="Times New Roman" pitchFamily="18" charset="0"/>
-                <a:cs typeface="Times New Roman" pitchFamily="18" charset="0"/>
-              </a:rPr>
-              <a:t>thị</a:t>
-            </a:r>
-            <a:r>
-              <a:rPr lang="en-US" sz="2900" dirty="0" smtClean="0">
-                <a:latin typeface="Times New Roman" pitchFamily="18" charset="0"/>
-                <a:cs typeface="Times New Roman" pitchFamily="18" charset="0"/>
-              </a:rPr>
-              <a:t> Control Image</a:t>
-            </a:r>
-          </a:p>
-          <a:p>
-            <a:r>
-              <a:rPr lang="en-US" sz="2900" dirty="0" err="1" smtClean="0">
-                <a:latin typeface="Times New Roman" pitchFamily="18" charset="0"/>
-                <a:cs typeface="Times New Roman" pitchFamily="18" charset="0"/>
-              </a:rPr>
-              <a:t>Hiển</a:t>
-            </a:r>
-            <a:r>
-              <a:rPr lang="en-US" sz="2900" dirty="0" smtClean="0">
-                <a:latin typeface="Times New Roman" pitchFamily="18" charset="0"/>
-                <a:cs typeface="Times New Roman" pitchFamily="18" charset="0"/>
-              </a:rPr>
-              <a:t> </a:t>
-            </a:r>
-            <a:r>
-              <a:rPr lang="en-US" sz="2900" dirty="0" err="1" smtClean="0">
-                <a:latin typeface="Times New Roman" pitchFamily="18" charset="0"/>
-                <a:cs typeface="Times New Roman" pitchFamily="18" charset="0"/>
-              </a:rPr>
-              <a:t>thị</a:t>
-            </a:r>
-            <a:r>
-              <a:rPr lang="en-US" sz="2900" dirty="0" smtClean="0">
-                <a:latin typeface="Times New Roman" pitchFamily="18" charset="0"/>
-                <a:cs typeface="Times New Roman" pitchFamily="18" charset="0"/>
-              </a:rPr>
-              <a:t> </a:t>
-            </a:r>
-            <a:r>
-              <a:rPr lang="en-US" sz="2900" dirty="0" err="1" smtClean="0">
-                <a:latin typeface="Times New Roman" pitchFamily="18" charset="0"/>
-                <a:cs typeface="Times New Roman" pitchFamily="18" charset="0"/>
-              </a:rPr>
-              <a:t>lưu</a:t>
-            </a:r>
-            <a:r>
-              <a:rPr lang="en-US" sz="2900" dirty="0" smtClean="0">
-                <a:latin typeface="Times New Roman" pitchFamily="18" charset="0"/>
-                <a:cs typeface="Times New Roman" pitchFamily="18" charset="0"/>
-              </a:rPr>
-              <a:t> </a:t>
-            </a:r>
-            <a:r>
-              <a:rPr lang="en-US" sz="2900" dirty="0" err="1" smtClean="0">
-                <a:latin typeface="Times New Roman" pitchFamily="18" charset="0"/>
-                <a:cs typeface="Times New Roman" pitchFamily="18" charset="0"/>
-              </a:rPr>
-              <a:t>trữ</a:t>
-            </a:r>
-            <a:r>
-              <a:rPr lang="en-US" sz="2900" dirty="0" smtClean="0">
-                <a:latin typeface="Times New Roman" pitchFamily="18" charset="0"/>
-                <a:cs typeface="Times New Roman" pitchFamily="18" charset="0"/>
-              </a:rPr>
-              <a:t> </a:t>
-            </a:r>
-            <a:r>
-              <a:rPr lang="en-US" sz="2900" dirty="0" err="1" smtClean="0">
-                <a:latin typeface="Times New Roman" pitchFamily="18" charset="0"/>
-                <a:cs typeface="Times New Roman" pitchFamily="18" charset="0"/>
-              </a:rPr>
-              <a:t>với</a:t>
+              <a:rPr lang="en-US" sz="2900" dirty="0" smtClean="0">
+                <a:latin typeface="Times New Roman" pitchFamily="18" charset="0"/>
+                <a:cs typeface="Times New Roman" pitchFamily="18" charset="0"/>
+              </a:rPr>
+              <a:t>WPF </a:t>
+            </a:r>
+            <a:r>
+              <a:rPr lang="en-US" sz="2900" dirty="0" err="1" smtClean="0">
+                <a:latin typeface="Times New Roman" pitchFamily="18" charset="0"/>
+                <a:cs typeface="Times New Roman" pitchFamily="18" charset="0"/>
+              </a:rPr>
+              <a:t>sử</a:t>
+            </a:r>
+            <a:r>
+              <a:rPr lang="en-US" sz="2900" dirty="0" smtClean="0">
+                <a:latin typeface="Times New Roman" pitchFamily="18" charset="0"/>
+                <a:cs typeface="Times New Roman" pitchFamily="18" charset="0"/>
+              </a:rPr>
+              <a:t> </a:t>
+            </a:r>
+            <a:r>
+              <a:rPr lang="en-US" sz="2900" dirty="0" err="1" smtClean="0">
+                <a:latin typeface="Times New Roman" pitchFamily="18" charset="0"/>
+                <a:cs typeface="Times New Roman" pitchFamily="18" charset="0"/>
+              </a:rPr>
+              <a:t>dụng</a:t>
+            </a:r>
+            <a:r>
+              <a:rPr lang="en-US" sz="2900" dirty="0" smtClean="0">
+                <a:latin typeface="Times New Roman" pitchFamily="18" charset="0"/>
+                <a:cs typeface="Times New Roman" pitchFamily="18" charset="0"/>
+              </a:rPr>
+              <a:t> Panel. </a:t>
+            </a:r>
+            <a:r>
+              <a:rPr lang="en-US" sz="2900" dirty="0" err="1" smtClean="0">
+                <a:latin typeface="Times New Roman" pitchFamily="18" charset="0"/>
+                <a:cs typeface="Times New Roman" pitchFamily="18" charset="0"/>
+              </a:rPr>
+              <a:t>Có</a:t>
             </a:r>
             <a:r>
               <a:rPr lang="en-US" sz="2900" dirty="0" smtClean="0">
@@ -11150,20 +10373,6 @@
                 <a:latin typeface="Times New Roman" pitchFamily="18" charset="0"/>
                 <a:cs typeface="Times New Roman" pitchFamily="18" charset="0"/>
               </a:rPr>
-              <a:t>khuôn</a:t>
-            </a:r>
-            <a:r>
-              <a:rPr lang="en-US" sz="2900" dirty="0" smtClean="0">
-                <a:latin typeface="Times New Roman" pitchFamily="18" charset="0"/>
-                <a:cs typeface="Times New Roman" pitchFamily="18" charset="0"/>
-              </a:rPr>
-              <a:t> </a:t>
-            </a:r>
-            <a:r>
-              <a:rPr lang="en-US" sz="2900" dirty="0" err="1" smtClean="0">
-                <a:latin typeface="Times New Roman" pitchFamily="18" charset="0"/>
-                <a:cs typeface="Times New Roman" pitchFamily="18" charset="0"/>
-              </a:rPr>
               <a:t>dạng</a:t>
             </a:r>
             <a:r>
@@ -11171,70 +10380,100 @@
                 <a:latin typeface="Times New Roman" pitchFamily="18" charset="0"/>
                 <a:cs typeface="Times New Roman" pitchFamily="18" charset="0"/>
               </a:rPr>
-              <a:t>, </a:t>
-            </a:r>
-            <a:r>
-              <a:rPr lang="en-US" sz="2900" dirty="0" err="1" smtClean="0">
-                <a:latin typeface="Times New Roman" pitchFamily="18" charset="0"/>
-                <a:cs typeface="Times New Roman" pitchFamily="18" charset="0"/>
-              </a:rPr>
-              <a:t>sử</a:t>
-            </a:r>
-            <a:r>
-              <a:rPr lang="en-US" sz="2900" dirty="0" smtClean="0">
-                <a:latin typeface="Times New Roman" pitchFamily="18" charset="0"/>
-                <a:cs typeface="Times New Roman" pitchFamily="18" charset="0"/>
-              </a:rPr>
-              <a:t> </a:t>
-            </a:r>
-            <a:r>
-              <a:rPr lang="en-US" sz="2900" dirty="0" err="1" smtClean="0">
-                <a:latin typeface="Times New Roman" pitchFamily="18" charset="0"/>
-                <a:cs typeface="Times New Roman" pitchFamily="18" charset="0"/>
-              </a:rPr>
-              <a:t>dụng</a:t>
-            </a:r>
-            <a:r>
-              <a:rPr lang="en-US" sz="2900" dirty="0" smtClean="0">
-                <a:latin typeface="Times New Roman" pitchFamily="18" charset="0"/>
-                <a:cs typeface="Times New Roman" pitchFamily="18" charset="0"/>
-              </a:rPr>
-              <a:t> Windows Imaging Component </a:t>
-            </a:r>
-            <a:r>
-              <a:rPr lang="en-US" sz="2900" dirty="0" err="1" smtClean="0">
-                <a:latin typeface="Times New Roman" pitchFamily="18" charset="0"/>
-                <a:cs typeface="Times New Roman" pitchFamily="18" charset="0"/>
-              </a:rPr>
-              <a:t>để</a:t>
-            </a:r>
-            <a:r>
-              <a:rPr lang="en-US" sz="2900" dirty="0" smtClean="0">
-                <a:latin typeface="Times New Roman" pitchFamily="18" charset="0"/>
-                <a:cs typeface="Times New Roman" pitchFamily="18" charset="0"/>
-              </a:rPr>
-              <a:t> </a:t>
-            </a:r>
-            <a:r>
-              <a:rPr lang="en-US" sz="2900" dirty="0" err="1" smtClean="0">
-                <a:latin typeface="Times New Roman" pitchFamily="18" charset="0"/>
-                <a:cs typeface="Times New Roman" pitchFamily="18" charset="0"/>
-              </a:rPr>
-              <a:t>tạo</a:t>
-            </a:r>
-            <a:r>
-              <a:rPr lang="en-US" sz="2900" dirty="0" smtClean="0">
-                <a:latin typeface="Times New Roman" pitchFamily="18" charset="0"/>
-                <a:cs typeface="Times New Roman" pitchFamily="18" charset="0"/>
-              </a:rPr>
-              <a:t> </a:t>
-            </a:r>
-            <a:r>
-              <a:rPr lang="en-US" sz="2900" dirty="0" err="1" smtClean="0">
-                <a:latin typeface="Times New Roman" pitchFamily="18" charset="0"/>
-                <a:cs typeface="Times New Roman" pitchFamily="18" charset="0"/>
-              </a:rPr>
-              <a:t>hình</a:t>
+              <a:t> </a:t>
+            </a:r>
+            <a:r>
+              <a:rPr lang="en-US" sz="2900" dirty="0" err="1" smtClean="0">
+                <a:latin typeface="Times New Roman" pitchFamily="18" charset="0"/>
+                <a:cs typeface="Times New Roman" pitchFamily="18" charset="0"/>
+              </a:rPr>
+              <a:t>khác</a:t>
+            </a:r>
+            <a:r>
+              <a:rPr lang="en-US" sz="2900" dirty="0" smtClean="0">
+                <a:latin typeface="Times New Roman" pitchFamily="18" charset="0"/>
+                <a:cs typeface="Times New Roman" pitchFamily="18" charset="0"/>
+              </a:rPr>
+              <a:t> </a:t>
+            </a:r>
+            <a:r>
+              <a:rPr lang="en-US" sz="2900" dirty="0" err="1" smtClean="0">
+                <a:latin typeface="Times New Roman" pitchFamily="18" charset="0"/>
+                <a:cs typeface="Times New Roman" pitchFamily="18" charset="0"/>
+              </a:rPr>
+              <a:t>nhau</a:t>
+            </a:r>
+            <a:r>
+              <a:rPr lang="en-US" sz="2900" dirty="0" smtClean="0">
+                <a:latin typeface="Times New Roman" pitchFamily="18" charset="0"/>
+                <a:cs typeface="Times New Roman" pitchFamily="18" charset="0"/>
+              </a:rPr>
+              <a:t>  </a:t>
+            </a:r>
+            <a:r>
+              <a:rPr lang="en-US" sz="2900" dirty="0" err="1" smtClean="0">
+                <a:latin typeface="Times New Roman" pitchFamily="18" charset="0"/>
+                <a:cs typeface="Times New Roman" pitchFamily="18" charset="0"/>
+              </a:rPr>
+              <a:t>như</a:t>
+            </a:r>
+            <a:r>
+              <a:rPr lang="en-US" sz="2900" dirty="0" smtClean="0">
+                <a:latin typeface="Times New Roman" pitchFamily="18" charset="0"/>
+                <a:cs typeface="Times New Roman" pitchFamily="18" charset="0"/>
+              </a:rPr>
+              <a:t>: </a:t>
+            </a:r>
+            <a:r>
+              <a:rPr lang="en-US" sz="2900" dirty="0" err="1" smtClean="0">
+                <a:latin typeface="Times New Roman" pitchFamily="18" charset="0"/>
+                <a:cs typeface="Times New Roman" pitchFamily="18" charset="0"/>
+              </a:rPr>
+              <a:t>Dockpanel</a:t>
+            </a:r>
+            <a:r>
+              <a:rPr lang="en-US" sz="2900" dirty="0" smtClean="0">
+                <a:latin typeface="Times New Roman" pitchFamily="18" charset="0"/>
+                <a:cs typeface="Times New Roman" pitchFamily="18" charset="0"/>
+              </a:rPr>
+              <a:t>, Grid</a:t>
+            </a:r>
+          </a:p>
+          <a:p>
+            <a:r>
+              <a:rPr lang="en-US" sz="2900" dirty="0" err="1" smtClean="0">
+                <a:latin typeface="Times New Roman" pitchFamily="18" charset="0"/>
+                <a:cs typeface="Times New Roman" pitchFamily="18" charset="0"/>
+              </a:rPr>
+              <a:t>Các</a:t>
+            </a:r>
+            <a:r>
+              <a:rPr lang="en-US" sz="2900" dirty="0" smtClean="0">
+                <a:latin typeface="Times New Roman" pitchFamily="18" charset="0"/>
+                <a:cs typeface="Times New Roman" pitchFamily="18" charset="0"/>
+              </a:rPr>
+              <a:t> control </a:t>
+            </a:r>
+            <a:r>
+              <a:rPr lang="en-US" sz="2900" dirty="0" err="1" smtClean="0">
+                <a:latin typeface="Times New Roman" pitchFamily="18" charset="0"/>
+                <a:cs typeface="Times New Roman" pitchFamily="18" charset="0"/>
+              </a:rPr>
+              <a:t>chuẩn</a:t>
+            </a:r>
+            <a:r>
+              <a:rPr lang="en-US" sz="2900" dirty="0" smtClean="0">
+                <a:latin typeface="Times New Roman" pitchFamily="18" charset="0"/>
+                <a:cs typeface="Times New Roman" pitchFamily="18" charset="0"/>
+              </a:rPr>
+              <a:t>: Button, Label, Textbox, </a:t>
+            </a:r>
+            <a:r>
+              <a:rPr lang="en-US" sz="2900" dirty="0" err="1" smtClean="0">
+                <a:latin typeface="Times New Roman" pitchFamily="18" charset="0"/>
+                <a:cs typeface="Times New Roman" pitchFamily="18" charset="0"/>
+              </a:rPr>
+              <a:t>Listbox</a:t>
             </a:r>
             <a:endParaRPr lang="en-US" sz="2900" dirty="0" smtClean="0">
               <a:latin typeface="Times New Roman" pitchFamily="18" charset="0"/>
@@ -11247,13 +10486,21 @@
             </a:pPr>
             <a:r>
               <a:rPr lang="en-US" sz="2900" dirty="0" smtClean="0">
+                <a:latin typeface="Times New Roman" pitchFamily="18" charset="0"/>
+                <a:cs typeface="Times New Roman" pitchFamily="18" charset="0"/>
+              </a:rPr>
+              <a:t> </a:t>
+            </a:r>
+            <a:r>
+              <a:rPr lang="en-US" sz="4000" b="1" dirty="0" smtClean="0">
                 <a:solidFill>
                   <a:srgbClr val="0070C0"/>
                 </a:solidFill>
                 <a:latin typeface="Times New Roman" pitchFamily="18" charset="0"/>
                 <a:cs typeface="Times New Roman" pitchFamily="18" charset="0"/>
-              </a:rPr>
-              <a:t> </a:t>
+                <a:sym typeface="Wingdings"/>
+              </a:rPr>
+              <a:t> </a:t>
             </a:r>
             <a:r>
               <a:rPr lang="en-US" sz="4000" b="1" dirty="0" smtClean="0">
@@ -11262,232 +10509,262 @@
                 </a:solidFill>
                 <a:latin typeface="Times New Roman" pitchFamily="18" charset="0"/>
                 <a:cs typeface="Times New Roman" pitchFamily="18" charset="0"/>
+              </a:rPr>
+              <a:t>Style &amp; Template</a:t>
+            </a:r>
+          </a:p>
+          <a:p>
+            <a:pPr marL="0" indent="0">
+              <a:buNone/>
+            </a:pPr>
+            <a:r>
+              <a:rPr lang="en-US" sz="2900" dirty="0">
+                <a:latin typeface="Times New Roman" pitchFamily="18" charset="0"/>
+                <a:cs typeface="Times New Roman" pitchFamily="18" charset="0"/>
                 <a:sym typeface="Wingdings"/>
               </a:rPr>
-              <a:t> Video </a:t>
-            </a:r>
-            <a:r>
-              <a:rPr lang="en-US" sz="4000" b="1" dirty="0" err="1" smtClean="0">
-                <a:solidFill>
-                  <a:srgbClr val="0070C0"/>
-                </a:solidFill>
-                <a:latin typeface="Times New Roman" pitchFamily="18" charset="0"/>
-                <a:cs typeface="Times New Roman" pitchFamily="18" charset="0"/>
-                <a:sym typeface="Wingdings"/>
-              </a:rPr>
-              <a:t>và</a:t>
-            </a:r>
-            <a:r>
-              <a:rPr lang="en-US" sz="4000" b="1" dirty="0" smtClean="0">
-                <a:solidFill>
-                  <a:srgbClr val="0070C0"/>
-                </a:solidFill>
-                <a:latin typeface="Times New Roman" pitchFamily="18" charset="0"/>
-                <a:cs typeface="Times New Roman" pitchFamily="18" charset="0"/>
-                <a:sym typeface="Wingdings"/>
-              </a:rPr>
-              <a:t> </a:t>
-            </a:r>
-            <a:r>
-              <a:rPr lang="en-US" sz="4000" b="1" dirty="0" err="1" smtClean="0">
-                <a:solidFill>
-                  <a:srgbClr val="0070C0"/>
-                </a:solidFill>
-                <a:latin typeface="Times New Roman" pitchFamily="18" charset="0"/>
-                <a:cs typeface="Times New Roman" pitchFamily="18" charset="0"/>
-                <a:sym typeface="Wingdings"/>
-              </a:rPr>
-              <a:t>âm</a:t>
-            </a:r>
-            <a:r>
-              <a:rPr lang="en-US" sz="4000" b="1" dirty="0" smtClean="0">
-                <a:solidFill>
-                  <a:srgbClr val="0070C0"/>
-                </a:solidFill>
-                <a:latin typeface="Times New Roman" pitchFamily="18" charset="0"/>
-                <a:cs typeface="Times New Roman" pitchFamily="18" charset="0"/>
-                <a:sym typeface="Wingdings"/>
-              </a:rPr>
-              <a:t> </a:t>
-            </a:r>
-            <a:r>
-              <a:rPr lang="en-US" sz="4000" b="1" dirty="0" err="1" smtClean="0">
-                <a:solidFill>
-                  <a:srgbClr val="0070C0"/>
-                </a:solidFill>
-                <a:latin typeface="Times New Roman" pitchFamily="18" charset="0"/>
-                <a:cs typeface="Times New Roman" pitchFamily="18" charset="0"/>
-                <a:sym typeface="Wingdings"/>
-              </a:rPr>
-              <a:t>thanh</a:t>
-            </a:r>
-            <a:endParaRPr lang="en-US" sz="4000" b="1" dirty="0" smtClean="0">
-              <a:solidFill>
-                <a:srgbClr val="0070C0"/>
-              </a:solidFill>
+              <a:t></a:t>
+            </a:r>
+            <a:r>
+              <a:rPr lang="en-US" sz="2900" dirty="0" smtClean="0">
+                <a:latin typeface="Times New Roman" pitchFamily="18" charset="0"/>
+                <a:cs typeface="Times New Roman" pitchFamily="18" charset="0"/>
+              </a:rPr>
+              <a:t> WPF </a:t>
+            </a:r>
+            <a:r>
+              <a:rPr lang="en-US" sz="2900" dirty="0" err="1" smtClean="0">
+                <a:latin typeface="Times New Roman" pitchFamily="18" charset="0"/>
+                <a:cs typeface="Times New Roman" pitchFamily="18" charset="0"/>
+              </a:rPr>
+              <a:t>cung</a:t>
+            </a:r>
+            <a:r>
+              <a:rPr lang="en-US" sz="2900" dirty="0" smtClean="0">
+                <a:latin typeface="Times New Roman" pitchFamily="18" charset="0"/>
+                <a:cs typeface="Times New Roman" pitchFamily="18" charset="0"/>
+              </a:rPr>
+              <a:t> </a:t>
+            </a:r>
+            <a:r>
+              <a:rPr lang="en-US" sz="2900" dirty="0" err="1" smtClean="0">
+                <a:latin typeface="Times New Roman" pitchFamily="18" charset="0"/>
+                <a:cs typeface="Times New Roman" pitchFamily="18" charset="0"/>
+              </a:rPr>
+              <a:t>cấp</a:t>
+            </a:r>
+            <a:r>
+              <a:rPr lang="en-US" sz="2900" dirty="0" smtClean="0">
+                <a:latin typeface="Times New Roman" pitchFamily="18" charset="0"/>
+                <a:cs typeface="Times New Roman" pitchFamily="18" charset="0"/>
+              </a:rPr>
+              <a:t> </a:t>
+            </a:r>
+            <a:r>
+              <a:rPr lang="en-US" sz="2900" dirty="0" err="1" smtClean="0">
+                <a:latin typeface="Times New Roman" pitchFamily="18" charset="0"/>
+                <a:cs typeface="Times New Roman" pitchFamily="18" charset="0"/>
+              </a:rPr>
+              <a:t>tính</a:t>
+            </a:r>
+            <a:r>
+              <a:rPr lang="en-US" sz="2900" dirty="0" smtClean="0">
+                <a:latin typeface="Times New Roman" pitchFamily="18" charset="0"/>
+                <a:cs typeface="Times New Roman" pitchFamily="18" charset="0"/>
+              </a:rPr>
+              <a:t> </a:t>
+            </a:r>
+            <a:r>
+              <a:rPr lang="en-US" sz="2900" dirty="0" err="1" smtClean="0">
+                <a:latin typeface="Times New Roman" pitchFamily="18" charset="0"/>
+                <a:cs typeface="Times New Roman" pitchFamily="18" charset="0"/>
+              </a:rPr>
+              <a:t>năng</a:t>
+            </a:r>
+            <a:r>
+              <a:rPr lang="en-US" sz="2900" dirty="0" smtClean="0">
+                <a:latin typeface="Times New Roman" pitchFamily="18" charset="0"/>
+                <a:cs typeface="Times New Roman" pitchFamily="18" charset="0"/>
+              </a:rPr>
+              <a:t> </a:t>
+            </a:r>
+            <a:r>
+              <a:rPr lang="en-US" sz="2900" dirty="0" err="1" smtClean="0">
+                <a:latin typeface="Times New Roman" pitchFamily="18" charset="0"/>
+                <a:cs typeface="Times New Roman" pitchFamily="18" charset="0"/>
+              </a:rPr>
+              <a:t>sử</a:t>
+            </a:r>
+            <a:r>
+              <a:rPr lang="en-US" sz="2900" dirty="0" smtClean="0">
+                <a:latin typeface="Times New Roman" pitchFamily="18" charset="0"/>
+                <a:cs typeface="Times New Roman" pitchFamily="18" charset="0"/>
+              </a:rPr>
+              <a:t> </a:t>
+            </a:r>
+            <a:r>
+              <a:rPr lang="en-US" sz="2900" dirty="0" err="1" smtClean="0">
+                <a:latin typeface="Times New Roman" pitchFamily="18" charset="0"/>
+                <a:cs typeface="Times New Roman" pitchFamily="18" charset="0"/>
+              </a:rPr>
+              <a:t>dụng</a:t>
+            </a:r>
+            <a:r>
+              <a:rPr lang="en-US" sz="2900" dirty="0" smtClean="0">
+                <a:latin typeface="Times New Roman" pitchFamily="18" charset="0"/>
+                <a:cs typeface="Times New Roman" pitchFamily="18" charset="0"/>
+              </a:rPr>
+              <a:t> Style </a:t>
+            </a:r>
+            <a:r>
+              <a:rPr lang="en-US" sz="2900" dirty="0" err="1" smtClean="0">
+                <a:latin typeface="Times New Roman" pitchFamily="18" charset="0"/>
+                <a:cs typeface="Times New Roman" pitchFamily="18" charset="0"/>
+              </a:rPr>
+              <a:t>của</a:t>
+            </a:r>
+            <a:r>
+              <a:rPr lang="en-US" sz="2900" dirty="0" smtClean="0">
+                <a:latin typeface="Times New Roman" pitchFamily="18" charset="0"/>
+                <a:cs typeface="Times New Roman" pitchFamily="18" charset="0"/>
+              </a:rPr>
+              <a:t> XAML </a:t>
+            </a:r>
+            <a:r>
+              <a:rPr lang="en-US" sz="2900" dirty="0" err="1" smtClean="0">
+                <a:latin typeface="Times New Roman" pitchFamily="18" charset="0"/>
+                <a:cs typeface="Times New Roman" pitchFamily="18" charset="0"/>
+              </a:rPr>
+              <a:t>ví</a:t>
+            </a:r>
+            <a:r>
+              <a:rPr lang="en-US" sz="2900" dirty="0" smtClean="0">
+                <a:latin typeface="Times New Roman" pitchFamily="18" charset="0"/>
+                <a:cs typeface="Times New Roman" pitchFamily="18" charset="0"/>
+              </a:rPr>
+              <a:t> </a:t>
+            </a:r>
+            <a:r>
+              <a:rPr lang="en-US" sz="2900" dirty="0" err="1" smtClean="0">
+                <a:latin typeface="Times New Roman" pitchFamily="18" charset="0"/>
+                <a:cs typeface="Times New Roman" pitchFamily="18" charset="0"/>
+              </a:rPr>
+              <a:t>dụ</a:t>
+            </a:r>
+            <a:r>
+              <a:rPr lang="en-US" sz="2900" dirty="0" smtClean="0">
+                <a:latin typeface="Times New Roman" pitchFamily="18" charset="0"/>
+                <a:cs typeface="Times New Roman" pitchFamily="18" charset="0"/>
+              </a:rPr>
+              <a:t> </a:t>
+            </a:r>
+            <a:r>
+              <a:rPr lang="en-US" sz="2900" dirty="0" err="1" smtClean="0">
+                <a:latin typeface="Times New Roman" pitchFamily="18" charset="0"/>
+                <a:cs typeface="Times New Roman" pitchFamily="18" charset="0"/>
+              </a:rPr>
+              <a:t>một</a:t>
+            </a:r>
+            <a:r>
+              <a:rPr lang="en-US" sz="2900" dirty="0" smtClean="0">
+                <a:latin typeface="Times New Roman" pitchFamily="18" charset="0"/>
+                <a:cs typeface="Times New Roman" pitchFamily="18" charset="0"/>
+              </a:rPr>
+              <a:t> </a:t>
+            </a:r>
+            <a:r>
+              <a:rPr lang="en-US" sz="2900" dirty="0" err="1" smtClean="0">
+                <a:latin typeface="Times New Roman" pitchFamily="18" charset="0"/>
+                <a:cs typeface="Times New Roman" pitchFamily="18" charset="0"/>
+              </a:rPr>
+              <a:t>kiểu</a:t>
+            </a:r>
+            <a:r>
+              <a:rPr lang="en-US" sz="2900" dirty="0" smtClean="0">
+                <a:latin typeface="Times New Roman" pitchFamily="18" charset="0"/>
+                <a:cs typeface="Times New Roman" pitchFamily="18" charset="0"/>
+              </a:rPr>
+              <a:t> button:</a:t>
+            </a:r>
+          </a:p>
+          <a:p>
+            <a:pPr marL="0" indent="0">
+              <a:buNone/>
+            </a:pPr>
+            <a:r>
+              <a:rPr lang="en-US" sz="2900" dirty="0" smtClean="0">
+                <a:latin typeface="Times New Roman" pitchFamily="18" charset="0"/>
+                <a:cs typeface="Times New Roman" pitchFamily="18" charset="0"/>
+              </a:rPr>
+              <a:t>  </a:t>
+            </a:r>
+            <a:r>
+              <a:rPr lang="vi-VN" sz="2900" dirty="0" smtClean="0">
+                <a:latin typeface="Times New Roman" pitchFamily="18" charset="0"/>
+                <a:cs typeface="Times New Roman" pitchFamily="18" charset="0"/>
+              </a:rPr>
+              <a:t>&lt;</a:t>
+            </a:r>
+            <a:r>
+              <a:rPr lang="vi-VN" sz="2900" dirty="0">
+                <a:latin typeface="Times New Roman" pitchFamily="18" charset="0"/>
+                <a:cs typeface="Times New Roman" pitchFamily="18" charset="0"/>
+              </a:rPr>
+              <a:t>Style x:Key="ButtonStyle"&gt; &lt;Setter </a:t>
+            </a:r>
+            <a:r>
+              <a:rPr lang="en-US" sz="2900" dirty="0" smtClean="0">
+                <a:latin typeface="Times New Roman" pitchFamily="18" charset="0"/>
+                <a:cs typeface="Times New Roman" pitchFamily="18" charset="0"/>
+              </a:rPr>
+              <a:t>     </a:t>
+            </a:r>
+            <a:r>
+              <a:rPr lang="vi-VN" sz="2900" dirty="0" smtClean="0">
+                <a:latin typeface="Times New Roman" pitchFamily="18" charset="0"/>
+                <a:cs typeface="Times New Roman" pitchFamily="18" charset="0"/>
+              </a:rPr>
+              <a:t>Property</a:t>
+            </a:r>
+            <a:r>
+              <a:rPr lang="vi-VN" sz="2900" dirty="0">
+                <a:latin typeface="Times New Roman" pitchFamily="18" charset="0"/>
+                <a:cs typeface="Times New Roman" pitchFamily="18" charset="0"/>
+              </a:rPr>
+              <a:t>="Control.Background" Value="Red"/&gt; &lt;Setter </a:t>
+            </a:r>
+            <a:r>
+              <a:rPr lang="en-US" sz="2900" dirty="0" smtClean="0">
+                <a:latin typeface="Times New Roman" pitchFamily="18" charset="0"/>
+                <a:cs typeface="Times New Roman" pitchFamily="18" charset="0"/>
+              </a:rPr>
+              <a:t> </a:t>
+            </a:r>
+            <a:r>
+              <a:rPr lang="vi-VN" sz="2900" dirty="0" smtClean="0">
+                <a:latin typeface="Times New Roman" pitchFamily="18" charset="0"/>
+                <a:cs typeface="Times New Roman" pitchFamily="18" charset="0"/>
+              </a:rPr>
+              <a:t>Property</a:t>
+            </a:r>
+            <a:r>
+              <a:rPr lang="vi-VN" sz="2900" dirty="0">
+                <a:latin typeface="Times New Roman" pitchFamily="18" charset="0"/>
+                <a:cs typeface="Times New Roman" pitchFamily="18" charset="0"/>
+              </a:rPr>
+              <a:t>="Control.FontSize" Value="16"/&gt; &lt;/Style</a:t>
+            </a:r>
+            <a:r>
+              <a:rPr lang="vi-VN" sz="2900" dirty="0" smtClean="0">
+                <a:latin typeface="Times New Roman" pitchFamily="18" charset="0"/>
+                <a:cs typeface="Times New Roman" pitchFamily="18" charset="0"/>
+              </a:rPr>
+              <a:t>&gt;</a:t>
+            </a:r>
+            <a:endParaRPr lang="en-US" sz="2900" dirty="0" smtClean="0">
               <a:latin typeface="Times New Roman" pitchFamily="18" charset="0"/>
               <a:cs typeface="Times New Roman" pitchFamily="18" charset="0"/>
             </a:endParaRPr>
-          </a:p>
-          <a:p>
-            <a:pPr marL="0" indent="0">
-              <a:buNone/>
-            </a:pPr>
-            <a:r>
-              <a:rPr lang="en-US" sz="2900" dirty="0">
-                <a:latin typeface="Times New Roman" pitchFamily="18" charset="0"/>
-                <a:cs typeface="Times New Roman" pitchFamily="18" charset="0"/>
-                <a:sym typeface="Wingdings"/>
-              </a:rPr>
-              <a:t></a:t>
-            </a:r>
-            <a:r>
-              <a:rPr lang="en-US" sz="2900" dirty="0" smtClean="0">
-                <a:latin typeface="Times New Roman" pitchFamily="18" charset="0"/>
-                <a:cs typeface="Times New Roman" pitchFamily="18" charset="0"/>
-              </a:rPr>
-              <a:t> WPF </a:t>
-            </a:r>
-            <a:r>
-              <a:rPr lang="en-US" sz="2900" dirty="0" err="1" smtClean="0">
-                <a:latin typeface="Times New Roman" pitchFamily="18" charset="0"/>
-                <a:cs typeface="Times New Roman" pitchFamily="18" charset="0"/>
-              </a:rPr>
-              <a:t>cung</a:t>
-            </a:r>
-            <a:r>
-              <a:rPr lang="en-US" sz="2900" dirty="0" smtClean="0">
-                <a:latin typeface="Times New Roman" pitchFamily="18" charset="0"/>
-                <a:cs typeface="Times New Roman" pitchFamily="18" charset="0"/>
-              </a:rPr>
-              <a:t> </a:t>
-            </a:r>
-            <a:r>
-              <a:rPr lang="en-US" sz="2900" dirty="0" err="1" smtClean="0">
-                <a:latin typeface="Times New Roman" pitchFamily="18" charset="0"/>
-                <a:cs typeface="Times New Roman" pitchFamily="18" charset="0"/>
-              </a:rPr>
-              <a:t>cấp</a:t>
-            </a:r>
-            <a:r>
-              <a:rPr lang="en-US" sz="2900" dirty="0" smtClean="0">
-                <a:latin typeface="Times New Roman" pitchFamily="18" charset="0"/>
-                <a:cs typeface="Times New Roman" pitchFamily="18" charset="0"/>
-              </a:rPr>
-              <a:t> </a:t>
-            </a:r>
-            <a:r>
-              <a:rPr lang="en-US" sz="2900" dirty="0" err="1" smtClean="0">
-                <a:latin typeface="Times New Roman" pitchFamily="18" charset="0"/>
-                <a:cs typeface="Times New Roman" pitchFamily="18" charset="0"/>
-              </a:rPr>
-              <a:t>tính</a:t>
-            </a:r>
-            <a:r>
-              <a:rPr lang="en-US" sz="2900" dirty="0" smtClean="0">
-                <a:latin typeface="Times New Roman" pitchFamily="18" charset="0"/>
-                <a:cs typeface="Times New Roman" pitchFamily="18" charset="0"/>
-              </a:rPr>
-              <a:t> </a:t>
-            </a:r>
-            <a:r>
-              <a:rPr lang="en-US" sz="2900" dirty="0" err="1" smtClean="0">
-                <a:latin typeface="Times New Roman" pitchFamily="18" charset="0"/>
-                <a:cs typeface="Times New Roman" pitchFamily="18" charset="0"/>
-              </a:rPr>
-              <a:t>năng</a:t>
-            </a:r>
-            <a:r>
-              <a:rPr lang="en-US" sz="2900" dirty="0" smtClean="0">
-                <a:latin typeface="Times New Roman" pitchFamily="18" charset="0"/>
-                <a:cs typeface="Times New Roman" pitchFamily="18" charset="0"/>
-              </a:rPr>
-              <a:t> </a:t>
-            </a:r>
-            <a:r>
-              <a:rPr lang="en-US" sz="2900" dirty="0" err="1" smtClean="0">
-                <a:latin typeface="Times New Roman" pitchFamily="18" charset="0"/>
-                <a:cs typeface="Times New Roman" pitchFamily="18" charset="0"/>
-              </a:rPr>
-              <a:t>hỗ</a:t>
-            </a:r>
-            <a:r>
-              <a:rPr lang="en-US" sz="2900" dirty="0" smtClean="0">
-                <a:latin typeface="Times New Roman" pitchFamily="18" charset="0"/>
-                <a:cs typeface="Times New Roman" pitchFamily="18" charset="0"/>
-              </a:rPr>
-              <a:t> </a:t>
-            </a:r>
-            <a:r>
-              <a:rPr lang="en-US" sz="2900" dirty="0" err="1" smtClean="0">
-                <a:latin typeface="Times New Roman" pitchFamily="18" charset="0"/>
-                <a:cs typeface="Times New Roman" pitchFamily="18" charset="0"/>
-              </a:rPr>
-              <a:t>trợ</a:t>
-            </a:r>
-            <a:r>
-              <a:rPr lang="en-US" sz="2900" dirty="0" smtClean="0">
-                <a:latin typeface="Times New Roman" pitchFamily="18" charset="0"/>
-                <a:cs typeface="Times New Roman" pitchFamily="18" charset="0"/>
-              </a:rPr>
-              <a:t> 2 </a:t>
-            </a:r>
-            <a:r>
-              <a:rPr lang="en-US" sz="2900" dirty="0" err="1" smtClean="0">
-                <a:latin typeface="Times New Roman" pitchFamily="18" charset="0"/>
-                <a:cs typeface="Times New Roman" pitchFamily="18" charset="0"/>
-              </a:rPr>
-              <a:t>loại</a:t>
-            </a:r>
-            <a:r>
-              <a:rPr lang="en-US" sz="2900" dirty="0" smtClean="0">
-                <a:latin typeface="Times New Roman" pitchFamily="18" charset="0"/>
-                <a:cs typeface="Times New Roman" pitchFamily="18" charset="0"/>
-              </a:rPr>
-              <a:t> </a:t>
-            </a:r>
-            <a:r>
-              <a:rPr lang="en-US" sz="2900" dirty="0" err="1" smtClean="0">
-                <a:latin typeface="Times New Roman" pitchFamily="18" charset="0"/>
-                <a:cs typeface="Times New Roman" pitchFamily="18" charset="0"/>
-              </a:rPr>
-              <a:t>định</a:t>
-            </a:r>
-            <a:r>
-              <a:rPr lang="en-US" sz="2900" dirty="0" smtClean="0">
-                <a:latin typeface="Times New Roman" pitchFamily="18" charset="0"/>
-                <a:cs typeface="Times New Roman" pitchFamily="18" charset="0"/>
-              </a:rPr>
-              <a:t> </a:t>
-            </a:r>
-            <a:r>
-              <a:rPr lang="en-US" sz="2900" dirty="0" err="1" smtClean="0">
-                <a:latin typeface="Times New Roman" pitchFamily="18" charset="0"/>
-                <a:cs typeface="Times New Roman" pitchFamily="18" charset="0"/>
-              </a:rPr>
-              <a:t>dạng</a:t>
-            </a:r>
-            <a:r>
-              <a:rPr lang="en-US" sz="2900" dirty="0" smtClean="0">
-                <a:latin typeface="Times New Roman" pitchFamily="18" charset="0"/>
-                <a:cs typeface="Times New Roman" pitchFamily="18" charset="0"/>
-              </a:rPr>
-              <a:t> </a:t>
-            </a:r>
-            <a:r>
-              <a:rPr lang="en-US" sz="2900" dirty="0" err="1" smtClean="0">
-                <a:latin typeface="Times New Roman" pitchFamily="18" charset="0"/>
-                <a:cs typeface="Times New Roman" pitchFamily="18" charset="0"/>
-              </a:rPr>
-              <a:t>MediaElement</a:t>
-            </a:r>
-            <a:r>
-              <a:rPr lang="en-US" sz="2900" dirty="0" smtClean="0">
-                <a:latin typeface="Times New Roman" pitchFamily="18" charset="0"/>
-                <a:cs typeface="Times New Roman" pitchFamily="18" charset="0"/>
-              </a:rPr>
-              <a:t> </a:t>
-            </a:r>
           </a:p>
           <a:p>
             <a:pPr>
@@ -11499,88 +10776,35 @@
                 <a:latin typeface="Times New Roman" pitchFamily="18" charset="0"/>
                 <a:cs typeface="Times New Roman" pitchFamily="18" charset="0"/>
               </a:rPr>
-              <a:t>Chơi</a:t>
-            </a:r>
-            <a:r>
-              <a:rPr lang="en-US" sz="2900" dirty="0" smtClean="0">
-                <a:latin typeface="Times New Roman" pitchFamily="18" charset="0"/>
-                <a:cs typeface="Times New Roman" pitchFamily="18" charset="0"/>
-              </a:rPr>
-              <a:t> </a:t>
-            </a:r>
-            <a:r>
-              <a:rPr lang="en-US" sz="2900" dirty="0" err="1" smtClean="0">
-                <a:latin typeface="Times New Roman" pitchFamily="18" charset="0"/>
-                <a:cs typeface="Times New Roman" pitchFamily="18" charset="0"/>
-              </a:rPr>
-              <a:t>được</a:t>
-            </a:r>
-            <a:r>
-              <a:rPr lang="en-US" sz="2900" dirty="0" smtClean="0">
-                <a:latin typeface="Times New Roman" pitchFamily="18" charset="0"/>
-                <a:cs typeface="Times New Roman" pitchFamily="18" charset="0"/>
-              </a:rPr>
-              <a:t> </a:t>
-            </a:r>
-            <a:r>
-              <a:rPr lang="en-US" sz="2900" dirty="0" err="1" smtClean="0">
-                <a:latin typeface="Times New Roman" pitchFamily="18" charset="0"/>
-                <a:cs typeface="Times New Roman" pitchFamily="18" charset="0"/>
-              </a:rPr>
-              <a:t>các</a:t>
-            </a:r>
-            <a:r>
-              <a:rPr lang="en-US" sz="2900" dirty="0" smtClean="0">
-                <a:latin typeface="Times New Roman" pitchFamily="18" charset="0"/>
-                <a:cs typeface="Times New Roman" pitchFamily="18" charset="0"/>
-              </a:rPr>
-              <a:t> </a:t>
-            </a:r>
-            <a:r>
-              <a:rPr lang="en-US" sz="2900" dirty="0" err="1" smtClean="0">
-                <a:latin typeface="Times New Roman" pitchFamily="18" charset="0"/>
-                <a:cs typeface="Times New Roman" pitchFamily="18" charset="0"/>
-              </a:rPr>
-              <a:t>định</a:t>
-            </a:r>
-            <a:r>
-              <a:rPr lang="en-US" sz="2900" dirty="0" smtClean="0">
-                <a:latin typeface="Times New Roman" pitchFamily="18" charset="0"/>
-                <a:cs typeface="Times New Roman" pitchFamily="18" charset="0"/>
-              </a:rPr>
-              <a:t> </a:t>
-            </a:r>
-            <a:r>
-              <a:rPr lang="en-US" sz="2900" dirty="0" err="1" smtClean="0">
-                <a:latin typeface="Times New Roman" pitchFamily="18" charset="0"/>
-                <a:cs typeface="Times New Roman" pitchFamily="18" charset="0"/>
-              </a:rPr>
-              <a:t>dạng</a:t>
-            </a:r>
-            <a:r>
-              <a:rPr lang="en-US" sz="2900" dirty="0" smtClean="0">
-                <a:latin typeface="Times New Roman" pitchFamily="18" charset="0"/>
-                <a:cs typeface="Times New Roman" pitchFamily="18" charset="0"/>
-              </a:rPr>
-              <a:t> WMV, MPEG, AVI</a:t>
-            </a:r>
-          </a:p>
-          <a:p>
-            <a:pPr>
-              <a:buFont typeface="Wingdings"/>
-              <a:buChar char="w"/>
-            </a:pPr>
-            <a:r>
-              <a:rPr lang="en-US" sz="2800" dirty="0"/>
-              <a:t>&lt;</a:t>
-            </a:r>
-            <a:r>
-              <a:rPr lang="en-US" sz="2800" dirty="0" err="1"/>
-              <a:t>MediaElement</a:t>
-            </a:r>
-            <a:r>
-              <a:rPr lang="en-US" sz="2800" dirty="0"/>
-              <a:t> Source="C:\Documents and Settings\All Users\Documents\ My Videos\Ruby.wmv" /&gt; </a:t>
+              <a:t>DataTemplate</a:t>
+            </a:r>
+            <a:r>
+              <a:rPr lang="en-US" sz="2900" dirty="0" smtClean="0">
+                <a:latin typeface="Times New Roman" pitchFamily="18" charset="0"/>
+                <a:cs typeface="Times New Roman" pitchFamily="18" charset="0"/>
+              </a:rPr>
+              <a:t>  </a:t>
+            </a:r>
+            <a:r>
+              <a:rPr lang="en-US" sz="2900" dirty="0" err="1" smtClean="0">
+                <a:latin typeface="Times New Roman" pitchFamily="18" charset="0"/>
+                <a:cs typeface="Times New Roman" pitchFamily="18" charset="0"/>
+              </a:rPr>
+              <a:t>và</a:t>
+            </a:r>
+            <a:r>
+              <a:rPr lang="en-US" sz="2900" dirty="0" smtClean="0">
+                <a:latin typeface="Times New Roman" pitchFamily="18" charset="0"/>
+                <a:cs typeface="Times New Roman" pitchFamily="18" charset="0"/>
+              </a:rPr>
+              <a:t> </a:t>
+            </a:r>
+            <a:r>
+              <a:rPr lang="en-US" sz="2900" dirty="0" err="1" smtClean="0">
+                <a:latin typeface="Times New Roman" pitchFamily="18" charset="0"/>
+                <a:cs typeface="Times New Roman" pitchFamily="18" charset="0"/>
+              </a:rPr>
+              <a:t>ControlTemplate</a:t>
             </a:r>
             <a:endParaRPr lang="en-US" sz="2900" dirty="0">
               <a:latin typeface="Times New Roman" pitchFamily="18" charset="0"/>
@@ -11615,7 +10839,7 @@
     </p:spTree>
     <p:extLst>
       <p:ext uri="{BB962C8B-B14F-4D97-AF65-F5344CB8AC3E}">
-        <p14:creationId xmlns:p14="http://schemas.microsoft.com/office/powerpoint/2010/main" val="753497597"/>
+        <p14:creationId xmlns:p14="http://schemas.microsoft.com/office/powerpoint/2010/main" val="3057692845"/>
       </p:ext>
     </p:extLst>
   </p:cSld>
@@ -11661,8 +10885,8 @@
         </p:nvSpPr>
         <p:spPr>
           <a:xfrm>
-            <a:off x="457200" y="0"/>
-            <a:ext cx="8229600" cy="1417638"/>
+            <a:off x="228600" y="-609600"/>
+            <a:ext cx="8229600" cy="2743200"/>
           </a:xfrm>
         </p:spPr>
         <p:txBody>
@@ -11680,96 +10904,291 @@
               <a:rPr lang="en-US" dirty="0" smtClean="0"/>
             </a:br>
             <a:r>
+              <a:rPr lang="en-US" dirty="0" smtClean="0"/>
+              <a:t/>
+            </a:r>
+            <a:br>
+              <a:rPr lang="en-US" dirty="0" smtClean="0"/>
+            </a:br>
+            <a:r>
+              <a:rPr lang="en-US" dirty="0"/>
+              <a:t/>
+            </a:r>
+            <a:br>
+              <a:rPr lang="en-US" dirty="0"/>
+            </a:br>
+            <a:r>
               <a:rPr lang="en-US" b="1" dirty="0" smtClean="0">
                 <a:solidFill>
                   <a:srgbClr val="0070C0"/>
                 </a:solidFill>
+                <a:latin typeface="Times New Roman" pitchFamily="18" charset="0"/>
+                <a:cs typeface="Times New Roman" pitchFamily="18" charset="0"/>
                 <a:sym typeface="Wingdings"/>
               </a:rPr>
-              <a:t></a:t>
-            </a:r>
-            <a:r>
-              <a:rPr lang="en-US" b="1" dirty="0" err="1" smtClean="0">
+              <a:t> </a:t>
+            </a:r>
+            <a:r>
+              <a:rPr lang="en-US" b="1" dirty="0" smtClean="0">
                 <a:solidFill>
                   <a:srgbClr val="0070C0"/>
                 </a:solidFill>
                 <a:latin typeface="Times New Roman" pitchFamily="18" charset="0"/>
                 <a:cs typeface="Times New Roman" pitchFamily="18" charset="0"/>
-                <a:sym typeface="Wingdings"/>
-              </a:rPr>
-              <a:t>Đồ</a:t>
-            </a:r>
-            <a:r>
-              <a:rPr lang="en-US" b="1" dirty="0" smtClean="0">
-                <a:solidFill>
-                  <a:srgbClr val="0070C0"/>
-                </a:solidFill>
-                <a:latin typeface="Times New Roman" pitchFamily="18" charset="0"/>
-                <a:cs typeface="Times New Roman" pitchFamily="18" charset="0"/>
-                <a:sym typeface="Wingdings"/>
-              </a:rPr>
-              <a:t> </a:t>
-            </a:r>
-            <a:r>
-              <a:rPr lang="en-US" b="1" dirty="0" err="1" smtClean="0">
-                <a:solidFill>
-                  <a:srgbClr val="0070C0"/>
-                </a:solidFill>
-                <a:latin typeface="Times New Roman" pitchFamily="18" charset="0"/>
-                <a:cs typeface="Times New Roman" pitchFamily="18" charset="0"/>
-                <a:sym typeface="Wingdings"/>
-              </a:rPr>
-              <a:t>họa</a:t>
-            </a:r>
-            <a:r>
-              <a:rPr lang="en-US" b="1" dirty="0" smtClean="0">
-                <a:solidFill>
-                  <a:srgbClr val="0070C0"/>
-                </a:solidFill>
-                <a:latin typeface="Times New Roman" pitchFamily="18" charset="0"/>
-                <a:cs typeface="Times New Roman" pitchFamily="18" charset="0"/>
-                <a:sym typeface="Wingdings"/>
-              </a:rPr>
-              <a:t> 2 </a:t>
-            </a:r>
-            <a:r>
-              <a:rPr lang="en-US" b="1" dirty="0" err="1" smtClean="0">
-                <a:solidFill>
-                  <a:srgbClr val="0070C0"/>
-                </a:solidFill>
-                <a:latin typeface="Times New Roman" pitchFamily="18" charset="0"/>
-                <a:cs typeface="Times New Roman" pitchFamily="18" charset="0"/>
-                <a:sym typeface="Wingdings"/>
-              </a:rPr>
-              <a:t>chiều</a:t>
-            </a:r>
-            <a:r>
-              <a:rPr lang="en-US" dirty="0" smtClean="0">
-                <a:latin typeface="Times New Roman" pitchFamily="18" charset="0"/>
-                <a:cs typeface="Times New Roman" pitchFamily="18" charset="0"/>
-              </a:rPr>
+              </a:rPr>
+              <a:t>Text</a:t>
+            </a:r>
+            <a:r>
+              <a:rPr lang="en-US" b="1" dirty="0" smtClean="0"/>
               <a:t/>
             </a:r>
             <a:br>
-              <a:rPr lang="en-US" dirty="0" smtClean="0">
-                <a:latin typeface="Times New Roman" pitchFamily="18" charset="0"/>
-                <a:cs typeface="Times New Roman" pitchFamily="18" charset="0"/>
-              </a:rPr>
+              <a:rPr lang="en-US" b="1" dirty="0" smtClean="0"/>
             </a:br>
             <a:r>
-              <a:rPr lang="en-US" dirty="0" smtClean="0">
+              <a:rPr lang="en-US" sz="3200" dirty="0" smtClean="0">
+                <a:latin typeface="Times New Roman" pitchFamily="18" charset="0"/>
+                <a:cs typeface="Times New Roman" pitchFamily="18" charset="0"/>
+              </a:rPr>
+              <a:t>WPF </a:t>
+            </a:r>
+            <a:r>
+              <a:rPr lang="en-US" sz="3200" dirty="0" err="1" smtClean="0">
+                <a:latin typeface="Times New Roman" pitchFamily="18" charset="0"/>
+                <a:cs typeface="Times New Roman" pitchFamily="18" charset="0"/>
+              </a:rPr>
+              <a:t>hỗ</a:t>
+            </a:r>
+            <a:r>
+              <a:rPr lang="en-US" sz="3200" dirty="0" smtClean="0">
+                <a:latin typeface="Times New Roman" pitchFamily="18" charset="0"/>
+                <a:cs typeface="Times New Roman" pitchFamily="18" charset="0"/>
+              </a:rPr>
+              <a:t> </a:t>
+            </a:r>
+            <a:r>
+              <a:rPr lang="en-US" sz="3200" dirty="0" err="1" smtClean="0">
+                <a:latin typeface="Times New Roman" pitchFamily="18" charset="0"/>
+                <a:cs typeface="Times New Roman" pitchFamily="18" charset="0"/>
+              </a:rPr>
+              <a:t>trợ</a:t>
+            </a:r>
+            <a:r>
+              <a:rPr lang="en-US" sz="3200" dirty="0" smtClean="0">
+                <a:latin typeface="Times New Roman" pitchFamily="18" charset="0"/>
+                <a:cs typeface="Times New Roman" pitchFamily="18" charset="0"/>
+              </a:rPr>
+              <a:t> font </a:t>
+            </a:r>
+            <a:r>
+              <a:rPr lang="en-US" sz="3200" dirty="0" err="1" smtClean="0">
+                <a:latin typeface="Times New Roman" pitchFamily="18" charset="0"/>
+                <a:cs typeface="Times New Roman" pitchFamily="18" charset="0"/>
+              </a:rPr>
+              <a:t>chữ</a:t>
+            </a:r>
+            <a:r>
+              <a:rPr lang="en-US" sz="3200" dirty="0" smtClean="0">
+                <a:latin typeface="Times New Roman" pitchFamily="18" charset="0"/>
+                <a:cs typeface="Times New Roman" pitchFamily="18" charset="0"/>
+              </a:rPr>
+              <a:t> </a:t>
+            </a:r>
+            <a:r>
+              <a:rPr lang="en-US" sz="3200" dirty="0" err="1" smtClean="0">
+                <a:latin typeface="Times New Roman" pitchFamily="18" charset="0"/>
+                <a:cs typeface="Times New Roman" pitchFamily="18" charset="0"/>
+              </a:rPr>
+              <a:t>Opentype</a:t>
+            </a:r>
+            <a:r>
+              <a:rPr lang="en-US" sz="3200" dirty="0" smtClean="0">
+                <a:latin typeface="Times New Roman" pitchFamily="18" charset="0"/>
+                <a:cs typeface="Times New Roman" pitchFamily="18" charset="0"/>
+              </a:rPr>
+              <a:t> </a:t>
+            </a:r>
+            <a:r>
+              <a:rPr lang="en-US" sz="3200" dirty="0" err="1" smtClean="0">
+                <a:latin typeface="Times New Roman" pitchFamily="18" charset="0"/>
+                <a:cs typeface="Times New Roman" pitchFamily="18" charset="0"/>
+              </a:rPr>
+              <a:t>chuẩn</a:t>
+            </a:r>
+            <a:r>
+              <a:rPr lang="en-US" sz="3200" dirty="0" smtClean="0">
                 <a:latin typeface="Times New Roman" pitchFamily="18" charset="0"/>
                 <a:cs typeface="Times New Roman" pitchFamily="18" charset="0"/>
               </a:rPr>
               <a:t/>
             </a:r>
             <a:br>
-              <a:rPr lang="en-US" dirty="0" smtClean="0">
+              <a:rPr lang="en-US" sz="3200" dirty="0" smtClean="0">
                 <a:latin typeface="Times New Roman" pitchFamily="18" charset="0"/>
                 <a:cs typeface="Times New Roman" pitchFamily="18" charset="0"/>
               </a:rPr>
             </a:br>
-            <a:endParaRPr lang="en-US" dirty="0">
+            <a:r>
+              <a:rPr lang="en-US" sz="3200" dirty="0" err="1" smtClean="0">
+                <a:latin typeface="Times New Roman" pitchFamily="18" charset="0"/>
+                <a:cs typeface="Times New Roman" pitchFamily="18" charset="0"/>
+              </a:rPr>
+              <a:t>Công</a:t>
+            </a:r>
+            <a:r>
+              <a:rPr lang="en-US" sz="3200" dirty="0" smtClean="0">
+                <a:latin typeface="Times New Roman" pitchFamily="18" charset="0"/>
+                <a:cs typeface="Times New Roman" pitchFamily="18" charset="0"/>
+              </a:rPr>
+              <a:t> </a:t>
+            </a:r>
+            <a:r>
+              <a:rPr lang="en-US" sz="3200" dirty="0" err="1" smtClean="0">
+                <a:latin typeface="Times New Roman" pitchFamily="18" charset="0"/>
+                <a:cs typeface="Times New Roman" pitchFamily="18" charset="0"/>
+              </a:rPr>
+              <a:t>nghệ</a:t>
+            </a:r>
+            <a:r>
+              <a:rPr lang="en-US" sz="3200" dirty="0" smtClean="0">
+                <a:latin typeface="Times New Roman" pitchFamily="18" charset="0"/>
+                <a:cs typeface="Times New Roman" pitchFamily="18" charset="0"/>
+              </a:rPr>
+              <a:t> font </a:t>
+            </a:r>
+            <a:r>
+              <a:rPr lang="en-US" sz="3200" dirty="0" err="1" smtClean="0">
+                <a:latin typeface="Times New Roman" pitchFamily="18" charset="0"/>
+                <a:cs typeface="Times New Roman" pitchFamily="18" charset="0"/>
+              </a:rPr>
+              <a:t>chữ</a:t>
+            </a:r>
+            <a:r>
+              <a:rPr lang="en-US" sz="3200" dirty="0" smtClean="0">
+                <a:latin typeface="Times New Roman" pitchFamily="18" charset="0"/>
+                <a:cs typeface="Times New Roman" pitchFamily="18" charset="0"/>
+              </a:rPr>
+              <a:t> </a:t>
+            </a:r>
+            <a:r>
+              <a:rPr lang="en-US" sz="3200" dirty="0" err="1" smtClean="0">
+                <a:latin typeface="Times New Roman" pitchFamily="18" charset="0"/>
+                <a:cs typeface="Times New Roman" pitchFamily="18" charset="0"/>
+              </a:rPr>
+              <a:t>mới</a:t>
+            </a:r>
+            <a:r>
+              <a:rPr lang="en-US" sz="3200" dirty="0" smtClean="0">
+                <a:latin typeface="Times New Roman" pitchFamily="18" charset="0"/>
+                <a:cs typeface="Times New Roman" pitchFamily="18" charset="0"/>
+              </a:rPr>
+              <a:t> </a:t>
+            </a:r>
+            <a:r>
+              <a:rPr lang="en-US" sz="3200" dirty="0" err="1" smtClean="0">
+                <a:latin typeface="Times New Roman" pitchFamily="18" charset="0"/>
+                <a:cs typeface="Times New Roman" pitchFamily="18" charset="0"/>
+              </a:rPr>
+              <a:t>Cleartype</a:t>
+            </a:r>
+            <a:r>
+              <a:rPr lang="en-US" sz="3200" dirty="0" smtClean="0">
+                <a:latin typeface="Times New Roman" pitchFamily="18" charset="0"/>
+                <a:cs typeface="Times New Roman" pitchFamily="18" charset="0"/>
+              </a:rPr>
+              <a:t> </a:t>
+            </a:r>
+            <a:r>
+              <a:rPr lang="en-US" sz="3200" dirty="0" err="1" smtClean="0">
+                <a:latin typeface="Times New Roman" pitchFamily="18" charset="0"/>
+                <a:cs typeface="Times New Roman" pitchFamily="18" charset="0"/>
+              </a:rPr>
+              <a:t>hiển</a:t>
+            </a:r>
+            <a:r>
+              <a:rPr lang="en-US" sz="3200" dirty="0" smtClean="0">
+                <a:latin typeface="Times New Roman" pitchFamily="18" charset="0"/>
+                <a:cs typeface="Times New Roman" pitchFamily="18" charset="0"/>
+              </a:rPr>
+              <a:t> </a:t>
+            </a:r>
+            <a:r>
+              <a:rPr lang="en-US" sz="3200" dirty="0" err="1" smtClean="0">
+                <a:latin typeface="Times New Roman" pitchFamily="18" charset="0"/>
+                <a:cs typeface="Times New Roman" pitchFamily="18" charset="0"/>
+              </a:rPr>
+              <a:t>thị</a:t>
+            </a:r>
+            <a:r>
+              <a:rPr lang="en-US" sz="3200" dirty="0" smtClean="0">
+                <a:latin typeface="Times New Roman" pitchFamily="18" charset="0"/>
+                <a:cs typeface="Times New Roman" pitchFamily="18" charset="0"/>
+              </a:rPr>
+              <a:t> </a:t>
+            </a:r>
+            <a:r>
+              <a:rPr lang="en-US" sz="3200" dirty="0" err="1" smtClean="0">
+                <a:latin typeface="Times New Roman" pitchFamily="18" charset="0"/>
+                <a:cs typeface="Times New Roman" pitchFamily="18" charset="0"/>
+              </a:rPr>
+              <a:t>ký</a:t>
+            </a:r>
+            <a:r>
+              <a:rPr lang="en-US" sz="3200" dirty="0" smtClean="0">
+                <a:latin typeface="Times New Roman" pitchFamily="18" charset="0"/>
+                <a:cs typeface="Times New Roman" pitchFamily="18" charset="0"/>
+              </a:rPr>
+              <a:t> </a:t>
+            </a:r>
+            <a:r>
+              <a:rPr lang="en-US" sz="3200" dirty="0" err="1" smtClean="0">
+                <a:latin typeface="Times New Roman" pitchFamily="18" charset="0"/>
+                <a:cs typeface="Times New Roman" pitchFamily="18" charset="0"/>
+              </a:rPr>
+              <a:t>tự</a:t>
+            </a:r>
+            <a:r>
+              <a:rPr lang="en-US" sz="3200" dirty="0" smtClean="0">
+                <a:latin typeface="Times New Roman" pitchFamily="18" charset="0"/>
+                <a:cs typeface="Times New Roman" pitchFamily="18" charset="0"/>
+              </a:rPr>
+              <a:t> </a:t>
+            </a:r>
+            <a:r>
+              <a:rPr lang="en-US" sz="3200" dirty="0" err="1" smtClean="0">
+                <a:latin typeface="Times New Roman" pitchFamily="18" charset="0"/>
+                <a:cs typeface="Times New Roman" pitchFamily="18" charset="0"/>
+              </a:rPr>
+              <a:t>mịn</a:t>
+            </a:r>
+            <a:r>
+              <a:rPr lang="en-US" sz="3200" dirty="0" smtClean="0">
+                <a:latin typeface="Times New Roman" pitchFamily="18" charset="0"/>
+                <a:cs typeface="Times New Roman" pitchFamily="18" charset="0"/>
+              </a:rPr>
+              <a:t> </a:t>
+            </a:r>
+            <a:r>
+              <a:rPr lang="en-US" sz="3200" dirty="0" err="1" smtClean="0">
+                <a:latin typeface="Times New Roman" pitchFamily="18" charset="0"/>
+                <a:cs typeface="Times New Roman" pitchFamily="18" charset="0"/>
+              </a:rPr>
+              <a:t>trên</a:t>
+            </a:r>
+            <a:r>
+              <a:rPr lang="en-US" sz="3200" dirty="0" smtClean="0">
+                <a:latin typeface="Times New Roman" pitchFamily="18" charset="0"/>
+                <a:cs typeface="Times New Roman" pitchFamily="18" charset="0"/>
+              </a:rPr>
+              <a:t> LCD</a:t>
+            </a:r>
+            <a:br>
+              <a:rPr lang="en-US" sz="3200" dirty="0" smtClean="0">
+                <a:latin typeface="Times New Roman" pitchFamily="18" charset="0"/>
+                <a:cs typeface="Times New Roman" pitchFamily="18" charset="0"/>
+              </a:rPr>
+            </a:br>
+            <a:endParaRPr lang="en-US" sz="3200" dirty="0">
               <a:latin typeface="Times New Roman" pitchFamily="18" charset="0"/>
               <a:cs typeface="Times New Roman" pitchFamily="18" charset="0"/>
             </a:endParaRPr>
@@ -11788,437 +11207,41 @@
         </p:nvSpPr>
         <p:spPr>
           <a:xfrm>
-            <a:off x="304800" y="914400"/>
-            <a:ext cx="8229600" cy="5334000"/>
+            <a:off x="0" y="2590800"/>
+            <a:ext cx="8229600" cy="3230563"/>
           </a:xfrm>
         </p:spPr>
         <p:txBody>
-          <a:bodyPr>
-            <a:normAutofit fontScale="92500" lnSpcReduction="10000"/>
-          </a:bodyPr>
+          <a:bodyPr/>
           <a:lstStyle/>
-          <a:p>
-            <a:r>
-              <a:rPr lang="en-US" sz="2900" dirty="0" err="1" smtClean="0">
-                <a:latin typeface="Times New Roman" pitchFamily="18" charset="0"/>
-                <a:cs typeface="Times New Roman" pitchFamily="18" charset="0"/>
-              </a:rPr>
-              <a:t>Đồ</a:t>
-            </a:r>
-            <a:r>
-              <a:rPr lang="en-US" sz="2900" dirty="0" smtClean="0">
-                <a:latin typeface="Times New Roman" pitchFamily="18" charset="0"/>
-                <a:cs typeface="Times New Roman" pitchFamily="18" charset="0"/>
-              </a:rPr>
-              <a:t> </a:t>
-            </a:r>
-            <a:r>
-              <a:rPr lang="en-US" sz="2900" dirty="0" err="1" smtClean="0">
-                <a:latin typeface="Times New Roman" pitchFamily="18" charset="0"/>
-                <a:cs typeface="Times New Roman" pitchFamily="18" charset="0"/>
-              </a:rPr>
-              <a:t>họa</a:t>
-            </a:r>
-            <a:r>
-              <a:rPr lang="en-US" sz="2900" dirty="0" smtClean="0">
-                <a:latin typeface="Times New Roman" pitchFamily="18" charset="0"/>
-                <a:cs typeface="Times New Roman" pitchFamily="18" charset="0"/>
-              </a:rPr>
-              <a:t> 2 </a:t>
-            </a:r>
-            <a:r>
-              <a:rPr lang="en-US" sz="2900" dirty="0" err="1" smtClean="0">
-                <a:latin typeface="Times New Roman" pitchFamily="18" charset="0"/>
-                <a:cs typeface="Times New Roman" pitchFamily="18" charset="0"/>
-              </a:rPr>
-              <a:t>chiều</a:t>
-            </a:r>
-            <a:r>
-              <a:rPr lang="en-US" sz="2900" dirty="0" smtClean="0">
-                <a:latin typeface="Times New Roman" pitchFamily="18" charset="0"/>
-                <a:cs typeface="Times New Roman" pitchFamily="18" charset="0"/>
-              </a:rPr>
-              <a:t> </a:t>
-            </a:r>
-            <a:r>
-              <a:rPr lang="en-US" sz="2900" dirty="0" err="1" smtClean="0">
-                <a:latin typeface="Times New Roman" pitchFamily="18" charset="0"/>
-                <a:cs typeface="Times New Roman" pitchFamily="18" charset="0"/>
-              </a:rPr>
-              <a:t>được</a:t>
-            </a:r>
-            <a:r>
-              <a:rPr lang="en-US" sz="2900" dirty="0" smtClean="0">
-                <a:latin typeface="Times New Roman" pitchFamily="18" charset="0"/>
-                <a:cs typeface="Times New Roman" pitchFamily="18" charset="0"/>
-              </a:rPr>
-              <a:t> </a:t>
-            </a:r>
-            <a:r>
-              <a:rPr lang="en-US" sz="2900" dirty="0" err="1" smtClean="0">
-                <a:latin typeface="Times New Roman" pitchFamily="18" charset="0"/>
-                <a:cs typeface="Times New Roman" pitchFamily="18" charset="0"/>
-              </a:rPr>
-              <a:t>tạo</a:t>
-            </a:r>
-            <a:r>
-              <a:rPr lang="en-US" sz="2900" dirty="0" smtClean="0">
-                <a:latin typeface="Times New Roman" pitchFamily="18" charset="0"/>
-                <a:cs typeface="Times New Roman" pitchFamily="18" charset="0"/>
-              </a:rPr>
-              <a:t> </a:t>
-            </a:r>
-            <a:r>
-              <a:rPr lang="en-US" sz="2900" dirty="0" err="1" smtClean="0">
-                <a:latin typeface="Times New Roman" pitchFamily="18" charset="0"/>
-                <a:cs typeface="Times New Roman" pitchFamily="18" charset="0"/>
-              </a:rPr>
-              <a:t>ra</a:t>
-            </a:r>
-            <a:r>
-              <a:rPr lang="en-US" sz="2900" dirty="0" smtClean="0">
-                <a:latin typeface="Times New Roman" pitchFamily="18" charset="0"/>
-                <a:cs typeface="Times New Roman" pitchFamily="18" charset="0"/>
-              </a:rPr>
-              <a:t> </a:t>
-            </a:r>
-            <a:r>
-              <a:rPr lang="en-US" sz="2900" dirty="0" err="1" smtClean="0">
-                <a:latin typeface="Times New Roman" pitchFamily="18" charset="0"/>
-                <a:cs typeface="Times New Roman" pitchFamily="18" charset="0"/>
-              </a:rPr>
-              <a:t>trực</a:t>
-            </a:r>
-            <a:r>
-              <a:rPr lang="en-US" sz="2900" dirty="0" smtClean="0">
-                <a:latin typeface="Times New Roman" pitchFamily="18" charset="0"/>
-                <a:cs typeface="Times New Roman" pitchFamily="18" charset="0"/>
-              </a:rPr>
-              <a:t> </a:t>
-            </a:r>
-            <a:r>
-              <a:rPr lang="en-US" sz="2900" dirty="0" err="1" smtClean="0">
-                <a:latin typeface="Times New Roman" pitchFamily="18" charset="0"/>
-                <a:cs typeface="Times New Roman" pitchFamily="18" charset="0"/>
-              </a:rPr>
-              <a:t>tiếp</a:t>
-            </a:r>
-            <a:r>
-              <a:rPr lang="en-US" sz="2900" dirty="0" smtClean="0">
-                <a:latin typeface="Times New Roman" pitchFamily="18" charset="0"/>
-                <a:cs typeface="Times New Roman" pitchFamily="18" charset="0"/>
-              </a:rPr>
-              <a:t> </a:t>
-            </a:r>
-            <a:r>
-              <a:rPr lang="en-US" sz="2900" dirty="0" err="1" smtClean="0">
-                <a:latin typeface="Times New Roman" pitchFamily="18" charset="0"/>
-                <a:cs typeface="Times New Roman" pitchFamily="18" charset="0"/>
-              </a:rPr>
-              <a:t>trong</a:t>
-            </a:r>
-            <a:r>
-              <a:rPr lang="en-US" sz="2900" dirty="0" smtClean="0">
-                <a:latin typeface="Times New Roman" pitchFamily="18" charset="0"/>
-                <a:cs typeface="Times New Roman" pitchFamily="18" charset="0"/>
-              </a:rPr>
-              <a:t> XAML </a:t>
-            </a:r>
-            <a:r>
-              <a:rPr lang="en-US" sz="2900" dirty="0" err="1" smtClean="0">
-                <a:latin typeface="Times New Roman" pitchFamily="18" charset="0"/>
-                <a:cs typeface="Times New Roman" pitchFamily="18" charset="0"/>
-              </a:rPr>
-              <a:t>hoặc</a:t>
-            </a:r>
-            <a:r>
-              <a:rPr lang="en-US" sz="2900" dirty="0" smtClean="0">
-                <a:latin typeface="Times New Roman" pitchFamily="18" charset="0"/>
-                <a:cs typeface="Times New Roman" pitchFamily="18" charset="0"/>
-              </a:rPr>
-              <a:t> code </a:t>
-            </a:r>
-            <a:r>
-              <a:rPr lang="en-US" sz="2900" dirty="0" err="1" smtClean="0">
-                <a:latin typeface="Times New Roman" pitchFamily="18" charset="0"/>
-                <a:cs typeface="Times New Roman" pitchFamily="18" charset="0"/>
-              </a:rPr>
-              <a:t>sử</a:t>
-            </a:r>
-            <a:r>
-              <a:rPr lang="en-US" sz="2900" dirty="0" smtClean="0">
-                <a:latin typeface="Times New Roman" pitchFamily="18" charset="0"/>
-                <a:cs typeface="Times New Roman" pitchFamily="18" charset="0"/>
-              </a:rPr>
-              <a:t> </a:t>
-            </a:r>
-            <a:r>
-              <a:rPr lang="en-US" sz="2900" dirty="0" err="1" smtClean="0">
-                <a:latin typeface="Times New Roman" pitchFamily="18" charset="0"/>
-                <a:cs typeface="Times New Roman" pitchFamily="18" charset="0"/>
-              </a:rPr>
-              <a:t>dụng</a:t>
-            </a:r>
-            <a:r>
-              <a:rPr lang="en-US" sz="2900" dirty="0" smtClean="0">
-                <a:latin typeface="Times New Roman" pitchFamily="18" charset="0"/>
-                <a:cs typeface="Times New Roman" pitchFamily="18" charset="0"/>
-              </a:rPr>
-              <a:t> </a:t>
-            </a:r>
-            <a:r>
-              <a:rPr lang="en-US" sz="2900" dirty="0" err="1" smtClean="0">
-                <a:latin typeface="Times New Roman" pitchFamily="18" charset="0"/>
-                <a:cs typeface="Times New Roman" pitchFamily="18" charset="0"/>
-              </a:rPr>
-              <a:t>thư</a:t>
-            </a:r>
-            <a:r>
-              <a:rPr lang="en-US" sz="2900" dirty="0" smtClean="0">
-                <a:latin typeface="Times New Roman" pitchFamily="18" charset="0"/>
-                <a:cs typeface="Times New Roman" pitchFamily="18" charset="0"/>
-              </a:rPr>
-              <a:t> </a:t>
-            </a:r>
-            <a:r>
-              <a:rPr lang="en-US" sz="2900" dirty="0" err="1" smtClean="0">
-                <a:latin typeface="Times New Roman" pitchFamily="18" charset="0"/>
-                <a:cs typeface="Times New Roman" pitchFamily="18" charset="0"/>
-              </a:rPr>
-              <a:t>viện</a:t>
-            </a:r>
-            <a:r>
-              <a:rPr lang="en-US" sz="2900" dirty="0" smtClean="0">
-                <a:latin typeface="Times New Roman" pitchFamily="18" charset="0"/>
-                <a:cs typeface="Times New Roman" pitchFamily="18" charset="0"/>
-              </a:rPr>
-              <a:t> WPF</a:t>
-            </a:r>
-          </a:p>
-          <a:p>
-            <a:r>
-              <a:rPr lang="en-US" sz="2900" dirty="0" err="1" smtClean="0">
-                <a:latin typeface="Times New Roman" pitchFamily="18" charset="0"/>
-                <a:cs typeface="Times New Roman" pitchFamily="18" charset="0"/>
-              </a:rPr>
-              <a:t>Các</a:t>
-            </a:r>
-            <a:r>
-              <a:rPr lang="en-US" sz="2900" dirty="0" smtClean="0">
-                <a:latin typeface="Times New Roman" pitchFamily="18" charset="0"/>
-                <a:cs typeface="Times New Roman" pitchFamily="18" charset="0"/>
-              </a:rPr>
-              <a:t> </a:t>
-            </a:r>
-            <a:r>
-              <a:rPr lang="en-US" sz="2900" dirty="0" err="1" smtClean="0">
-                <a:latin typeface="Times New Roman" pitchFamily="18" charset="0"/>
-                <a:cs typeface="Times New Roman" pitchFamily="18" charset="0"/>
-              </a:rPr>
-              <a:t>nhóm</a:t>
-            </a:r>
-            <a:r>
-              <a:rPr lang="en-US" sz="2900" dirty="0" smtClean="0">
-                <a:latin typeface="Times New Roman" pitchFamily="18" charset="0"/>
-                <a:cs typeface="Times New Roman" pitchFamily="18" charset="0"/>
-              </a:rPr>
-              <a:t> control: Line, Ellipse, Rectangle, Polygon, Polyline, Path</a:t>
-            </a:r>
-          </a:p>
-          <a:p>
-            <a:r>
-              <a:rPr lang="en-US" sz="2900" dirty="0" err="1" smtClean="0">
-                <a:latin typeface="Times New Roman" pitchFamily="18" charset="0"/>
-                <a:cs typeface="Times New Roman" pitchFamily="18" charset="0"/>
-              </a:rPr>
-              <a:t>Cung</a:t>
-            </a:r>
-            <a:r>
-              <a:rPr lang="en-US" sz="2900" dirty="0" smtClean="0">
-                <a:latin typeface="Times New Roman" pitchFamily="18" charset="0"/>
-                <a:cs typeface="Times New Roman" pitchFamily="18" charset="0"/>
-              </a:rPr>
-              <a:t> </a:t>
-            </a:r>
-            <a:r>
-              <a:rPr lang="en-US" sz="2900" dirty="0" err="1" smtClean="0">
-                <a:latin typeface="Times New Roman" pitchFamily="18" charset="0"/>
-                <a:cs typeface="Times New Roman" pitchFamily="18" charset="0"/>
-              </a:rPr>
-              <a:t>cấp</a:t>
-            </a:r>
-            <a:r>
-              <a:rPr lang="en-US" sz="2900" dirty="0" smtClean="0">
-                <a:latin typeface="Times New Roman" pitchFamily="18" charset="0"/>
-                <a:cs typeface="Times New Roman" pitchFamily="18" charset="0"/>
-              </a:rPr>
-              <a:t> </a:t>
-            </a:r>
-            <a:r>
-              <a:rPr lang="en-US" sz="2900" dirty="0" err="1" smtClean="0">
-                <a:latin typeface="Times New Roman" pitchFamily="18" charset="0"/>
-                <a:cs typeface="Times New Roman" pitchFamily="18" charset="0"/>
-              </a:rPr>
-              <a:t>chức</a:t>
-            </a:r>
-            <a:r>
-              <a:rPr lang="en-US" sz="2900" dirty="0" smtClean="0">
-                <a:latin typeface="Times New Roman" pitchFamily="18" charset="0"/>
-                <a:cs typeface="Times New Roman" pitchFamily="18" charset="0"/>
-              </a:rPr>
-              <a:t> </a:t>
-            </a:r>
-            <a:r>
-              <a:rPr lang="en-US" sz="2900" dirty="0" err="1" smtClean="0">
-                <a:latin typeface="Times New Roman" pitchFamily="18" charset="0"/>
-                <a:cs typeface="Times New Roman" pitchFamily="18" charset="0"/>
-              </a:rPr>
-              <a:t>năng</a:t>
-            </a:r>
-            <a:r>
-              <a:rPr lang="en-US" sz="2900" dirty="0" smtClean="0">
-                <a:latin typeface="Times New Roman" pitchFamily="18" charset="0"/>
-                <a:cs typeface="Times New Roman" pitchFamily="18" charset="0"/>
-              </a:rPr>
-              <a:t> </a:t>
-            </a:r>
-            <a:r>
-              <a:rPr lang="en-US" sz="2900" dirty="0" err="1" smtClean="0">
-                <a:latin typeface="Times New Roman" pitchFamily="18" charset="0"/>
-                <a:cs typeface="Times New Roman" pitchFamily="18" charset="0"/>
-              </a:rPr>
-              <a:t>hình</a:t>
-            </a:r>
-            <a:r>
-              <a:rPr lang="en-US" sz="2900" dirty="0" smtClean="0">
-                <a:latin typeface="Times New Roman" pitchFamily="18" charset="0"/>
-                <a:cs typeface="Times New Roman" pitchFamily="18" charset="0"/>
-              </a:rPr>
-              <a:t> </a:t>
-            </a:r>
-            <a:r>
-              <a:rPr lang="en-US" sz="2900" dirty="0" err="1" smtClean="0">
-                <a:latin typeface="Times New Roman" pitchFamily="18" charset="0"/>
-                <a:cs typeface="Times New Roman" pitchFamily="18" charset="0"/>
-              </a:rPr>
-              <a:t>học</a:t>
-            </a:r>
-            <a:r>
-              <a:rPr lang="en-US" sz="2900" dirty="0" smtClean="0">
-                <a:latin typeface="Times New Roman" pitchFamily="18" charset="0"/>
-                <a:cs typeface="Times New Roman" pitchFamily="18" charset="0"/>
-              </a:rPr>
-              <a:t> geometries </a:t>
-            </a:r>
-            <a:r>
-              <a:rPr lang="en-US" sz="2900" dirty="0" err="1" smtClean="0">
-                <a:latin typeface="Times New Roman" pitchFamily="18" charset="0"/>
-                <a:cs typeface="Times New Roman" pitchFamily="18" charset="0"/>
-              </a:rPr>
-              <a:t>và</a:t>
-            </a:r>
-            <a:r>
-              <a:rPr lang="en-US" sz="2900" dirty="0" smtClean="0">
-                <a:latin typeface="Times New Roman" pitchFamily="18" charset="0"/>
-                <a:cs typeface="Times New Roman" pitchFamily="18" charset="0"/>
-              </a:rPr>
-              <a:t> Transform </a:t>
-            </a:r>
-            <a:r>
-              <a:rPr lang="en-US" sz="2900" dirty="0" err="1" smtClean="0">
-                <a:latin typeface="Times New Roman" pitchFamily="18" charset="0"/>
-                <a:cs typeface="Times New Roman" pitchFamily="18" charset="0"/>
-              </a:rPr>
-              <a:t>cho</a:t>
-            </a:r>
-            <a:r>
-              <a:rPr lang="en-US" sz="2900" dirty="0" smtClean="0">
-                <a:latin typeface="Times New Roman" pitchFamily="18" charset="0"/>
-                <a:cs typeface="Times New Roman" pitchFamily="18" charset="0"/>
-              </a:rPr>
-              <a:t> </a:t>
-            </a:r>
-            <a:r>
-              <a:rPr lang="en-US" sz="2900" dirty="0" err="1" smtClean="0">
-                <a:latin typeface="Times New Roman" pitchFamily="18" charset="0"/>
-                <a:cs typeface="Times New Roman" pitchFamily="18" charset="0"/>
-              </a:rPr>
-              <a:t>phép</a:t>
-            </a:r>
-            <a:r>
-              <a:rPr lang="en-US" sz="2900" dirty="0" smtClean="0">
-                <a:latin typeface="Times New Roman" pitchFamily="18" charset="0"/>
-                <a:cs typeface="Times New Roman" pitchFamily="18" charset="0"/>
-              </a:rPr>
-              <a:t> </a:t>
-            </a:r>
-            <a:r>
-              <a:rPr lang="en-US" sz="2900" dirty="0" err="1" smtClean="0">
-                <a:latin typeface="Times New Roman" pitchFamily="18" charset="0"/>
-                <a:cs typeface="Times New Roman" pitchFamily="18" charset="0"/>
-              </a:rPr>
-              <a:t>biến</a:t>
-            </a:r>
-            <a:r>
-              <a:rPr lang="en-US" sz="2900" dirty="0" smtClean="0">
-                <a:latin typeface="Times New Roman" pitchFamily="18" charset="0"/>
-                <a:cs typeface="Times New Roman" pitchFamily="18" charset="0"/>
-              </a:rPr>
-              <a:t> </a:t>
-            </a:r>
-            <a:r>
-              <a:rPr lang="en-US" sz="2900" dirty="0" err="1" smtClean="0">
-                <a:latin typeface="Times New Roman" pitchFamily="18" charset="0"/>
-                <a:cs typeface="Times New Roman" pitchFamily="18" charset="0"/>
-              </a:rPr>
-              <a:t>đổi</a:t>
-            </a:r>
-            <a:r>
-              <a:rPr lang="en-US" sz="2900" dirty="0" smtClean="0">
-                <a:latin typeface="Times New Roman" pitchFamily="18" charset="0"/>
-                <a:cs typeface="Times New Roman" pitchFamily="18" charset="0"/>
-              </a:rPr>
-              <a:t> </a:t>
-            </a:r>
-            <a:r>
-              <a:rPr lang="en-US" sz="2900" dirty="0" err="1" smtClean="0">
-                <a:latin typeface="Times New Roman" pitchFamily="18" charset="0"/>
-                <a:cs typeface="Times New Roman" pitchFamily="18" charset="0"/>
-              </a:rPr>
-              <a:t>hình</a:t>
-            </a:r>
-            <a:r>
-              <a:rPr lang="en-US" sz="2900" dirty="0" smtClean="0">
-                <a:latin typeface="Times New Roman" pitchFamily="18" charset="0"/>
-                <a:cs typeface="Times New Roman" pitchFamily="18" charset="0"/>
-              </a:rPr>
-              <a:t> </a:t>
-            </a:r>
-            <a:r>
-              <a:rPr lang="en-US" sz="2900" dirty="0" err="1" smtClean="0">
-                <a:latin typeface="Times New Roman" pitchFamily="18" charset="0"/>
-                <a:cs typeface="Times New Roman" pitchFamily="18" charset="0"/>
-              </a:rPr>
-              <a:t>học</a:t>
-            </a:r>
-            <a:endParaRPr lang="en-US" sz="2900" dirty="0" smtClean="0">
-              <a:latin typeface="Times New Roman" pitchFamily="18" charset="0"/>
-              <a:cs typeface="Times New Roman" pitchFamily="18" charset="0"/>
-            </a:endParaRPr>
-          </a:p>
           <a:p>
             <a:pPr marL="0" indent="0">
               <a:buNone/>
             </a:pPr>
             <a:r>
-              <a:rPr lang="en-US" sz="2900" dirty="0" smtClean="0">
+              <a:rPr lang="en-US" dirty="0" smtClean="0"/>
+              <a:t> </a:t>
+            </a:r>
+            <a:r>
+              <a:rPr lang="en-US" sz="4000" b="1" dirty="0" smtClean="0">
                 <a:solidFill>
                   <a:srgbClr val="0070C0"/>
                 </a:solidFill>
                 <a:latin typeface="Times New Roman" pitchFamily="18" charset="0"/>
                 <a:cs typeface="Times New Roman" pitchFamily="18" charset="0"/>
-              </a:rPr>
-              <a:t> </a:t>
+                <a:sym typeface="Wingdings"/>
+              </a:rPr>
+              <a:t> </a:t>
+            </a:r>
+            <a:r>
+              <a:rPr lang="en-US" sz="4000" b="1" dirty="0" err="1" smtClean="0">
+                <a:solidFill>
+                  <a:srgbClr val="0070C0"/>
+                </a:solidFill>
+                <a:latin typeface="Times New Roman" pitchFamily="18" charset="0"/>
+                <a:cs typeface="Times New Roman" pitchFamily="18" charset="0"/>
+              </a:rPr>
+              <a:t>Văn</a:t>
             </a:r>
             <a:r>
               <a:rPr lang="en-US" sz="4000" b="1" dirty="0" smtClean="0">
@@ -12227,9 +11250,8 @@
                 </a:solidFill>
                 <a:latin typeface="Times New Roman" pitchFamily="18" charset="0"/>
                 <a:cs typeface="Times New Roman" pitchFamily="18" charset="0"/>
-                <a:sym typeface="Wingdings"/>
-              </a:rPr>
-              <a:t> </a:t>
+              </a:rPr>
+              <a:t> </a:t>
             </a:r>
             <a:r>
               <a:rPr lang="en-US" sz="4000" b="1" dirty="0" err="1" smtClean="0">
@@ -12238,53 +11260,8 @@
                 </a:solidFill>
                 <a:latin typeface="Times New Roman" pitchFamily="18" charset="0"/>
                 <a:cs typeface="Times New Roman" pitchFamily="18" charset="0"/>
-                <a:sym typeface="Wingdings"/>
-              </a:rPr>
-              <a:t>Đồ</a:t>
-            </a:r>
-            <a:r>
-              <a:rPr lang="en-US" sz="4000" b="1" dirty="0" smtClean="0">
-                <a:solidFill>
-                  <a:srgbClr val="0070C0"/>
-                </a:solidFill>
-                <a:latin typeface="Times New Roman" pitchFamily="18" charset="0"/>
-                <a:cs typeface="Times New Roman" pitchFamily="18" charset="0"/>
-                <a:sym typeface="Wingdings"/>
-              </a:rPr>
-              <a:t> </a:t>
-            </a:r>
-            <a:r>
-              <a:rPr lang="en-US" sz="4000" b="1" dirty="0" err="1" smtClean="0">
-                <a:solidFill>
-                  <a:srgbClr val="0070C0"/>
-                </a:solidFill>
-                <a:latin typeface="Times New Roman" pitchFamily="18" charset="0"/>
-                <a:cs typeface="Times New Roman" pitchFamily="18" charset="0"/>
-                <a:sym typeface="Wingdings"/>
-              </a:rPr>
-              <a:t>họa</a:t>
-            </a:r>
-            <a:r>
-              <a:rPr lang="en-US" sz="4000" b="1" dirty="0" smtClean="0">
-                <a:solidFill>
-                  <a:srgbClr val="0070C0"/>
-                </a:solidFill>
-                <a:latin typeface="Times New Roman" pitchFamily="18" charset="0"/>
-                <a:cs typeface="Times New Roman" pitchFamily="18" charset="0"/>
-                <a:sym typeface="Wingdings"/>
-              </a:rPr>
-              <a:t> 3 </a:t>
-            </a:r>
-            <a:r>
-              <a:rPr lang="en-US" sz="4000" b="1" dirty="0" err="1" smtClean="0">
-                <a:solidFill>
-                  <a:srgbClr val="0070C0"/>
-                </a:solidFill>
-                <a:latin typeface="Times New Roman" pitchFamily="18" charset="0"/>
-                <a:cs typeface="Times New Roman" pitchFamily="18" charset="0"/>
-                <a:sym typeface="Wingdings"/>
-              </a:rPr>
-              <a:t>chiều</a:t>
+              </a:rPr>
+              <a:t>bản</a:t>
             </a:r>
             <a:endParaRPr lang="en-US" sz="4000" b="1" dirty="0" smtClean="0">
               <a:solidFill>
@@ -12295,450 +11272,31 @@
             </a:endParaRPr>
           </a:p>
           <a:p>
-            <a:pPr>
-              <a:buFont typeface="Wingdings"/>
-              <a:buChar char="w"/>
-            </a:pPr>
-            <a:r>
-              <a:rPr lang="en-US" sz="2900" dirty="0" err="1" smtClean="0">
-                <a:latin typeface="Times New Roman" pitchFamily="18" charset="0"/>
-                <a:cs typeface="Times New Roman" pitchFamily="18" charset="0"/>
-              </a:rPr>
-              <a:t>Hỗ</a:t>
-            </a:r>
-            <a:r>
-              <a:rPr lang="en-US" sz="2900" dirty="0" smtClean="0">
-                <a:latin typeface="Times New Roman" pitchFamily="18" charset="0"/>
-                <a:cs typeface="Times New Roman" pitchFamily="18" charset="0"/>
-              </a:rPr>
-              <a:t> </a:t>
-            </a:r>
-            <a:r>
-              <a:rPr lang="en-US" sz="2900" dirty="0" err="1" smtClean="0">
-                <a:latin typeface="Times New Roman" pitchFamily="18" charset="0"/>
-                <a:cs typeface="Times New Roman" pitchFamily="18" charset="0"/>
-              </a:rPr>
-              <a:t>trợ</a:t>
-            </a:r>
-            <a:r>
-              <a:rPr lang="en-US" sz="2900" dirty="0" smtClean="0">
-                <a:latin typeface="Times New Roman" pitchFamily="18" charset="0"/>
-                <a:cs typeface="Times New Roman" pitchFamily="18" charset="0"/>
-              </a:rPr>
-              <a:t> 3 </a:t>
-            </a:r>
-            <a:r>
-              <a:rPr lang="en-US" sz="2900" dirty="0" err="1" smtClean="0">
-                <a:latin typeface="Times New Roman" pitchFamily="18" charset="0"/>
-                <a:cs typeface="Times New Roman" pitchFamily="18" charset="0"/>
-              </a:rPr>
-              <a:t>chiều</a:t>
-            </a:r>
-            <a:r>
-              <a:rPr lang="en-US" sz="2900" dirty="0" smtClean="0">
-                <a:latin typeface="Times New Roman" pitchFamily="18" charset="0"/>
-                <a:cs typeface="Times New Roman" pitchFamily="18" charset="0"/>
-              </a:rPr>
-              <a:t> </a:t>
-            </a:r>
-            <a:r>
-              <a:rPr lang="en-US" sz="2900" dirty="0" err="1" smtClean="0">
-                <a:latin typeface="Times New Roman" pitchFamily="18" charset="0"/>
-                <a:cs typeface="Times New Roman" pitchFamily="18" charset="0"/>
-              </a:rPr>
-              <a:t>thông</a:t>
-            </a:r>
-            <a:r>
-              <a:rPr lang="en-US" sz="2900" dirty="0" smtClean="0">
-                <a:latin typeface="Times New Roman" pitchFamily="18" charset="0"/>
-                <a:cs typeface="Times New Roman" pitchFamily="18" charset="0"/>
-              </a:rPr>
-              <a:t> qua </a:t>
-            </a:r>
-            <a:r>
-              <a:rPr lang="en-US" sz="2900" dirty="0" err="1" smtClean="0">
-                <a:latin typeface="Times New Roman" pitchFamily="18" charset="0"/>
-                <a:cs typeface="Times New Roman" pitchFamily="18" charset="0"/>
-              </a:rPr>
-              <a:t>lời</a:t>
-            </a:r>
-            <a:r>
-              <a:rPr lang="en-US" sz="2900" dirty="0" smtClean="0">
-                <a:latin typeface="Times New Roman" pitchFamily="18" charset="0"/>
-                <a:cs typeface="Times New Roman" pitchFamily="18" charset="0"/>
-              </a:rPr>
-              <a:t> </a:t>
-            </a:r>
-            <a:r>
-              <a:rPr lang="en-US" sz="2900" dirty="0" err="1" smtClean="0">
-                <a:latin typeface="Times New Roman" pitchFamily="18" charset="0"/>
-                <a:cs typeface="Times New Roman" pitchFamily="18" charset="0"/>
-              </a:rPr>
-              <a:t>gọi</a:t>
-            </a:r>
-            <a:r>
-              <a:rPr lang="en-US" sz="2900" dirty="0" smtClean="0">
-                <a:latin typeface="Times New Roman" pitchFamily="18" charset="0"/>
-                <a:cs typeface="Times New Roman" pitchFamily="18" charset="0"/>
-              </a:rPr>
-              <a:t> API </a:t>
-            </a:r>
-            <a:r>
-              <a:rPr lang="en-US" sz="2900" dirty="0" err="1" smtClean="0">
-                <a:latin typeface="Times New Roman" pitchFamily="18" charset="0"/>
-                <a:cs typeface="Times New Roman" pitchFamily="18" charset="0"/>
-              </a:rPr>
-              <a:t>của</a:t>
-            </a:r>
-            <a:r>
-              <a:rPr lang="en-US" sz="2900" dirty="0" smtClean="0">
-                <a:latin typeface="Times New Roman" pitchFamily="18" charset="0"/>
-                <a:cs typeface="Times New Roman" pitchFamily="18" charset="0"/>
-              </a:rPr>
-              <a:t> Direct3D</a:t>
-            </a:r>
-          </a:p>
-          <a:p>
-            <a:pPr>
-              <a:buFont typeface="Wingdings"/>
-              <a:buChar char="w"/>
-            </a:pPr>
-            <a:r>
-              <a:rPr lang="en-US" sz="2900" dirty="0" err="1" smtClean="0">
-                <a:latin typeface="Times New Roman" pitchFamily="18" charset="0"/>
-                <a:cs typeface="Times New Roman" pitchFamily="18" charset="0"/>
-              </a:rPr>
-              <a:t>Để</a:t>
-            </a:r>
-            <a:r>
-              <a:rPr lang="en-US" sz="2900" dirty="0" smtClean="0">
-                <a:latin typeface="Times New Roman" pitchFamily="18" charset="0"/>
-                <a:cs typeface="Times New Roman" pitchFamily="18" charset="0"/>
-              </a:rPr>
-              <a:t> </a:t>
-            </a:r>
-            <a:r>
-              <a:rPr lang="en-US" sz="2900" dirty="0" err="1" smtClean="0">
-                <a:latin typeface="Times New Roman" pitchFamily="18" charset="0"/>
-                <a:cs typeface="Times New Roman" pitchFamily="18" charset="0"/>
-              </a:rPr>
-              <a:t>hiện</a:t>
-            </a:r>
-            <a:r>
-              <a:rPr lang="en-US" sz="2900" dirty="0" smtClean="0">
-                <a:latin typeface="Times New Roman" pitchFamily="18" charset="0"/>
-                <a:cs typeface="Times New Roman" pitchFamily="18" charset="0"/>
-              </a:rPr>
-              <a:t> </a:t>
-            </a:r>
-            <a:r>
-              <a:rPr lang="en-US" sz="2900" dirty="0" err="1" smtClean="0">
-                <a:latin typeface="Times New Roman" pitchFamily="18" charset="0"/>
-                <a:cs typeface="Times New Roman" pitchFamily="18" charset="0"/>
-              </a:rPr>
-              <a:t>thị</a:t>
-            </a:r>
-            <a:r>
-              <a:rPr lang="en-US" sz="2900" dirty="0" smtClean="0">
-                <a:latin typeface="Times New Roman" pitchFamily="18" charset="0"/>
-                <a:cs typeface="Times New Roman" pitchFamily="18" charset="0"/>
-              </a:rPr>
-              <a:t> 3 </a:t>
-            </a:r>
-            <a:r>
-              <a:rPr lang="en-US" sz="2900" dirty="0" err="1" smtClean="0">
-                <a:latin typeface="Times New Roman" pitchFamily="18" charset="0"/>
-                <a:cs typeface="Times New Roman" pitchFamily="18" charset="0"/>
-              </a:rPr>
-              <a:t>chiều</a:t>
-            </a:r>
-            <a:r>
-              <a:rPr lang="en-US" sz="2900" dirty="0" smtClean="0">
-                <a:latin typeface="Times New Roman" pitchFamily="18" charset="0"/>
-                <a:cs typeface="Times New Roman" pitchFamily="18" charset="0"/>
-              </a:rPr>
-              <a:t> </a:t>
-            </a:r>
-            <a:r>
-              <a:rPr lang="en-US" sz="2900" dirty="0" err="1" smtClean="0">
-                <a:latin typeface="Times New Roman" pitchFamily="18" charset="0"/>
-                <a:cs typeface="Times New Roman" pitchFamily="18" charset="0"/>
-              </a:rPr>
-              <a:t>cần</a:t>
-            </a:r>
-            <a:r>
-              <a:rPr lang="en-US" sz="2900" dirty="0" smtClean="0">
-                <a:latin typeface="Times New Roman" pitchFamily="18" charset="0"/>
-                <a:cs typeface="Times New Roman" pitchFamily="18" charset="0"/>
-              </a:rPr>
-              <a:t> </a:t>
-            </a:r>
-            <a:r>
-              <a:rPr lang="en-US" sz="2900" dirty="0" err="1" smtClean="0">
-                <a:latin typeface="Times New Roman" pitchFamily="18" charset="0"/>
-                <a:cs typeface="Times New Roman" pitchFamily="18" charset="0"/>
-              </a:rPr>
-              <a:t>sử</a:t>
-            </a:r>
-            <a:r>
-              <a:rPr lang="en-US" sz="2900" dirty="0" smtClean="0">
-                <a:latin typeface="Times New Roman" pitchFamily="18" charset="0"/>
-                <a:cs typeface="Times New Roman" pitchFamily="18" charset="0"/>
-              </a:rPr>
-              <a:t> </a:t>
-            </a:r>
-            <a:r>
-              <a:rPr lang="en-US" sz="2900" dirty="0" err="1" smtClean="0">
-                <a:latin typeface="Times New Roman" pitchFamily="18" charset="0"/>
-                <a:cs typeface="Times New Roman" pitchFamily="18" charset="0"/>
-              </a:rPr>
-              <a:t>dụng</a:t>
-            </a:r>
-            <a:r>
-              <a:rPr lang="en-US" sz="2900" dirty="0" smtClean="0">
-                <a:latin typeface="Times New Roman" pitchFamily="18" charset="0"/>
-                <a:cs typeface="Times New Roman" pitchFamily="18" charset="0"/>
-              </a:rPr>
-              <a:t> control Viewport3D</a:t>
-            </a:r>
-          </a:p>
-          <a:p>
             <a:pPr marL="0" indent="0">
               <a:buNone/>
             </a:pPr>
             <a:r>
-              <a:rPr lang="en-US" sz="2900" dirty="0" smtClean="0">
-                <a:latin typeface="Times New Roman" pitchFamily="18" charset="0"/>
-                <a:cs typeface="Times New Roman" pitchFamily="18" charset="0"/>
-              </a:rPr>
-              <a:t>  </a:t>
-            </a:r>
-          </a:p>
-          <a:p>
-            <a:pPr>
-              <a:buFont typeface="Wingdings"/>
-              <a:buChar char="w"/>
+              <a:rPr lang="vi-VN" sz="2900" dirty="0">
+                <a:latin typeface="+mj-lt"/>
+              </a:rPr>
+              <a:t>WPF hỗ trợ ba dạng văn bản: văn bản cố định (fixed), văn bản thích nghi (flow/adaptive) và văn bản XPS (XML Paper Specification) </a:t>
+            </a:r>
+            <a:endParaRPr lang="en-US" sz="2900" dirty="0" smtClean="0">
+              <a:latin typeface="+mj-lt"/>
+            </a:endParaRPr>
+          </a:p>
+          <a:p>
+            <a:pPr marL="0" indent="0">
+              <a:buNone/>
             </a:pPr>
             <a:r>
-              <a:rPr lang="en-US" sz="2900" dirty="0" err="1" smtClean="0">
-                <a:latin typeface="Times New Roman" pitchFamily="18" charset="0"/>
-                <a:cs typeface="Times New Roman" pitchFamily="18" charset="0"/>
-              </a:rPr>
-              <a:t>Mô</a:t>
-            </a:r>
-            <a:r>
-              <a:rPr lang="en-US" sz="2900" dirty="0" smtClean="0">
-                <a:latin typeface="Times New Roman" pitchFamily="18" charset="0"/>
-                <a:cs typeface="Times New Roman" pitchFamily="18" charset="0"/>
-              </a:rPr>
-              <a:t> </a:t>
-            </a:r>
-            <a:r>
-              <a:rPr lang="en-US" sz="2900" dirty="0" err="1" smtClean="0">
-                <a:latin typeface="Times New Roman" pitchFamily="18" charset="0"/>
-                <a:cs typeface="Times New Roman" pitchFamily="18" charset="0"/>
-              </a:rPr>
-              <a:t>tả</a:t>
-            </a:r>
-            <a:r>
-              <a:rPr lang="en-US" sz="2900" dirty="0" smtClean="0">
-                <a:latin typeface="Times New Roman" pitchFamily="18" charset="0"/>
-                <a:cs typeface="Times New Roman" pitchFamily="18" charset="0"/>
-              </a:rPr>
-              <a:t> </a:t>
-            </a:r>
-            <a:r>
-              <a:rPr lang="en-US" sz="2900" dirty="0" err="1" smtClean="0">
-                <a:latin typeface="Times New Roman" pitchFamily="18" charset="0"/>
-                <a:cs typeface="Times New Roman" pitchFamily="18" charset="0"/>
-              </a:rPr>
-              <a:t>một</a:t>
-            </a:r>
-            <a:r>
-              <a:rPr lang="en-US" sz="2900" dirty="0" smtClean="0">
-                <a:latin typeface="Times New Roman" pitchFamily="18" charset="0"/>
-                <a:cs typeface="Times New Roman" pitchFamily="18" charset="0"/>
-              </a:rPr>
-              <a:t> hay </a:t>
-            </a:r>
-            <a:r>
-              <a:rPr lang="en-US" sz="2900" dirty="0" err="1" smtClean="0">
-                <a:latin typeface="Times New Roman" pitchFamily="18" charset="0"/>
-                <a:cs typeface="Times New Roman" pitchFamily="18" charset="0"/>
-              </a:rPr>
-              <a:t>nhiều</a:t>
-            </a:r>
-            <a:r>
-              <a:rPr lang="en-US" sz="2900" dirty="0" smtClean="0">
-                <a:latin typeface="Times New Roman" pitchFamily="18" charset="0"/>
-                <a:cs typeface="Times New Roman" pitchFamily="18" charset="0"/>
-              </a:rPr>
-              <a:t> </a:t>
-            </a:r>
-            <a:r>
-              <a:rPr lang="en-US" sz="2900" dirty="0" err="1" smtClean="0">
-                <a:latin typeface="Times New Roman" pitchFamily="18" charset="0"/>
-                <a:cs typeface="Times New Roman" pitchFamily="18" charset="0"/>
-              </a:rPr>
-              <a:t>mô</a:t>
-            </a:r>
-            <a:r>
-              <a:rPr lang="en-US" sz="2900" dirty="0" smtClean="0">
-                <a:latin typeface="Times New Roman" pitchFamily="18" charset="0"/>
-                <a:cs typeface="Times New Roman" pitchFamily="18" charset="0"/>
-              </a:rPr>
-              <a:t> </a:t>
-            </a:r>
-            <a:r>
-              <a:rPr lang="en-US" sz="2900" dirty="0" err="1" smtClean="0">
-                <a:latin typeface="Times New Roman" pitchFamily="18" charset="0"/>
-                <a:cs typeface="Times New Roman" pitchFamily="18" charset="0"/>
-              </a:rPr>
-              <a:t>hình</a:t>
-            </a:r>
-            <a:r>
-              <a:rPr lang="en-US" sz="2900" dirty="0" smtClean="0">
-                <a:latin typeface="Times New Roman" pitchFamily="18" charset="0"/>
-                <a:cs typeface="Times New Roman" pitchFamily="18" charset="0"/>
-              </a:rPr>
-              <a:t> </a:t>
-            </a:r>
-            <a:r>
-              <a:rPr lang="en-US" sz="2900" dirty="0" err="1" smtClean="0">
-                <a:latin typeface="Times New Roman" pitchFamily="18" charset="0"/>
-                <a:cs typeface="Times New Roman" pitchFamily="18" charset="0"/>
-              </a:rPr>
-              <a:t>phân</a:t>
-            </a:r>
-            <a:r>
-              <a:rPr lang="en-US" sz="2900" dirty="0" smtClean="0">
-                <a:latin typeface="Times New Roman" pitchFamily="18" charset="0"/>
-                <a:cs typeface="Times New Roman" pitchFamily="18" charset="0"/>
-              </a:rPr>
-              <a:t> </a:t>
-            </a:r>
-            <a:r>
-              <a:rPr lang="en-US" sz="2900" dirty="0" err="1" smtClean="0">
-                <a:latin typeface="Times New Roman" pitchFamily="18" charset="0"/>
-                <a:cs typeface="Times New Roman" pitchFamily="18" charset="0"/>
-              </a:rPr>
-              <a:t>định</a:t>
-            </a:r>
-            <a:r>
-              <a:rPr lang="en-US" sz="2900" dirty="0" smtClean="0">
-                <a:latin typeface="Times New Roman" pitchFamily="18" charset="0"/>
-                <a:cs typeface="Times New Roman" pitchFamily="18" charset="0"/>
-              </a:rPr>
-              <a:t> </a:t>
-            </a:r>
-            <a:r>
-              <a:rPr lang="en-US" sz="2900" dirty="0" err="1" smtClean="0">
-                <a:latin typeface="Times New Roman" pitchFamily="18" charset="0"/>
-                <a:cs typeface="Times New Roman" pitchFamily="18" charset="0"/>
-              </a:rPr>
-              <a:t>chiếu</a:t>
-            </a:r>
-            <a:r>
-              <a:rPr lang="en-US" sz="2900" dirty="0" smtClean="0">
-                <a:latin typeface="Times New Roman" pitchFamily="18" charset="0"/>
-                <a:cs typeface="Times New Roman" pitchFamily="18" charset="0"/>
-              </a:rPr>
-              <a:t> </a:t>
-            </a:r>
-            <a:r>
-              <a:rPr lang="en-US" sz="2900" dirty="0" err="1" smtClean="0">
-                <a:latin typeface="Times New Roman" pitchFamily="18" charset="0"/>
-                <a:cs typeface="Times New Roman" pitchFamily="18" charset="0"/>
-              </a:rPr>
-              <a:t>sáng</a:t>
-            </a:r>
-            <a:r>
-              <a:rPr lang="en-US" sz="2900" dirty="0" smtClean="0">
-                <a:latin typeface="Times New Roman" pitchFamily="18" charset="0"/>
-                <a:cs typeface="Times New Roman" pitchFamily="18" charset="0"/>
-              </a:rPr>
-              <a:t> hay </a:t>
-            </a:r>
-            <a:r>
-              <a:rPr lang="en-US" sz="2900" dirty="0" err="1" smtClean="0">
-                <a:latin typeface="Times New Roman" pitchFamily="18" charset="0"/>
-                <a:cs typeface="Times New Roman" pitchFamily="18" charset="0"/>
-              </a:rPr>
-              <a:t>hiển</a:t>
-            </a:r>
-            <a:r>
-              <a:rPr lang="en-US" sz="2900" dirty="0" smtClean="0">
-                <a:latin typeface="Times New Roman" pitchFamily="18" charset="0"/>
-                <a:cs typeface="Times New Roman" pitchFamily="18" charset="0"/>
-              </a:rPr>
-              <a:t> </a:t>
-            </a:r>
-            <a:r>
-              <a:rPr lang="en-US" sz="2900" dirty="0" err="1" smtClean="0">
-                <a:latin typeface="Times New Roman" pitchFamily="18" charset="0"/>
-                <a:cs typeface="Times New Roman" pitchFamily="18" charset="0"/>
-              </a:rPr>
-              <a:t>thị</a:t>
-            </a:r>
-            <a:r>
-              <a:rPr lang="en-US" sz="2900" dirty="0" smtClean="0">
-                <a:latin typeface="Times New Roman" pitchFamily="18" charset="0"/>
-                <a:cs typeface="Times New Roman" pitchFamily="18" charset="0"/>
-              </a:rPr>
-              <a:t> </a:t>
-            </a:r>
-            <a:r>
-              <a:rPr lang="en-US" sz="2900" dirty="0" err="1" smtClean="0">
-                <a:latin typeface="Times New Roman" pitchFamily="18" charset="0"/>
-                <a:cs typeface="Times New Roman" pitchFamily="18" charset="0"/>
-              </a:rPr>
-              <a:t>bằng</a:t>
-            </a:r>
-            <a:r>
-              <a:rPr lang="en-US" sz="2900" dirty="0" smtClean="0">
-                <a:latin typeface="Times New Roman" pitchFamily="18" charset="0"/>
-                <a:cs typeface="Times New Roman" pitchFamily="18" charset="0"/>
-              </a:rPr>
-              <a:t> XAML code </a:t>
-            </a:r>
-            <a:r>
-              <a:rPr lang="en-US" sz="2900" dirty="0" err="1" smtClean="0">
-                <a:latin typeface="Times New Roman" pitchFamily="18" charset="0"/>
-                <a:cs typeface="Times New Roman" pitchFamily="18" charset="0"/>
-              </a:rPr>
-              <a:t>hoặc</a:t>
-            </a:r>
-            <a:r>
-              <a:rPr lang="en-US" sz="2900" dirty="0" smtClean="0">
-                <a:latin typeface="Times New Roman" pitchFamily="18" charset="0"/>
-                <a:cs typeface="Times New Roman" pitchFamily="18" charset="0"/>
-              </a:rPr>
-              <a:t> </a:t>
-            </a:r>
-            <a:r>
-              <a:rPr lang="en-US" sz="2900" dirty="0" err="1" smtClean="0">
-                <a:latin typeface="Times New Roman" pitchFamily="18" charset="0"/>
-                <a:cs typeface="Times New Roman" pitchFamily="18" charset="0"/>
-              </a:rPr>
-              <a:t>cả</a:t>
-            </a:r>
-            <a:r>
-              <a:rPr lang="en-US" sz="2900" dirty="0" smtClean="0">
-                <a:latin typeface="Times New Roman" pitchFamily="18" charset="0"/>
-                <a:cs typeface="Times New Roman" pitchFamily="18" charset="0"/>
-              </a:rPr>
-              <a:t> </a:t>
-            </a:r>
-            <a:r>
-              <a:rPr lang="en-US" sz="2900" dirty="0" err="1" smtClean="0">
-                <a:latin typeface="Times New Roman" pitchFamily="18" charset="0"/>
-                <a:cs typeface="Times New Roman" pitchFamily="18" charset="0"/>
-              </a:rPr>
-              <a:t>hai</a:t>
+              <a:rPr lang="vi-VN" sz="2900" dirty="0">
+                <a:latin typeface="+mj-lt"/>
+              </a:rPr>
+              <a:t>WPF cũng cung cấp các dịch vụ để tạo, xem, quản lý, ghi chú, đóng gói và in ấn văn bản. </a:t>
             </a:r>
             <a:endParaRPr lang="en-US" sz="2900" dirty="0">
-              <a:latin typeface="Times New Roman" pitchFamily="18" charset="0"/>
-              <a:cs typeface="Times New Roman" pitchFamily="18" charset="0"/>
+              <a:latin typeface="+mj-lt"/>
             </a:endParaRPr>
           </a:p>
         </p:txBody>
@@ -12769,7 +11327,7 @@
     </p:spTree>
     <p:extLst>
       <p:ext uri="{BB962C8B-B14F-4D97-AF65-F5344CB8AC3E}">
-        <p14:creationId xmlns:p14="http://schemas.microsoft.com/office/powerpoint/2010/main" val="4074790103"/>
+        <p14:creationId xmlns:p14="http://schemas.microsoft.com/office/powerpoint/2010/main" val="3582269478"/>
       </p:ext>
     </p:extLst>
   </p:cSld>
@@ -12851,6 +11409,1957 @@
                 <a:cs typeface="Times New Roman" pitchFamily="18" charset="0"/>
                 <a:sym typeface="Wingdings"/>
               </a:rPr>
+              <a:t>Hình</a:t>
+            </a:r>
+            <a:r>
+              <a:rPr lang="en-US" b="1" dirty="0" smtClean="0">
+                <a:solidFill>
+                  <a:srgbClr val="0070C0"/>
+                </a:solidFill>
+                <a:latin typeface="Times New Roman" pitchFamily="18" charset="0"/>
+                <a:cs typeface="Times New Roman" pitchFamily="18" charset="0"/>
+                <a:sym typeface="Wingdings"/>
+              </a:rPr>
+              <a:t> </a:t>
+            </a:r>
+            <a:r>
+              <a:rPr lang="en-US" b="1" dirty="0" err="1" smtClean="0">
+                <a:solidFill>
+                  <a:srgbClr val="0070C0"/>
+                </a:solidFill>
+                <a:latin typeface="Times New Roman" pitchFamily="18" charset="0"/>
+                <a:cs typeface="Times New Roman" pitchFamily="18" charset="0"/>
+                <a:sym typeface="Wingdings"/>
+              </a:rPr>
+              <a:t>ảnh</a:t>
+            </a:r>
+            <a:r>
+              <a:rPr lang="en-US" b="1" dirty="0" smtClean="0">
+                <a:solidFill>
+                  <a:srgbClr val="0070C0"/>
+                </a:solidFill>
+                <a:latin typeface="Times New Roman" pitchFamily="18" charset="0"/>
+                <a:cs typeface="Times New Roman" pitchFamily="18" charset="0"/>
+              </a:rPr>
+              <a:t> </a:t>
+            </a:r>
+            <a:r>
+              <a:rPr lang="en-US" dirty="0" smtClean="0">
+                <a:latin typeface="Times New Roman" pitchFamily="18" charset="0"/>
+                <a:cs typeface="Times New Roman" pitchFamily="18" charset="0"/>
+              </a:rPr>
+              <a:t/>
+            </a:r>
+            <a:br>
+              <a:rPr lang="en-US" dirty="0" smtClean="0">
+                <a:latin typeface="Times New Roman" pitchFamily="18" charset="0"/>
+                <a:cs typeface="Times New Roman" pitchFamily="18" charset="0"/>
+              </a:rPr>
+            </a:br>
+            <a:r>
+              <a:rPr lang="en-US" dirty="0" smtClean="0">
+                <a:latin typeface="Times New Roman" pitchFamily="18" charset="0"/>
+                <a:cs typeface="Times New Roman" pitchFamily="18" charset="0"/>
+              </a:rPr>
+              <a:t/>
+            </a:r>
+            <a:br>
+              <a:rPr lang="en-US" dirty="0" smtClean="0">
+                <a:latin typeface="Times New Roman" pitchFamily="18" charset="0"/>
+                <a:cs typeface="Times New Roman" pitchFamily="18" charset="0"/>
+              </a:rPr>
+            </a:br>
+            <a:endParaRPr lang="en-US" dirty="0">
+              <a:latin typeface="Times New Roman" pitchFamily="18" charset="0"/>
+              <a:cs typeface="Times New Roman" pitchFamily="18" charset="0"/>
+            </a:endParaRPr>
+          </a:p>
+        </p:txBody>
+      </p:sp>
+      <p:sp>
+        <p:nvSpPr>
+          <p:cNvPr id="3" name="Content Placeholder 2"/>
+          <p:cNvSpPr>
+            <a:spLocks noGrp="1"/>
+          </p:cNvSpPr>
+          <p:nvPr>
+            <p:ph idx="1"/>
+          </p:nvPr>
+        </p:nvSpPr>
+        <p:spPr>
+          <a:xfrm>
+            <a:off x="304800" y="914400"/>
+            <a:ext cx="8229600" cy="5334000"/>
+          </a:xfrm>
+        </p:spPr>
+        <p:txBody>
+          <a:bodyPr>
+            <a:normAutofit/>
+          </a:bodyPr>
+          <a:lstStyle/>
+          <a:p>
+            <a:r>
+              <a:rPr lang="en-US" sz="2900" dirty="0" err="1" smtClean="0">
+                <a:latin typeface="Times New Roman" pitchFamily="18" charset="0"/>
+                <a:cs typeface="Times New Roman" pitchFamily="18" charset="0"/>
+              </a:rPr>
+              <a:t>Trong</a:t>
+            </a:r>
+            <a:r>
+              <a:rPr lang="en-US" sz="2900" dirty="0" smtClean="0">
+                <a:latin typeface="Times New Roman" pitchFamily="18" charset="0"/>
+                <a:cs typeface="Times New Roman" pitchFamily="18" charset="0"/>
+              </a:rPr>
+              <a:t> WPF </a:t>
+            </a:r>
+            <a:r>
+              <a:rPr lang="en-US" sz="2900" dirty="0" err="1" smtClean="0">
+                <a:latin typeface="Times New Roman" pitchFamily="18" charset="0"/>
+                <a:cs typeface="Times New Roman" pitchFamily="18" charset="0"/>
+              </a:rPr>
+              <a:t>hình</a:t>
+            </a:r>
+            <a:r>
+              <a:rPr lang="en-US" sz="2900" dirty="0" smtClean="0">
+                <a:latin typeface="Times New Roman" pitchFamily="18" charset="0"/>
+                <a:cs typeface="Times New Roman" pitchFamily="18" charset="0"/>
+              </a:rPr>
+              <a:t> </a:t>
+            </a:r>
+            <a:r>
+              <a:rPr lang="en-US" sz="2900" dirty="0" err="1" smtClean="0">
+                <a:latin typeface="Times New Roman" pitchFamily="18" charset="0"/>
+                <a:cs typeface="Times New Roman" pitchFamily="18" charset="0"/>
+              </a:rPr>
+              <a:t>ảnh</a:t>
+            </a:r>
+            <a:r>
+              <a:rPr lang="en-US" sz="2900" dirty="0" smtClean="0">
+                <a:latin typeface="Times New Roman" pitchFamily="18" charset="0"/>
+                <a:cs typeface="Times New Roman" pitchFamily="18" charset="0"/>
+              </a:rPr>
+              <a:t> </a:t>
+            </a:r>
+            <a:r>
+              <a:rPr lang="en-US" sz="2900" dirty="0" err="1" smtClean="0">
+                <a:latin typeface="Times New Roman" pitchFamily="18" charset="0"/>
+                <a:cs typeface="Times New Roman" pitchFamily="18" charset="0"/>
+              </a:rPr>
+              <a:t>hiện</a:t>
+            </a:r>
+            <a:r>
+              <a:rPr lang="en-US" sz="2900" dirty="0" smtClean="0">
+                <a:latin typeface="Times New Roman" pitchFamily="18" charset="0"/>
+                <a:cs typeface="Times New Roman" pitchFamily="18" charset="0"/>
+              </a:rPr>
+              <a:t> </a:t>
+            </a:r>
+            <a:r>
+              <a:rPr lang="en-US" sz="2900" dirty="0" err="1" smtClean="0">
+                <a:latin typeface="Times New Roman" pitchFamily="18" charset="0"/>
+                <a:cs typeface="Times New Roman" pitchFamily="18" charset="0"/>
+              </a:rPr>
+              <a:t>thị</a:t>
+            </a:r>
+            <a:r>
+              <a:rPr lang="en-US" sz="2900" dirty="0" smtClean="0">
+                <a:latin typeface="Times New Roman" pitchFamily="18" charset="0"/>
+                <a:cs typeface="Times New Roman" pitchFamily="18" charset="0"/>
+              </a:rPr>
+              <a:t> Control Image</a:t>
+            </a:r>
+          </a:p>
+          <a:p>
+            <a:r>
+              <a:rPr lang="en-US" sz="2900" dirty="0" err="1" smtClean="0">
+                <a:latin typeface="Times New Roman" pitchFamily="18" charset="0"/>
+                <a:cs typeface="Times New Roman" pitchFamily="18" charset="0"/>
+              </a:rPr>
+              <a:t>Hiển</a:t>
+            </a:r>
+            <a:r>
+              <a:rPr lang="en-US" sz="2900" dirty="0" smtClean="0">
+                <a:latin typeface="Times New Roman" pitchFamily="18" charset="0"/>
+                <a:cs typeface="Times New Roman" pitchFamily="18" charset="0"/>
+              </a:rPr>
+              <a:t> </a:t>
+            </a:r>
+            <a:r>
+              <a:rPr lang="en-US" sz="2900" dirty="0" err="1" smtClean="0">
+                <a:latin typeface="Times New Roman" pitchFamily="18" charset="0"/>
+                <a:cs typeface="Times New Roman" pitchFamily="18" charset="0"/>
+              </a:rPr>
+              <a:t>thị</a:t>
+            </a:r>
+            <a:r>
+              <a:rPr lang="en-US" sz="2900" dirty="0" smtClean="0">
+                <a:latin typeface="Times New Roman" pitchFamily="18" charset="0"/>
+                <a:cs typeface="Times New Roman" pitchFamily="18" charset="0"/>
+              </a:rPr>
+              <a:t> </a:t>
+            </a:r>
+            <a:r>
+              <a:rPr lang="en-US" sz="2900" dirty="0" err="1" smtClean="0">
+                <a:latin typeface="Times New Roman" pitchFamily="18" charset="0"/>
+                <a:cs typeface="Times New Roman" pitchFamily="18" charset="0"/>
+              </a:rPr>
+              <a:t>lưu</a:t>
+            </a:r>
+            <a:r>
+              <a:rPr lang="en-US" sz="2900" dirty="0" smtClean="0">
+                <a:latin typeface="Times New Roman" pitchFamily="18" charset="0"/>
+                <a:cs typeface="Times New Roman" pitchFamily="18" charset="0"/>
+              </a:rPr>
+              <a:t> </a:t>
+            </a:r>
+            <a:r>
+              <a:rPr lang="en-US" sz="2900" dirty="0" err="1" smtClean="0">
+                <a:latin typeface="Times New Roman" pitchFamily="18" charset="0"/>
+                <a:cs typeface="Times New Roman" pitchFamily="18" charset="0"/>
+              </a:rPr>
+              <a:t>trữ</a:t>
+            </a:r>
+            <a:r>
+              <a:rPr lang="en-US" sz="2900" dirty="0" smtClean="0">
+                <a:latin typeface="Times New Roman" pitchFamily="18" charset="0"/>
+                <a:cs typeface="Times New Roman" pitchFamily="18" charset="0"/>
+              </a:rPr>
+              <a:t> </a:t>
+            </a:r>
+            <a:r>
+              <a:rPr lang="en-US" sz="2900" dirty="0" err="1" smtClean="0">
+                <a:latin typeface="Times New Roman" pitchFamily="18" charset="0"/>
+                <a:cs typeface="Times New Roman" pitchFamily="18" charset="0"/>
+              </a:rPr>
+              <a:t>với</a:t>
+            </a:r>
+            <a:r>
+              <a:rPr lang="en-US" sz="2900" dirty="0" smtClean="0">
+                <a:latin typeface="Times New Roman" pitchFamily="18" charset="0"/>
+                <a:cs typeface="Times New Roman" pitchFamily="18" charset="0"/>
+              </a:rPr>
+              <a:t> </a:t>
+            </a:r>
+            <a:r>
+              <a:rPr lang="en-US" sz="2900" dirty="0" err="1" smtClean="0">
+                <a:latin typeface="Times New Roman" pitchFamily="18" charset="0"/>
+                <a:cs typeface="Times New Roman" pitchFamily="18" charset="0"/>
+              </a:rPr>
+              <a:t>nhiều</a:t>
+            </a:r>
+            <a:r>
+              <a:rPr lang="en-US" sz="2900" dirty="0" smtClean="0">
+                <a:latin typeface="Times New Roman" pitchFamily="18" charset="0"/>
+                <a:cs typeface="Times New Roman" pitchFamily="18" charset="0"/>
+              </a:rPr>
+              <a:t> </a:t>
+            </a:r>
+            <a:r>
+              <a:rPr lang="en-US" sz="2900" dirty="0" err="1" smtClean="0">
+                <a:latin typeface="Times New Roman" pitchFamily="18" charset="0"/>
+                <a:cs typeface="Times New Roman" pitchFamily="18" charset="0"/>
+              </a:rPr>
+              <a:t>khuôn</a:t>
+            </a:r>
+            <a:r>
+              <a:rPr lang="en-US" sz="2900" dirty="0" smtClean="0">
+                <a:latin typeface="Times New Roman" pitchFamily="18" charset="0"/>
+                <a:cs typeface="Times New Roman" pitchFamily="18" charset="0"/>
+              </a:rPr>
+              <a:t> </a:t>
+            </a:r>
+            <a:r>
+              <a:rPr lang="en-US" sz="2900" dirty="0" err="1" smtClean="0">
+                <a:latin typeface="Times New Roman" pitchFamily="18" charset="0"/>
+                <a:cs typeface="Times New Roman" pitchFamily="18" charset="0"/>
+              </a:rPr>
+              <a:t>dạng</a:t>
+            </a:r>
+            <a:r>
+              <a:rPr lang="en-US" sz="2900" dirty="0" smtClean="0">
+                <a:latin typeface="Times New Roman" pitchFamily="18" charset="0"/>
+                <a:cs typeface="Times New Roman" pitchFamily="18" charset="0"/>
+              </a:rPr>
+              <a:t>, </a:t>
+            </a:r>
+            <a:r>
+              <a:rPr lang="en-US" sz="2900" dirty="0" err="1" smtClean="0">
+                <a:latin typeface="Times New Roman" pitchFamily="18" charset="0"/>
+                <a:cs typeface="Times New Roman" pitchFamily="18" charset="0"/>
+              </a:rPr>
+              <a:t>sử</a:t>
+            </a:r>
+            <a:r>
+              <a:rPr lang="en-US" sz="2900" dirty="0" smtClean="0">
+                <a:latin typeface="Times New Roman" pitchFamily="18" charset="0"/>
+                <a:cs typeface="Times New Roman" pitchFamily="18" charset="0"/>
+              </a:rPr>
+              <a:t> </a:t>
+            </a:r>
+            <a:r>
+              <a:rPr lang="en-US" sz="2900" dirty="0" err="1" smtClean="0">
+                <a:latin typeface="Times New Roman" pitchFamily="18" charset="0"/>
+                <a:cs typeface="Times New Roman" pitchFamily="18" charset="0"/>
+              </a:rPr>
+              <a:t>dụng</a:t>
+            </a:r>
+            <a:r>
+              <a:rPr lang="en-US" sz="2900" dirty="0" smtClean="0">
+                <a:latin typeface="Times New Roman" pitchFamily="18" charset="0"/>
+                <a:cs typeface="Times New Roman" pitchFamily="18" charset="0"/>
+              </a:rPr>
+              <a:t> Windows Imaging Component </a:t>
+            </a:r>
+            <a:r>
+              <a:rPr lang="en-US" sz="2900" dirty="0" err="1" smtClean="0">
+                <a:latin typeface="Times New Roman" pitchFamily="18" charset="0"/>
+                <a:cs typeface="Times New Roman" pitchFamily="18" charset="0"/>
+              </a:rPr>
+              <a:t>để</a:t>
+            </a:r>
+            <a:r>
+              <a:rPr lang="en-US" sz="2900" dirty="0" smtClean="0">
+                <a:latin typeface="Times New Roman" pitchFamily="18" charset="0"/>
+                <a:cs typeface="Times New Roman" pitchFamily="18" charset="0"/>
+              </a:rPr>
+              <a:t> </a:t>
+            </a:r>
+            <a:r>
+              <a:rPr lang="en-US" sz="2900" dirty="0" err="1" smtClean="0">
+                <a:latin typeface="Times New Roman" pitchFamily="18" charset="0"/>
+                <a:cs typeface="Times New Roman" pitchFamily="18" charset="0"/>
+              </a:rPr>
+              <a:t>tạo</a:t>
+            </a:r>
+            <a:r>
+              <a:rPr lang="en-US" sz="2900" dirty="0" smtClean="0">
+                <a:latin typeface="Times New Roman" pitchFamily="18" charset="0"/>
+                <a:cs typeface="Times New Roman" pitchFamily="18" charset="0"/>
+              </a:rPr>
+              <a:t> </a:t>
+            </a:r>
+            <a:r>
+              <a:rPr lang="en-US" sz="2900" dirty="0" err="1" smtClean="0">
+                <a:latin typeface="Times New Roman" pitchFamily="18" charset="0"/>
+                <a:cs typeface="Times New Roman" pitchFamily="18" charset="0"/>
+              </a:rPr>
+              <a:t>hình</a:t>
+            </a:r>
+            <a:endParaRPr lang="en-US" sz="2900" dirty="0" smtClean="0">
+              <a:latin typeface="Times New Roman" pitchFamily="18" charset="0"/>
+              <a:cs typeface="Times New Roman" pitchFamily="18" charset="0"/>
+            </a:endParaRPr>
+          </a:p>
+          <a:p>
+            <a:pPr marL="0" indent="0">
+              <a:buNone/>
+            </a:pPr>
+            <a:r>
+              <a:rPr lang="en-US" sz="2900" dirty="0" smtClean="0">
+                <a:solidFill>
+                  <a:srgbClr val="0070C0"/>
+                </a:solidFill>
+                <a:latin typeface="Times New Roman" pitchFamily="18" charset="0"/>
+                <a:cs typeface="Times New Roman" pitchFamily="18" charset="0"/>
+              </a:rPr>
+              <a:t> </a:t>
+            </a:r>
+            <a:r>
+              <a:rPr lang="en-US" sz="4000" b="1" dirty="0" smtClean="0">
+                <a:solidFill>
+                  <a:srgbClr val="0070C0"/>
+                </a:solidFill>
+                <a:latin typeface="Times New Roman" pitchFamily="18" charset="0"/>
+                <a:cs typeface="Times New Roman" pitchFamily="18" charset="0"/>
+                <a:sym typeface="Wingdings"/>
+              </a:rPr>
+              <a:t> Video </a:t>
+            </a:r>
+            <a:r>
+              <a:rPr lang="en-US" sz="4000" b="1" dirty="0" err="1" smtClean="0">
+                <a:solidFill>
+                  <a:srgbClr val="0070C0"/>
+                </a:solidFill>
+                <a:latin typeface="Times New Roman" pitchFamily="18" charset="0"/>
+                <a:cs typeface="Times New Roman" pitchFamily="18" charset="0"/>
+                <a:sym typeface="Wingdings"/>
+              </a:rPr>
+              <a:t>và</a:t>
+            </a:r>
+            <a:r>
+              <a:rPr lang="en-US" sz="4000" b="1" dirty="0" smtClean="0">
+                <a:solidFill>
+                  <a:srgbClr val="0070C0"/>
+                </a:solidFill>
+                <a:latin typeface="Times New Roman" pitchFamily="18" charset="0"/>
+                <a:cs typeface="Times New Roman" pitchFamily="18" charset="0"/>
+                <a:sym typeface="Wingdings"/>
+              </a:rPr>
+              <a:t> </a:t>
+            </a:r>
+            <a:r>
+              <a:rPr lang="en-US" sz="4000" b="1" dirty="0" err="1" smtClean="0">
+                <a:solidFill>
+                  <a:srgbClr val="0070C0"/>
+                </a:solidFill>
+                <a:latin typeface="Times New Roman" pitchFamily="18" charset="0"/>
+                <a:cs typeface="Times New Roman" pitchFamily="18" charset="0"/>
+                <a:sym typeface="Wingdings"/>
+              </a:rPr>
+              <a:t>âm</a:t>
+            </a:r>
+            <a:r>
+              <a:rPr lang="en-US" sz="4000" b="1" dirty="0" smtClean="0">
+                <a:solidFill>
+                  <a:srgbClr val="0070C0"/>
+                </a:solidFill>
+                <a:latin typeface="Times New Roman" pitchFamily="18" charset="0"/>
+                <a:cs typeface="Times New Roman" pitchFamily="18" charset="0"/>
+                <a:sym typeface="Wingdings"/>
+              </a:rPr>
+              <a:t> </a:t>
+            </a:r>
+            <a:r>
+              <a:rPr lang="en-US" sz="4000" b="1" dirty="0" err="1" smtClean="0">
+                <a:solidFill>
+                  <a:srgbClr val="0070C0"/>
+                </a:solidFill>
+                <a:latin typeface="Times New Roman" pitchFamily="18" charset="0"/>
+                <a:cs typeface="Times New Roman" pitchFamily="18" charset="0"/>
+                <a:sym typeface="Wingdings"/>
+              </a:rPr>
+              <a:t>thanh</a:t>
+            </a:r>
+            <a:endParaRPr lang="en-US" sz="4000" b="1" dirty="0" smtClean="0">
+              <a:solidFill>
+                <a:srgbClr val="0070C0"/>
+              </a:solidFill>
+              <a:latin typeface="Times New Roman" pitchFamily="18" charset="0"/>
+              <a:cs typeface="Times New Roman" pitchFamily="18" charset="0"/>
+            </a:endParaRPr>
+          </a:p>
+          <a:p>
+            <a:pPr marL="0" indent="0">
+              <a:buNone/>
+            </a:pPr>
+            <a:r>
+              <a:rPr lang="en-US" sz="2900" dirty="0">
+                <a:latin typeface="Times New Roman" pitchFamily="18" charset="0"/>
+                <a:cs typeface="Times New Roman" pitchFamily="18" charset="0"/>
+                <a:sym typeface="Wingdings"/>
+              </a:rPr>
+              <a:t></a:t>
+            </a:r>
+            <a:r>
+              <a:rPr lang="en-US" sz="2900" dirty="0" smtClean="0">
+                <a:latin typeface="Times New Roman" pitchFamily="18" charset="0"/>
+                <a:cs typeface="Times New Roman" pitchFamily="18" charset="0"/>
+              </a:rPr>
+              <a:t> WPF </a:t>
+            </a:r>
+            <a:r>
+              <a:rPr lang="en-US" sz="2900" dirty="0" err="1" smtClean="0">
+                <a:latin typeface="Times New Roman" pitchFamily="18" charset="0"/>
+                <a:cs typeface="Times New Roman" pitchFamily="18" charset="0"/>
+              </a:rPr>
+              <a:t>cung</a:t>
+            </a:r>
+            <a:r>
+              <a:rPr lang="en-US" sz="2900" dirty="0" smtClean="0">
+                <a:latin typeface="Times New Roman" pitchFamily="18" charset="0"/>
+                <a:cs typeface="Times New Roman" pitchFamily="18" charset="0"/>
+              </a:rPr>
+              <a:t> </a:t>
+            </a:r>
+            <a:r>
+              <a:rPr lang="en-US" sz="2900" dirty="0" err="1" smtClean="0">
+                <a:latin typeface="Times New Roman" pitchFamily="18" charset="0"/>
+                <a:cs typeface="Times New Roman" pitchFamily="18" charset="0"/>
+              </a:rPr>
+              <a:t>cấp</a:t>
+            </a:r>
+            <a:r>
+              <a:rPr lang="en-US" sz="2900" dirty="0" smtClean="0">
+                <a:latin typeface="Times New Roman" pitchFamily="18" charset="0"/>
+                <a:cs typeface="Times New Roman" pitchFamily="18" charset="0"/>
+              </a:rPr>
+              <a:t> </a:t>
+            </a:r>
+            <a:r>
+              <a:rPr lang="en-US" sz="2900" dirty="0" err="1" smtClean="0">
+                <a:latin typeface="Times New Roman" pitchFamily="18" charset="0"/>
+                <a:cs typeface="Times New Roman" pitchFamily="18" charset="0"/>
+              </a:rPr>
+              <a:t>tính</a:t>
+            </a:r>
+            <a:r>
+              <a:rPr lang="en-US" sz="2900" dirty="0" smtClean="0">
+                <a:latin typeface="Times New Roman" pitchFamily="18" charset="0"/>
+                <a:cs typeface="Times New Roman" pitchFamily="18" charset="0"/>
+              </a:rPr>
+              <a:t> </a:t>
+            </a:r>
+            <a:r>
+              <a:rPr lang="en-US" sz="2900" dirty="0" err="1" smtClean="0">
+                <a:latin typeface="Times New Roman" pitchFamily="18" charset="0"/>
+                <a:cs typeface="Times New Roman" pitchFamily="18" charset="0"/>
+              </a:rPr>
+              <a:t>năng</a:t>
+            </a:r>
+            <a:r>
+              <a:rPr lang="en-US" sz="2900" dirty="0" smtClean="0">
+                <a:latin typeface="Times New Roman" pitchFamily="18" charset="0"/>
+                <a:cs typeface="Times New Roman" pitchFamily="18" charset="0"/>
+              </a:rPr>
+              <a:t> </a:t>
+            </a:r>
+            <a:r>
+              <a:rPr lang="en-US" sz="2900" dirty="0" err="1" smtClean="0">
+                <a:latin typeface="Times New Roman" pitchFamily="18" charset="0"/>
+                <a:cs typeface="Times New Roman" pitchFamily="18" charset="0"/>
+              </a:rPr>
+              <a:t>hỗ</a:t>
+            </a:r>
+            <a:r>
+              <a:rPr lang="en-US" sz="2900" dirty="0" smtClean="0">
+                <a:latin typeface="Times New Roman" pitchFamily="18" charset="0"/>
+                <a:cs typeface="Times New Roman" pitchFamily="18" charset="0"/>
+              </a:rPr>
+              <a:t> </a:t>
+            </a:r>
+            <a:r>
+              <a:rPr lang="en-US" sz="2900" dirty="0" err="1" smtClean="0">
+                <a:latin typeface="Times New Roman" pitchFamily="18" charset="0"/>
+                <a:cs typeface="Times New Roman" pitchFamily="18" charset="0"/>
+              </a:rPr>
+              <a:t>trợ</a:t>
+            </a:r>
+            <a:r>
+              <a:rPr lang="en-US" sz="2900" dirty="0" smtClean="0">
+                <a:latin typeface="Times New Roman" pitchFamily="18" charset="0"/>
+                <a:cs typeface="Times New Roman" pitchFamily="18" charset="0"/>
+              </a:rPr>
+              <a:t> 2 </a:t>
+            </a:r>
+            <a:r>
+              <a:rPr lang="en-US" sz="2900" dirty="0" err="1" smtClean="0">
+                <a:latin typeface="Times New Roman" pitchFamily="18" charset="0"/>
+                <a:cs typeface="Times New Roman" pitchFamily="18" charset="0"/>
+              </a:rPr>
+              <a:t>loại</a:t>
+            </a:r>
+            <a:r>
+              <a:rPr lang="en-US" sz="2900" dirty="0" smtClean="0">
+                <a:latin typeface="Times New Roman" pitchFamily="18" charset="0"/>
+                <a:cs typeface="Times New Roman" pitchFamily="18" charset="0"/>
+              </a:rPr>
+              <a:t> </a:t>
+            </a:r>
+            <a:r>
+              <a:rPr lang="en-US" sz="2900" dirty="0" err="1" smtClean="0">
+                <a:latin typeface="Times New Roman" pitchFamily="18" charset="0"/>
+                <a:cs typeface="Times New Roman" pitchFamily="18" charset="0"/>
+              </a:rPr>
+              <a:t>định</a:t>
+            </a:r>
+            <a:r>
+              <a:rPr lang="en-US" sz="2900" dirty="0" smtClean="0">
+                <a:latin typeface="Times New Roman" pitchFamily="18" charset="0"/>
+                <a:cs typeface="Times New Roman" pitchFamily="18" charset="0"/>
+              </a:rPr>
+              <a:t> </a:t>
+            </a:r>
+            <a:r>
+              <a:rPr lang="en-US" sz="2900" dirty="0" err="1" smtClean="0">
+                <a:latin typeface="Times New Roman" pitchFamily="18" charset="0"/>
+                <a:cs typeface="Times New Roman" pitchFamily="18" charset="0"/>
+              </a:rPr>
+              <a:t>dạng</a:t>
+            </a:r>
+            <a:r>
+              <a:rPr lang="en-US" sz="2900" dirty="0" smtClean="0">
+                <a:latin typeface="Times New Roman" pitchFamily="18" charset="0"/>
+                <a:cs typeface="Times New Roman" pitchFamily="18" charset="0"/>
+              </a:rPr>
+              <a:t> </a:t>
+            </a:r>
+            <a:r>
+              <a:rPr lang="en-US" sz="2900" dirty="0" err="1" smtClean="0">
+                <a:latin typeface="Times New Roman" pitchFamily="18" charset="0"/>
+                <a:cs typeface="Times New Roman" pitchFamily="18" charset="0"/>
+              </a:rPr>
+              <a:t>MediaElement</a:t>
+            </a:r>
+            <a:r>
+              <a:rPr lang="en-US" sz="2900" dirty="0" smtClean="0">
+                <a:latin typeface="Times New Roman" pitchFamily="18" charset="0"/>
+                <a:cs typeface="Times New Roman" pitchFamily="18" charset="0"/>
+              </a:rPr>
+              <a:t> </a:t>
+            </a:r>
+          </a:p>
+          <a:p>
+            <a:pPr>
+              <a:buFont typeface="Wingdings"/>
+              <a:buChar char="w"/>
+            </a:pPr>
+            <a:r>
+              <a:rPr lang="en-US" sz="2900" dirty="0" err="1" smtClean="0">
+                <a:latin typeface="Times New Roman" pitchFamily="18" charset="0"/>
+                <a:cs typeface="Times New Roman" pitchFamily="18" charset="0"/>
+              </a:rPr>
+              <a:t>Chơi</a:t>
+            </a:r>
+            <a:r>
+              <a:rPr lang="en-US" sz="2900" dirty="0" smtClean="0">
+                <a:latin typeface="Times New Roman" pitchFamily="18" charset="0"/>
+                <a:cs typeface="Times New Roman" pitchFamily="18" charset="0"/>
+              </a:rPr>
+              <a:t> </a:t>
+            </a:r>
+            <a:r>
+              <a:rPr lang="en-US" sz="2900" dirty="0" err="1" smtClean="0">
+                <a:latin typeface="Times New Roman" pitchFamily="18" charset="0"/>
+                <a:cs typeface="Times New Roman" pitchFamily="18" charset="0"/>
+              </a:rPr>
+              <a:t>được</a:t>
+            </a:r>
+            <a:r>
+              <a:rPr lang="en-US" sz="2900" dirty="0" smtClean="0">
+                <a:latin typeface="Times New Roman" pitchFamily="18" charset="0"/>
+                <a:cs typeface="Times New Roman" pitchFamily="18" charset="0"/>
+              </a:rPr>
+              <a:t> </a:t>
+            </a:r>
+            <a:r>
+              <a:rPr lang="en-US" sz="2900" dirty="0" err="1" smtClean="0">
+                <a:latin typeface="Times New Roman" pitchFamily="18" charset="0"/>
+                <a:cs typeface="Times New Roman" pitchFamily="18" charset="0"/>
+              </a:rPr>
+              <a:t>các</a:t>
+            </a:r>
+            <a:r>
+              <a:rPr lang="en-US" sz="2900" dirty="0" smtClean="0">
+                <a:latin typeface="Times New Roman" pitchFamily="18" charset="0"/>
+                <a:cs typeface="Times New Roman" pitchFamily="18" charset="0"/>
+              </a:rPr>
+              <a:t> </a:t>
+            </a:r>
+            <a:r>
+              <a:rPr lang="en-US" sz="2900" dirty="0" err="1" smtClean="0">
+                <a:latin typeface="Times New Roman" pitchFamily="18" charset="0"/>
+                <a:cs typeface="Times New Roman" pitchFamily="18" charset="0"/>
+              </a:rPr>
+              <a:t>định</a:t>
+            </a:r>
+            <a:r>
+              <a:rPr lang="en-US" sz="2900" dirty="0" smtClean="0">
+                <a:latin typeface="Times New Roman" pitchFamily="18" charset="0"/>
+                <a:cs typeface="Times New Roman" pitchFamily="18" charset="0"/>
+              </a:rPr>
+              <a:t> </a:t>
+            </a:r>
+            <a:r>
+              <a:rPr lang="en-US" sz="2900" dirty="0" err="1" smtClean="0">
+                <a:latin typeface="Times New Roman" pitchFamily="18" charset="0"/>
+                <a:cs typeface="Times New Roman" pitchFamily="18" charset="0"/>
+              </a:rPr>
+              <a:t>dạng</a:t>
+            </a:r>
+            <a:r>
+              <a:rPr lang="en-US" sz="2900" dirty="0" smtClean="0">
+                <a:latin typeface="Times New Roman" pitchFamily="18" charset="0"/>
+                <a:cs typeface="Times New Roman" pitchFamily="18" charset="0"/>
+              </a:rPr>
+              <a:t> WMV, MPEG, AVI</a:t>
+            </a:r>
+          </a:p>
+          <a:p>
+            <a:pPr>
+              <a:buFont typeface="Wingdings"/>
+              <a:buChar char="w"/>
+            </a:pPr>
+            <a:r>
+              <a:rPr lang="en-US" sz="2800" dirty="0"/>
+              <a:t>&lt;</a:t>
+            </a:r>
+            <a:r>
+              <a:rPr lang="en-US" sz="2800" dirty="0" err="1"/>
+              <a:t>MediaElement</a:t>
+            </a:r>
+            <a:r>
+              <a:rPr lang="en-US" sz="2800" dirty="0"/>
+              <a:t> Source="C:\Documents and Settings\All Users\Documents\ My Videos\Ruby.wmv" /&gt; </a:t>
+            </a:r>
+            <a:endParaRPr lang="en-US" sz="2900" dirty="0">
+              <a:latin typeface="Times New Roman" pitchFamily="18" charset="0"/>
+              <a:cs typeface="Times New Roman" pitchFamily="18" charset="0"/>
+            </a:endParaRPr>
+          </a:p>
+        </p:txBody>
+      </p:sp>
+      <p:sp>
+        <p:nvSpPr>
+          <p:cNvPr id="4" name="Slide Number Placeholder 3"/>
+          <p:cNvSpPr>
+            <a:spLocks noGrp="1"/>
+          </p:cNvSpPr>
+          <p:nvPr>
+            <p:ph type="sldNum" sz="quarter" idx="12"/>
+          </p:nvPr>
+        </p:nvSpPr>
+        <p:spPr/>
+        <p:txBody>
+          <a:bodyPr/>
+          <a:lstStyle/>
+          <a:p>
+            <a:fld id="{DDE78882-3F85-442E-9580-E9FE03BA44CF}" type="slidenum">
+              <a:rPr lang="en-US" smtClean="0"/>
+              <a:t>17</a:t>
+            </a:fld>
+            <a:endParaRPr lang="en-US"/>
+          </a:p>
+        </p:txBody>
+      </p:sp>
+    </p:spTree>
+    <p:extLst>
+      <p:ext uri="{BB962C8B-B14F-4D97-AF65-F5344CB8AC3E}">
+        <p14:creationId xmlns:p14="http://schemas.microsoft.com/office/powerpoint/2010/main" val="753497597"/>
+      </p:ext>
+    </p:extLst>
+  </p:cSld>
+  <p:clrMapOvr>
+    <a:masterClrMapping/>
+  </p:clrMapOvr>
+  <p:timing>
+    <p:tnLst>
+      <p:par>
+        <p:cTn id="1" dur="indefinite" restart="never" nodeType="tmRoot"/>
+      </p:par>
+    </p:tnLst>
+  </p:timing>
+</p:sld>
+</file>
+
+<file path=ppt/slides/slide18.xml><?xml version="1.0" encoding="utf-8"?>
+<p:sld xmlns:a="http://schemas.openxmlformats.org/drawingml/2006/main" xmlns:r="http://schemas.openxmlformats.org/officeDocument/2006/relationships" xmlns:p="http://schemas.openxmlformats.org/presentationml/2006/main">
+  <p:cSld>
+    <p:spTree>
+      <p:nvGrpSpPr>
+        <p:cNvPr id="1" name=""/>
+        <p:cNvGrpSpPr/>
+        <p:nvPr/>
+      </p:nvGrpSpPr>
+      <p:grpSpPr>
+        <a:xfrm>
+          <a:off x="0" y="0"/>
+          <a:ext cx="0" cy="0"/>
+          <a:chOff x="0" y="0"/>
+          <a:chExt cx="0" cy="0"/>
+        </a:xfrm>
+      </p:grpSpPr>
+      <p:sp>
+        <p:nvSpPr>
+          <p:cNvPr id="2" name="Title 1"/>
+          <p:cNvSpPr>
+            <a:spLocks noGrp="1"/>
+          </p:cNvSpPr>
+          <p:nvPr>
+            <p:ph type="title"/>
+          </p:nvPr>
+        </p:nvSpPr>
+        <p:spPr>
+          <a:xfrm>
+            <a:off x="457200" y="0"/>
+            <a:ext cx="8229600" cy="1417638"/>
+          </a:xfrm>
+        </p:spPr>
+        <p:txBody>
+          <a:bodyPr>
+            <a:normAutofit fontScale="90000"/>
+          </a:bodyPr>
+          <a:lstStyle/>
+          <a:p>
+            <a:pPr algn="l"/>
+            <a:r>
+              <a:rPr lang="en-US" dirty="0" smtClean="0"/>
+              <a:t/>
+            </a:r>
+            <a:br>
+              <a:rPr lang="en-US" dirty="0" smtClean="0"/>
+            </a:br>
+            <a:r>
+              <a:rPr lang="en-US" b="1" dirty="0" smtClean="0">
+                <a:solidFill>
+                  <a:srgbClr val="0070C0"/>
+                </a:solidFill>
+                <a:sym typeface="Wingdings"/>
+              </a:rPr>
+              <a:t></a:t>
+            </a:r>
+            <a:r>
+              <a:rPr lang="en-US" b="1" dirty="0" err="1" smtClean="0">
+                <a:solidFill>
+                  <a:srgbClr val="0070C0"/>
+                </a:solidFill>
+                <a:latin typeface="Times New Roman" pitchFamily="18" charset="0"/>
+                <a:cs typeface="Times New Roman" pitchFamily="18" charset="0"/>
+                <a:sym typeface="Wingdings"/>
+              </a:rPr>
+              <a:t>Đồ</a:t>
+            </a:r>
+            <a:r>
+              <a:rPr lang="en-US" b="1" dirty="0" smtClean="0">
+                <a:solidFill>
+                  <a:srgbClr val="0070C0"/>
+                </a:solidFill>
+                <a:latin typeface="Times New Roman" pitchFamily="18" charset="0"/>
+                <a:cs typeface="Times New Roman" pitchFamily="18" charset="0"/>
+                <a:sym typeface="Wingdings"/>
+              </a:rPr>
+              <a:t> </a:t>
+            </a:r>
+            <a:r>
+              <a:rPr lang="en-US" b="1" dirty="0" err="1" smtClean="0">
+                <a:solidFill>
+                  <a:srgbClr val="0070C0"/>
+                </a:solidFill>
+                <a:latin typeface="Times New Roman" pitchFamily="18" charset="0"/>
+                <a:cs typeface="Times New Roman" pitchFamily="18" charset="0"/>
+                <a:sym typeface="Wingdings"/>
+              </a:rPr>
+              <a:t>họa</a:t>
+            </a:r>
+            <a:r>
+              <a:rPr lang="en-US" b="1" dirty="0" smtClean="0">
+                <a:solidFill>
+                  <a:srgbClr val="0070C0"/>
+                </a:solidFill>
+                <a:latin typeface="Times New Roman" pitchFamily="18" charset="0"/>
+                <a:cs typeface="Times New Roman" pitchFamily="18" charset="0"/>
+                <a:sym typeface="Wingdings"/>
+              </a:rPr>
+              <a:t> 2 </a:t>
+            </a:r>
+            <a:r>
+              <a:rPr lang="en-US" b="1" dirty="0" err="1" smtClean="0">
+                <a:solidFill>
+                  <a:srgbClr val="0070C0"/>
+                </a:solidFill>
+                <a:latin typeface="Times New Roman" pitchFamily="18" charset="0"/>
+                <a:cs typeface="Times New Roman" pitchFamily="18" charset="0"/>
+                <a:sym typeface="Wingdings"/>
+              </a:rPr>
+              <a:t>chiều</a:t>
+            </a:r>
+            <a:r>
+              <a:rPr lang="en-US" dirty="0" smtClean="0">
+                <a:latin typeface="Times New Roman" pitchFamily="18" charset="0"/>
+                <a:cs typeface="Times New Roman" pitchFamily="18" charset="0"/>
+              </a:rPr>
+              <a:t/>
+            </a:r>
+            <a:br>
+              <a:rPr lang="en-US" dirty="0" smtClean="0">
+                <a:latin typeface="Times New Roman" pitchFamily="18" charset="0"/>
+                <a:cs typeface="Times New Roman" pitchFamily="18" charset="0"/>
+              </a:rPr>
+            </a:br>
+            <a:r>
+              <a:rPr lang="en-US" dirty="0" smtClean="0">
+                <a:latin typeface="Times New Roman" pitchFamily="18" charset="0"/>
+                <a:cs typeface="Times New Roman" pitchFamily="18" charset="0"/>
+              </a:rPr>
+              <a:t/>
+            </a:r>
+            <a:br>
+              <a:rPr lang="en-US" dirty="0" smtClean="0">
+                <a:latin typeface="Times New Roman" pitchFamily="18" charset="0"/>
+                <a:cs typeface="Times New Roman" pitchFamily="18" charset="0"/>
+              </a:rPr>
+            </a:br>
+            <a:endParaRPr lang="en-US" dirty="0">
+              <a:latin typeface="Times New Roman" pitchFamily="18" charset="0"/>
+              <a:cs typeface="Times New Roman" pitchFamily="18" charset="0"/>
+            </a:endParaRPr>
+          </a:p>
+        </p:txBody>
+      </p:sp>
+      <p:sp>
+        <p:nvSpPr>
+          <p:cNvPr id="3" name="Content Placeholder 2"/>
+          <p:cNvSpPr>
+            <a:spLocks noGrp="1"/>
+          </p:cNvSpPr>
+          <p:nvPr>
+            <p:ph idx="1"/>
+          </p:nvPr>
+        </p:nvSpPr>
+        <p:spPr>
+          <a:xfrm>
+            <a:off x="304800" y="914400"/>
+            <a:ext cx="8229600" cy="5334000"/>
+          </a:xfrm>
+        </p:spPr>
+        <p:txBody>
+          <a:bodyPr>
+            <a:normAutofit fontScale="92500" lnSpcReduction="10000"/>
+          </a:bodyPr>
+          <a:lstStyle/>
+          <a:p>
+            <a:r>
+              <a:rPr lang="en-US" sz="2900" dirty="0" err="1" smtClean="0">
+                <a:latin typeface="Times New Roman" pitchFamily="18" charset="0"/>
+                <a:cs typeface="Times New Roman" pitchFamily="18" charset="0"/>
+              </a:rPr>
+              <a:t>Đồ</a:t>
+            </a:r>
+            <a:r>
+              <a:rPr lang="en-US" sz="2900" dirty="0" smtClean="0">
+                <a:latin typeface="Times New Roman" pitchFamily="18" charset="0"/>
+                <a:cs typeface="Times New Roman" pitchFamily="18" charset="0"/>
+              </a:rPr>
+              <a:t> </a:t>
+            </a:r>
+            <a:r>
+              <a:rPr lang="en-US" sz="2900" dirty="0" err="1" smtClean="0">
+                <a:latin typeface="Times New Roman" pitchFamily="18" charset="0"/>
+                <a:cs typeface="Times New Roman" pitchFamily="18" charset="0"/>
+              </a:rPr>
+              <a:t>họa</a:t>
+            </a:r>
+            <a:r>
+              <a:rPr lang="en-US" sz="2900" dirty="0" smtClean="0">
+                <a:latin typeface="Times New Roman" pitchFamily="18" charset="0"/>
+                <a:cs typeface="Times New Roman" pitchFamily="18" charset="0"/>
+              </a:rPr>
+              <a:t> 2 </a:t>
+            </a:r>
+            <a:r>
+              <a:rPr lang="en-US" sz="2900" dirty="0" err="1" smtClean="0">
+                <a:latin typeface="Times New Roman" pitchFamily="18" charset="0"/>
+                <a:cs typeface="Times New Roman" pitchFamily="18" charset="0"/>
+              </a:rPr>
+              <a:t>chiều</a:t>
+            </a:r>
+            <a:r>
+              <a:rPr lang="en-US" sz="2900" dirty="0" smtClean="0">
+                <a:latin typeface="Times New Roman" pitchFamily="18" charset="0"/>
+                <a:cs typeface="Times New Roman" pitchFamily="18" charset="0"/>
+              </a:rPr>
+              <a:t> </a:t>
+            </a:r>
+            <a:r>
+              <a:rPr lang="en-US" sz="2900" dirty="0" err="1" smtClean="0">
+                <a:latin typeface="Times New Roman" pitchFamily="18" charset="0"/>
+                <a:cs typeface="Times New Roman" pitchFamily="18" charset="0"/>
+              </a:rPr>
+              <a:t>được</a:t>
+            </a:r>
+            <a:r>
+              <a:rPr lang="en-US" sz="2900" dirty="0" smtClean="0">
+                <a:latin typeface="Times New Roman" pitchFamily="18" charset="0"/>
+                <a:cs typeface="Times New Roman" pitchFamily="18" charset="0"/>
+              </a:rPr>
+              <a:t> </a:t>
+            </a:r>
+            <a:r>
+              <a:rPr lang="en-US" sz="2900" dirty="0" err="1" smtClean="0">
+                <a:latin typeface="Times New Roman" pitchFamily="18" charset="0"/>
+                <a:cs typeface="Times New Roman" pitchFamily="18" charset="0"/>
+              </a:rPr>
+              <a:t>tạo</a:t>
+            </a:r>
+            <a:r>
+              <a:rPr lang="en-US" sz="2900" dirty="0" smtClean="0">
+                <a:latin typeface="Times New Roman" pitchFamily="18" charset="0"/>
+                <a:cs typeface="Times New Roman" pitchFamily="18" charset="0"/>
+              </a:rPr>
+              <a:t> </a:t>
+            </a:r>
+            <a:r>
+              <a:rPr lang="en-US" sz="2900" dirty="0" err="1" smtClean="0">
+                <a:latin typeface="Times New Roman" pitchFamily="18" charset="0"/>
+                <a:cs typeface="Times New Roman" pitchFamily="18" charset="0"/>
+              </a:rPr>
+              <a:t>ra</a:t>
+            </a:r>
+            <a:r>
+              <a:rPr lang="en-US" sz="2900" dirty="0" smtClean="0">
+                <a:latin typeface="Times New Roman" pitchFamily="18" charset="0"/>
+                <a:cs typeface="Times New Roman" pitchFamily="18" charset="0"/>
+              </a:rPr>
+              <a:t> </a:t>
+            </a:r>
+            <a:r>
+              <a:rPr lang="en-US" sz="2900" dirty="0" err="1" smtClean="0">
+                <a:latin typeface="Times New Roman" pitchFamily="18" charset="0"/>
+                <a:cs typeface="Times New Roman" pitchFamily="18" charset="0"/>
+              </a:rPr>
+              <a:t>trực</a:t>
+            </a:r>
+            <a:r>
+              <a:rPr lang="en-US" sz="2900" dirty="0" smtClean="0">
+                <a:latin typeface="Times New Roman" pitchFamily="18" charset="0"/>
+                <a:cs typeface="Times New Roman" pitchFamily="18" charset="0"/>
+              </a:rPr>
+              <a:t> </a:t>
+            </a:r>
+            <a:r>
+              <a:rPr lang="en-US" sz="2900" dirty="0" err="1" smtClean="0">
+                <a:latin typeface="Times New Roman" pitchFamily="18" charset="0"/>
+                <a:cs typeface="Times New Roman" pitchFamily="18" charset="0"/>
+              </a:rPr>
+              <a:t>tiếp</a:t>
+            </a:r>
+            <a:r>
+              <a:rPr lang="en-US" sz="2900" dirty="0" smtClean="0">
+                <a:latin typeface="Times New Roman" pitchFamily="18" charset="0"/>
+                <a:cs typeface="Times New Roman" pitchFamily="18" charset="0"/>
+              </a:rPr>
+              <a:t> </a:t>
+            </a:r>
+            <a:r>
+              <a:rPr lang="en-US" sz="2900" dirty="0" err="1" smtClean="0">
+                <a:latin typeface="Times New Roman" pitchFamily="18" charset="0"/>
+                <a:cs typeface="Times New Roman" pitchFamily="18" charset="0"/>
+              </a:rPr>
+              <a:t>trong</a:t>
+            </a:r>
+            <a:r>
+              <a:rPr lang="en-US" sz="2900" dirty="0" smtClean="0">
+                <a:latin typeface="Times New Roman" pitchFamily="18" charset="0"/>
+                <a:cs typeface="Times New Roman" pitchFamily="18" charset="0"/>
+              </a:rPr>
+              <a:t> XAML </a:t>
+            </a:r>
+            <a:r>
+              <a:rPr lang="en-US" sz="2900" dirty="0" err="1" smtClean="0">
+                <a:latin typeface="Times New Roman" pitchFamily="18" charset="0"/>
+                <a:cs typeface="Times New Roman" pitchFamily="18" charset="0"/>
+              </a:rPr>
+              <a:t>hoặc</a:t>
+            </a:r>
+            <a:r>
+              <a:rPr lang="en-US" sz="2900" dirty="0" smtClean="0">
+                <a:latin typeface="Times New Roman" pitchFamily="18" charset="0"/>
+                <a:cs typeface="Times New Roman" pitchFamily="18" charset="0"/>
+              </a:rPr>
+              <a:t> code </a:t>
+            </a:r>
+            <a:r>
+              <a:rPr lang="en-US" sz="2900" dirty="0" err="1" smtClean="0">
+                <a:latin typeface="Times New Roman" pitchFamily="18" charset="0"/>
+                <a:cs typeface="Times New Roman" pitchFamily="18" charset="0"/>
+              </a:rPr>
+              <a:t>sử</a:t>
+            </a:r>
+            <a:r>
+              <a:rPr lang="en-US" sz="2900" dirty="0" smtClean="0">
+                <a:latin typeface="Times New Roman" pitchFamily="18" charset="0"/>
+                <a:cs typeface="Times New Roman" pitchFamily="18" charset="0"/>
+              </a:rPr>
+              <a:t> </a:t>
+            </a:r>
+            <a:r>
+              <a:rPr lang="en-US" sz="2900" dirty="0" err="1" smtClean="0">
+                <a:latin typeface="Times New Roman" pitchFamily="18" charset="0"/>
+                <a:cs typeface="Times New Roman" pitchFamily="18" charset="0"/>
+              </a:rPr>
+              <a:t>dụng</a:t>
+            </a:r>
+            <a:r>
+              <a:rPr lang="en-US" sz="2900" dirty="0" smtClean="0">
+                <a:latin typeface="Times New Roman" pitchFamily="18" charset="0"/>
+                <a:cs typeface="Times New Roman" pitchFamily="18" charset="0"/>
+              </a:rPr>
+              <a:t> </a:t>
+            </a:r>
+            <a:r>
+              <a:rPr lang="en-US" sz="2900" dirty="0" err="1" smtClean="0">
+                <a:latin typeface="Times New Roman" pitchFamily="18" charset="0"/>
+                <a:cs typeface="Times New Roman" pitchFamily="18" charset="0"/>
+              </a:rPr>
+              <a:t>thư</a:t>
+            </a:r>
+            <a:r>
+              <a:rPr lang="en-US" sz="2900" dirty="0" smtClean="0">
+                <a:latin typeface="Times New Roman" pitchFamily="18" charset="0"/>
+                <a:cs typeface="Times New Roman" pitchFamily="18" charset="0"/>
+              </a:rPr>
+              <a:t> </a:t>
+            </a:r>
+            <a:r>
+              <a:rPr lang="en-US" sz="2900" dirty="0" err="1" smtClean="0">
+                <a:latin typeface="Times New Roman" pitchFamily="18" charset="0"/>
+                <a:cs typeface="Times New Roman" pitchFamily="18" charset="0"/>
+              </a:rPr>
+              <a:t>viện</a:t>
+            </a:r>
+            <a:r>
+              <a:rPr lang="en-US" sz="2900" dirty="0" smtClean="0">
+                <a:latin typeface="Times New Roman" pitchFamily="18" charset="0"/>
+                <a:cs typeface="Times New Roman" pitchFamily="18" charset="0"/>
+              </a:rPr>
+              <a:t> WPF</a:t>
+            </a:r>
+          </a:p>
+          <a:p>
+            <a:r>
+              <a:rPr lang="en-US" sz="2900" dirty="0" err="1" smtClean="0">
+                <a:latin typeface="Times New Roman" pitchFamily="18" charset="0"/>
+                <a:cs typeface="Times New Roman" pitchFamily="18" charset="0"/>
+              </a:rPr>
+              <a:t>Các</a:t>
+            </a:r>
+            <a:r>
+              <a:rPr lang="en-US" sz="2900" dirty="0" smtClean="0">
+                <a:latin typeface="Times New Roman" pitchFamily="18" charset="0"/>
+                <a:cs typeface="Times New Roman" pitchFamily="18" charset="0"/>
+              </a:rPr>
+              <a:t> </a:t>
+            </a:r>
+            <a:r>
+              <a:rPr lang="en-US" sz="2900" dirty="0" err="1" smtClean="0">
+                <a:latin typeface="Times New Roman" pitchFamily="18" charset="0"/>
+                <a:cs typeface="Times New Roman" pitchFamily="18" charset="0"/>
+              </a:rPr>
+              <a:t>nhóm</a:t>
+            </a:r>
+            <a:r>
+              <a:rPr lang="en-US" sz="2900" dirty="0" smtClean="0">
+                <a:latin typeface="Times New Roman" pitchFamily="18" charset="0"/>
+                <a:cs typeface="Times New Roman" pitchFamily="18" charset="0"/>
+              </a:rPr>
+              <a:t> control: Line, Ellipse, Rectangle, Polygon, Polyline, Path</a:t>
+            </a:r>
+          </a:p>
+          <a:p>
+            <a:r>
+              <a:rPr lang="en-US" sz="2900" dirty="0" err="1" smtClean="0">
+                <a:latin typeface="Times New Roman" pitchFamily="18" charset="0"/>
+                <a:cs typeface="Times New Roman" pitchFamily="18" charset="0"/>
+              </a:rPr>
+              <a:t>Cung</a:t>
+            </a:r>
+            <a:r>
+              <a:rPr lang="en-US" sz="2900" dirty="0" smtClean="0">
+                <a:latin typeface="Times New Roman" pitchFamily="18" charset="0"/>
+                <a:cs typeface="Times New Roman" pitchFamily="18" charset="0"/>
+              </a:rPr>
+              <a:t> </a:t>
+            </a:r>
+            <a:r>
+              <a:rPr lang="en-US" sz="2900" dirty="0" err="1" smtClean="0">
+                <a:latin typeface="Times New Roman" pitchFamily="18" charset="0"/>
+                <a:cs typeface="Times New Roman" pitchFamily="18" charset="0"/>
+              </a:rPr>
+              <a:t>cấp</a:t>
+            </a:r>
+            <a:r>
+              <a:rPr lang="en-US" sz="2900" dirty="0" smtClean="0">
+                <a:latin typeface="Times New Roman" pitchFamily="18" charset="0"/>
+                <a:cs typeface="Times New Roman" pitchFamily="18" charset="0"/>
+              </a:rPr>
+              <a:t> </a:t>
+            </a:r>
+            <a:r>
+              <a:rPr lang="en-US" sz="2900" dirty="0" err="1" smtClean="0">
+                <a:latin typeface="Times New Roman" pitchFamily="18" charset="0"/>
+                <a:cs typeface="Times New Roman" pitchFamily="18" charset="0"/>
+              </a:rPr>
+              <a:t>chức</a:t>
+            </a:r>
+            <a:r>
+              <a:rPr lang="en-US" sz="2900" dirty="0" smtClean="0">
+                <a:latin typeface="Times New Roman" pitchFamily="18" charset="0"/>
+                <a:cs typeface="Times New Roman" pitchFamily="18" charset="0"/>
+              </a:rPr>
+              <a:t> </a:t>
+            </a:r>
+            <a:r>
+              <a:rPr lang="en-US" sz="2900" dirty="0" err="1" smtClean="0">
+                <a:latin typeface="Times New Roman" pitchFamily="18" charset="0"/>
+                <a:cs typeface="Times New Roman" pitchFamily="18" charset="0"/>
+              </a:rPr>
+              <a:t>năng</a:t>
+            </a:r>
+            <a:r>
+              <a:rPr lang="en-US" sz="2900" dirty="0" smtClean="0">
+                <a:latin typeface="Times New Roman" pitchFamily="18" charset="0"/>
+                <a:cs typeface="Times New Roman" pitchFamily="18" charset="0"/>
+              </a:rPr>
+              <a:t> </a:t>
+            </a:r>
+            <a:r>
+              <a:rPr lang="en-US" sz="2900" dirty="0" err="1" smtClean="0">
+                <a:latin typeface="Times New Roman" pitchFamily="18" charset="0"/>
+                <a:cs typeface="Times New Roman" pitchFamily="18" charset="0"/>
+              </a:rPr>
+              <a:t>hình</a:t>
+            </a:r>
+            <a:r>
+              <a:rPr lang="en-US" sz="2900" dirty="0" smtClean="0">
+                <a:latin typeface="Times New Roman" pitchFamily="18" charset="0"/>
+                <a:cs typeface="Times New Roman" pitchFamily="18" charset="0"/>
+              </a:rPr>
+              <a:t> </a:t>
+            </a:r>
+            <a:r>
+              <a:rPr lang="en-US" sz="2900" dirty="0" err="1" smtClean="0">
+                <a:latin typeface="Times New Roman" pitchFamily="18" charset="0"/>
+                <a:cs typeface="Times New Roman" pitchFamily="18" charset="0"/>
+              </a:rPr>
+              <a:t>học</a:t>
+            </a:r>
+            <a:r>
+              <a:rPr lang="en-US" sz="2900" dirty="0" smtClean="0">
+                <a:latin typeface="Times New Roman" pitchFamily="18" charset="0"/>
+                <a:cs typeface="Times New Roman" pitchFamily="18" charset="0"/>
+              </a:rPr>
+              <a:t> geometries </a:t>
+            </a:r>
+            <a:r>
+              <a:rPr lang="en-US" sz="2900" dirty="0" err="1" smtClean="0">
+                <a:latin typeface="Times New Roman" pitchFamily="18" charset="0"/>
+                <a:cs typeface="Times New Roman" pitchFamily="18" charset="0"/>
+              </a:rPr>
+              <a:t>và</a:t>
+            </a:r>
+            <a:r>
+              <a:rPr lang="en-US" sz="2900" dirty="0" smtClean="0">
+                <a:latin typeface="Times New Roman" pitchFamily="18" charset="0"/>
+                <a:cs typeface="Times New Roman" pitchFamily="18" charset="0"/>
+              </a:rPr>
+              <a:t> Transform </a:t>
+            </a:r>
+            <a:r>
+              <a:rPr lang="en-US" sz="2900" dirty="0" err="1" smtClean="0">
+                <a:latin typeface="Times New Roman" pitchFamily="18" charset="0"/>
+                <a:cs typeface="Times New Roman" pitchFamily="18" charset="0"/>
+              </a:rPr>
+              <a:t>cho</a:t>
+            </a:r>
+            <a:r>
+              <a:rPr lang="en-US" sz="2900" dirty="0" smtClean="0">
+                <a:latin typeface="Times New Roman" pitchFamily="18" charset="0"/>
+                <a:cs typeface="Times New Roman" pitchFamily="18" charset="0"/>
+              </a:rPr>
+              <a:t> </a:t>
+            </a:r>
+            <a:r>
+              <a:rPr lang="en-US" sz="2900" dirty="0" err="1" smtClean="0">
+                <a:latin typeface="Times New Roman" pitchFamily="18" charset="0"/>
+                <a:cs typeface="Times New Roman" pitchFamily="18" charset="0"/>
+              </a:rPr>
+              <a:t>phép</a:t>
+            </a:r>
+            <a:r>
+              <a:rPr lang="en-US" sz="2900" dirty="0" smtClean="0">
+                <a:latin typeface="Times New Roman" pitchFamily="18" charset="0"/>
+                <a:cs typeface="Times New Roman" pitchFamily="18" charset="0"/>
+              </a:rPr>
+              <a:t> </a:t>
+            </a:r>
+            <a:r>
+              <a:rPr lang="en-US" sz="2900" dirty="0" err="1" smtClean="0">
+                <a:latin typeface="Times New Roman" pitchFamily="18" charset="0"/>
+                <a:cs typeface="Times New Roman" pitchFamily="18" charset="0"/>
+              </a:rPr>
+              <a:t>biến</a:t>
+            </a:r>
+            <a:r>
+              <a:rPr lang="en-US" sz="2900" dirty="0" smtClean="0">
+                <a:latin typeface="Times New Roman" pitchFamily="18" charset="0"/>
+                <a:cs typeface="Times New Roman" pitchFamily="18" charset="0"/>
+              </a:rPr>
+              <a:t> </a:t>
+            </a:r>
+            <a:r>
+              <a:rPr lang="en-US" sz="2900" dirty="0" err="1" smtClean="0">
+                <a:latin typeface="Times New Roman" pitchFamily="18" charset="0"/>
+                <a:cs typeface="Times New Roman" pitchFamily="18" charset="0"/>
+              </a:rPr>
+              <a:t>đổi</a:t>
+            </a:r>
+            <a:r>
+              <a:rPr lang="en-US" sz="2900" dirty="0" smtClean="0">
+                <a:latin typeface="Times New Roman" pitchFamily="18" charset="0"/>
+                <a:cs typeface="Times New Roman" pitchFamily="18" charset="0"/>
+              </a:rPr>
+              <a:t> </a:t>
+            </a:r>
+            <a:r>
+              <a:rPr lang="en-US" sz="2900" dirty="0" err="1" smtClean="0">
+                <a:latin typeface="Times New Roman" pitchFamily="18" charset="0"/>
+                <a:cs typeface="Times New Roman" pitchFamily="18" charset="0"/>
+              </a:rPr>
+              <a:t>hình</a:t>
+            </a:r>
+            <a:r>
+              <a:rPr lang="en-US" sz="2900" dirty="0" smtClean="0">
+                <a:latin typeface="Times New Roman" pitchFamily="18" charset="0"/>
+                <a:cs typeface="Times New Roman" pitchFamily="18" charset="0"/>
+              </a:rPr>
+              <a:t> </a:t>
+            </a:r>
+            <a:r>
+              <a:rPr lang="en-US" sz="2900" dirty="0" err="1" smtClean="0">
+                <a:latin typeface="Times New Roman" pitchFamily="18" charset="0"/>
+                <a:cs typeface="Times New Roman" pitchFamily="18" charset="0"/>
+              </a:rPr>
+              <a:t>học</a:t>
+            </a:r>
+            <a:endParaRPr lang="en-US" sz="2900" dirty="0" smtClean="0">
+              <a:latin typeface="Times New Roman" pitchFamily="18" charset="0"/>
+              <a:cs typeface="Times New Roman" pitchFamily="18" charset="0"/>
+            </a:endParaRPr>
+          </a:p>
+          <a:p>
+            <a:pPr marL="0" indent="0">
+              <a:buNone/>
+            </a:pPr>
+            <a:r>
+              <a:rPr lang="en-US" sz="2900" dirty="0" smtClean="0">
+                <a:solidFill>
+                  <a:srgbClr val="0070C0"/>
+                </a:solidFill>
+                <a:latin typeface="Times New Roman" pitchFamily="18" charset="0"/>
+                <a:cs typeface="Times New Roman" pitchFamily="18" charset="0"/>
+              </a:rPr>
+              <a:t> </a:t>
+            </a:r>
+            <a:r>
+              <a:rPr lang="en-US" sz="4000" b="1" dirty="0" smtClean="0">
+                <a:solidFill>
+                  <a:srgbClr val="0070C0"/>
+                </a:solidFill>
+                <a:latin typeface="Times New Roman" pitchFamily="18" charset="0"/>
+                <a:cs typeface="Times New Roman" pitchFamily="18" charset="0"/>
+                <a:sym typeface="Wingdings"/>
+              </a:rPr>
+              <a:t> </a:t>
+            </a:r>
+            <a:r>
+              <a:rPr lang="en-US" sz="4000" b="1" dirty="0" err="1" smtClean="0">
+                <a:solidFill>
+                  <a:srgbClr val="0070C0"/>
+                </a:solidFill>
+                <a:latin typeface="Times New Roman" pitchFamily="18" charset="0"/>
+                <a:cs typeface="Times New Roman" pitchFamily="18" charset="0"/>
+                <a:sym typeface="Wingdings"/>
+              </a:rPr>
+              <a:t>Đồ</a:t>
+            </a:r>
+            <a:r>
+              <a:rPr lang="en-US" sz="4000" b="1" dirty="0" smtClean="0">
+                <a:solidFill>
+                  <a:srgbClr val="0070C0"/>
+                </a:solidFill>
+                <a:latin typeface="Times New Roman" pitchFamily="18" charset="0"/>
+                <a:cs typeface="Times New Roman" pitchFamily="18" charset="0"/>
+                <a:sym typeface="Wingdings"/>
+              </a:rPr>
+              <a:t> </a:t>
+            </a:r>
+            <a:r>
+              <a:rPr lang="en-US" sz="4000" b="1" dirty="0" err="1" smtClean="0">
+                <a:solidFill>
+                  <a:srgbClr val="0070C0"/>
+                </a:solidFill>
+                <a:latin typeface="Times New Roman" pitchFamily="18" charset="0"/>
+                <a:cs typeface="Times New Roman" pitchFamily="18" charset="0"/>
+                <a:sym typeface="Wingdings"/>
+              </a:rPr>
+              <a:t>họa</a:t>
+            </a:r>
+            <a:r>
+              <a:rPr lang="en-US" sz="4000" b="1" dirty="0" smtClean="0">
+                <a:solidFill>
+                  <a:srgbClr val="0070C0"/>
+                </a:solidFill>
+                <a:latin typeface="Times New Roman" pitchFamily="18" charset="0"/>
+                <a:cs typeface="Times New Roman" pitchFamily="18" charset="0"/>
+                <a:sym typeface="Wingdings"/>
+              </a:rPr>
+              <a:t> 3 </a:t>
+            </a:r>
+            <a:r>
+              <a:rPr lang="en-US" sz="4000" b="1" dirty="0" err="1" smtClean="0">
+                <a:solidFill>
+                  <a:srgbClr val="0070C0"/>
+                </a:solidFill>
+                <a:latin typeface="Times New Roman" pitchFamily="18" charset="0"/>
+                <a:cs typeface="Times New Roman" pitchFamily="18" charset="0"/>
+                <a:sym typeface="Wingdings"/>
+              </a:rPr>
+              <a:t>chiều</a:t>
+            </a:r>
+            <a:endParaRPr lang="en-US" sz="4000" b="1" dirty="0" smtClean="0">
+              <a:solidFill>
+                <a:srgbClr val="0070C0"/>
+              </a:solidFill>
+              <a:latin typeface="Times New Roman" pitchFamily="18" charset="0"/>
+              <a:cs typeface="Times New Roman" pitchFamily="18" charset="0"/>
+            </a:endParaRPr>
+          </a:p>
+          <a:p>
+            <a:pPr>
+              <a:buFont typeface="Wingdings"/>
+              <a:buChar char="w"/>
+            </a:pPr>
+            <a:r>
+              <a:rPr lang="en-US" sz="2900" dirty="0" err="1" smtClean="0">
+                <a:latin typeface="Times New Roman" pitchFamily="18" charset="0"/>
+                <a:cs typeface="Times New Roman" pitchFamily="18" charset="0"/>
+              </a:rPr>
+              <a:t>Hỗ</a:t>
+            </a:r>
+            <a:r>
+              <a:rPr lang="en-US" sz="2900" dirty="0" smtClean="0">
+                <a:latin typeface="Times New Roman" pitchFamily="18" charset="0"/>
+                <a:cs typeface="Times New Roman" pitchFamily="18" charset="0"/>
+              </a:rPr>
+              <a:t> </a:t>
+            </a:r>
+            <a:r>
+              <a:rPr lang="en-US" sz="2900" dirty="0" err="1" smtClean="0">
+                <a:latin typeface="Times New Roman" pitchFamily="18" charset="0"/>
+                <a:cs typeface="Times New Roman" pitchFamily="18" charset="0"/>
+              </a:rPr>
+              <a:t>trợ</a:t>
+            </a:r>
+            <a:r>
+              <a:rPr lang="en-US" sz="2900" dirty="0" smtClean="0">
+                <a:latin typeface="Times New Roman" pitchFamily="18" charset="0"/>
+                <a:cs typeface="Times New Roman" pitchFamily="18" charset="0"/>
+              </a:rPr>
+              <a:t> 3 </a:t>
+            </a:r>
+            <a:r>
+              <a:rPr lang="en-US" sz="2900" dirty="0" err="1" smtClean="0">
+                <a:latin typeface="Times New Roman" pitchFamily="18" charset="0"/>
+                <a:cs typeface="Times New Roman" pitchFamily="18" charset="0"/>
+              </a:rPr>
+              <a:t>chiều</a:t>
+            </a:r>
+            <a:r>
+              <a:rPr lang="en-US" sz="2900" dirty="0" smtClean="0">
+                <a:latin typeface="Times New Roman" pitchFamily="18" charset="0"/>
+                <a:cs typeface="Times New Roman" pitchFamily="18" charset="0"/>
+              </a:rPr>
+              <a:t> </a:t>
+            </a:r>
+            <a:r>
+              <a:rPr lang="en-US" sz="2900" dirty="0" err="1" smtClean="0">
+                <a:latin typeface="Times New Roman" pitchFamily="18" charset="0"/>
+                <a:cs typeface="Times New Roman" pitchFamily="18" charset="0"/>
+              </a:rPr>
+              <a:t>thông</a:t>
+            </a:r>
+            <a:r>
+              <a:rPr lang="en-US" sz="2900" dirty="0" smtClean="0">
+                <a:latin typeface="Times New Roman" pitchFamily="18" charset="0"/>
+                <a:cs typeface="Times New Roman" pitchFamily="18" charset="0"/>
+              </a:rPr>
+              <a:t> qua </a:t>
+            </a:r>
+            <a:r>
+              <a:rPr lang="en-US" sz="2900" dirty="0" err="1" smtClean="0">
+                <a:latin typeface="Times New Roman" pitchFamily="18" charset="0"/>
+                <a:cs typeface="Times New Roman" pitchFamily="18" charset="0"/>
+              </a:rPr>
+              <a:t>lời</a:t>
+            </a:r>
+            <a:r>
+              <a:rPr lang="en-US" sz="2900" dirty="0" smtClean="0">
+                <a:latin typeface="Times New Roman" pitchFamily="18" charset="0"/>
+                <a:cs typeface="Times New Roman" pitchFamily="18" charset="0"/>
+              </a:rPr>
+              <a:t> </a:t>
+            </a:r>
+            <a:r>
+              <a:rPr lang="en-US" sz="2900" dirty="0" err="1" smtClean="0">
+                <a:latin typeface="Times New Roman" pitchFamily="18" charset="0"/>
+                <a:cs typeface="Times New Roman" pitchFamily="18" charset="0"/>
+              </a:rPr>
+              <a:t>gọi</a:t>
+            </a:r>
+            <a:r>
+              <a:rPr lang="en-US" sz="2900" dirty="0" smtClean="0">
+                <a:latin typeface="Times New Roman" pitchFamily="18" charset="0"/>
+                <a:cs typeface="Times New Roman" pitchFamily="18" charset="0"/>
+              </a:rPr>
+              <a:t> API </a:t>
+            </a:r>
+            <a:r>
+              <a:rPr lang="en-US" sz="2900" dirty="0" err="1" smtClean="0">
+                <a:latin typeface="Times New Roman" pitchFamily="18" charset="0"/>
+                <a:cs typeface="Times New Roman" pitchFamily="18" charset="0"/>
+              </a:rPr>
+              <a:t>của</a:t>
+            </a:r>
+            <a:r>
+              <a:rPr lang="en-US" sz="2900" dirty="0" smtClean="0">
+                <a:latin typeface="Times New Roman" pitchFamily="18" charset="0"/>
+                <a:cs typeface="Times New Roman" pitchFamily="18" charset="0"/>
+              </a:rPr>
+              <a:t> Direct3D</a:t>
+            </a:r>
+          </a:p>
+          <a:p>
+            <a:pPr>
+              <a:buFont typeface="Wingdings"/>
+              <a:buChar char="w"/>
+            </a:pPr>
+            <a:r>
+              <a:rPr lang="en-US" sz="2900" dirty="0" err="1" smtClean="0">
+                <a:latin typeface="Times New Roman" pitchFamily="18" charset="0"/>
+                <a:cs typeface="Times New Roman" pitchFamily="18" charset="0"/>
+              </a:rPr>
+              <a:t>Để</a:t>
+            </a:r>
+            <a:r>
+              <a:rPr lang="en-US" sz="2900" dirty="0" smtClean="0">
+                <a:latin typeface="Times New Roman" pitchFamily="18" charset="0"/>
+                <a:cs typeface="Times New Roman" pitchFamily="18" charset="0"/>
+              </a:rPr>
+              <a:t> </a:t>
+            </a:r>
+            <a:r>
+              <a:rPr lang="en-US" sz="2900" dirty="0" err="1" smtClean="0">
+                <a:latin typeface="Times New Roman" pitchFamily="18" charset="0"/>
+                <a:cs typeface="Times New Roman" pitchFamily="18" charset="0"/>
+              </a:rPr>
+              <a:t>hiện</a:t>
+            </a:r>
+            <a:r>
+              <a:rPr lang="en-US" sz="2900" dirty="0" smtClean="0">
+                <a:latin typeface="Times New Roman" pitchFamily="18" charset="0"/>
+                <a:cs typeface="Times New Roman" pitchFamily="18" charset="0"/>
+              </a:rPr>
+              <a:t> </a:t>
+            </a:r>
+            <a:r>
+              <a:rPr lang="en-US" sz="2900" dirty="0" err="1" smtClean="0">
+                <a:latin typeface="Times New Roman" pitchFamily="18" charset="0"/>
+                <a:cs typeface="Times New Roman" pitchFamily="18" charset="0"/>
+              </a:rPr>
+              <a:t>thị</a:t>
+            </a:r>
+            <a:r>
+              <a:rPr lang="en-US" sz="2900" dirty="0" smtClean="0">
+                <a:latin typeface="Times New Roman" pitchFamily="18" charset="0"/>
+                <a:cs typeface="Times New Roman" pitchFamily="18" charset="0"/>
+              </a:rPr>
+              <a:t> 3 </a:t>
+            </a:r>
+            <a:r>
+              <a:rPr lang="en-US" sz="2900" dirty="0" err="1" smtClean="0">
+                <a:latin typeface="Times New Roman" pitchFamily="18" charset="0"/>
+                <a:cs typeface="Times New Roman" pitchFamily="18" charset="0"/>
+              </a:rPr>
+              <a:t>chiều</a:t>
+            </a:r>
+            <a:r>
+              <a:rPr lang="en-US" sz="2900" dirty="0" smtClean="0">
+                <a:latin typeface="Times New Roman" pitchFamily="18" charset="0"/>
+                <a:cs typeface="Times New Roman" pitchFamily="18" charset="0"/>
+              </a:rPr>
+              <a:t> </a:t>
+            </a:r>
+            <a:r>
+              <a:rPr lang="en-US" sz="2900" dirty="0" err="1" smtClean="0">
+                <a:latin typeface="Times New Roman" pitchFamily="18" charset="0"/>
+                <a:cs typeface="Times New Roman" pitchFamily="18" charset="0"/>
+              </a:rPr>
+              <a:t>cần</a:t>
+            </a:r>
+            <a:r>
+              <a:rPr lang="en-US" sz="2900" dirty="0" smtClean="0">
+                <a:latin typeface="Times New Roman" pitchFamily="18" charset="0"/>
+                <a:cs typeface="Times New Roman" pitchFamily="18" charset="0"/>
+              </a:rPr>
+              <a:t> </a:t>
+            </a:r>
+            <a:r>
+              <a:rPr lang="en-US" sz="2900" dirty="0" err="1" smtClean="0">
+                <a:latin typeface="Times New Roman" pitchFamily="18" charset="0"/>
+                <a:cs typeface="Times New Roman" pitchFamily="18" charset="0"/>
+              </a:rPr>
+              <a:t>sử</a:t>
+            </a:r>
+            <a:r>
+              <a:rPr lang="en-US" sz="2900" dirty="0" smtClean="0">
+                <a:latin typeface="Times New Roman" pitchFamily="18" charset="0"/>
+                <a:cs typeface="Times New Roman" pitchFamily="18" charset="0"/>
+              </a:rPr>
+              <a:t> </a:t>
+            </a:r>
+            <a:r>
+              <a:rPr lang="en-US" sz="2900" dirty="0" err="1" smtClean="0">
+                <a:latin typeface="Times New Roman" pitchFamily="18" charset="0"/>
+                <a:cs typeface="Times New Roman" pitchFamily="18" charset="0"/>
+              </a:rPr>
+              <a:t>dụng</a:t>
+            </a:r>
+            <a:r>
+              <a:rPr lang="en-US" sz="2900" dirty="0" smtClean="0">
+                <a:latin typeface="Times New Roman" pitchFamily="18" charset="0"/>
+                <a:cs typeface="Times New Roman" pitchFamily="18" charset="0"/>
+              </a:rPr>
+              <a:t> control Viewport3D</a:t>
+            </a:r>
+          </a:p>
+          <a:p>
+            <a:pPr marL="0" indent="0">
+              <a:buNone/>
+            </a:pPr>
+            <a:r>
+              <a:rPr lang="en-US" sz="2900" dirty="0" smtClean="0">
+                <a:latin typeface="Times New Roman" pitchFamily="18" charset="0"/>
+                <a:cs typeface="Times New Roman" pitchFamily="18" charset="0"/>
+              </a:rPr>
+              <a:t>  </a:t>
+            </a:r>
+          </a:p>
+          <a:p>
+            <a:pPr>
+              <a:buFont typeface="Wingdings"/>
+              <a:buChar char="w"/>
+            </a:pPr>
+            <a:r>
+              <a:rPr lang="en-US" sz="2900" dirty="0" err="1" smtClean="0">
+                <a:latin typeface="Times New Roman" pitchFamily="18" charset="0"/>
+                <a:cs typeface="Times New Roman" pitchFamily="18" charset="0"/>
+              </a:rPr>
+              <a:t>Mô</a:t>
+            </a:r>
+            <a:r>
+              <a:rPr lang="en-US" sz="2900" dirty="0" smtClean="0">
+                <a:latin typeface="Times New Roman" pitchFamily="18" charset="0"/>
+                <a:cs typeface="Times New Roman" pitchFamily="18" charset="0"/>
+              </a:rPr>
+              <a:t> </a:t>
+            </a:r>
+            <a:r>
+              <a:rPr lang="en-US" sz="2900" dirty="0" err="1" smtClean="0">
+                <a:latin typeface="Times New Roman" pitchFamily="18" charset="0"/>
+                <a:cs typeface="Times New Roman" pitchFamily="18" charset="0"/>
+              </a:rPr>
+              <a:t>tả</a:t>
+            </a:r>
+            <a:r>
+              <a:rPr lang="en-US" sz="2900" dirty="0" smtClean="0">
+                <a:latin typeface="Times New Roman" pitchFamily="18" charset="0"/>
+                <a:cs typeface="Times New Roman" pitchFamily="18" charset="0"/>
+              </a:rPr>
+              <a:t> </a:t>
+            </a:r>
+            <a:r>
+              <a:rPr lang="en-US" sz="2900" dirty="0" err="1" smtClean="0">
+                <a:latin typeface="Times New Roman" pitchFamily="18" charset="0"/>
+                <a:cs typeface="Times New Roman" pitchFamily="18" charset="0"/>
+              </a:rPr>
+              <a:t>một</a:t>
+            </a:r>
+            <a:r>
+              <a:rPr lang="en-US" sz="2900" dirty="0" smtClean="0">
+                <a:latin typeface="Times New Roman" pitchFamily="18" charset="0"/>
+                <a:cs typeface="Times New Roman" pitchFamily="18" charset="0"/>
+              </a:rPr>
+              <a:t> hay </a:t>
+            </a:r>
+            <a:r>
+              <a:rPr lang="en-US" sz="2900" dirty="0" err="1" smtClean="0">
+                <a:latin typeface="Times New Roman" pitchFamily="18" charset="0"/>
+                <a:cs typeface="Times New Roman" pitchFamily="18" charset="0"/>
+              </a:rPr>
+              <a:t>nhiều</a:t>
+            </a:r>
+            <a:r>
+              <a:rPr lang="en-US" sz="2900" dirty="0" smtClean="0">
+                <a:latin typeface="Times New Roman" pitchFamily="18" charset="0"/>
+                <a:cs typeface="Times New Roman" pitchFamily="18" charset="0"/>
+              </a:rPr>
+              <a:t> </a:t>
+            </a:r>
+            <a:r>
+              <a:rPr lang="en-US" sz="2900" dirty="0" err="1" smtClean="0">
+                <a:latin typeface="Times New Roman" pitchFamily="18" charset="0"/>
+                <a:cs typeface="Times New Roman" pitchFamily="18" charset="0"/>
+              </a:rPr>
+              <a:t>mô</a:t>
+            </a:r>
+            <a:r>
+              <a:rPr lang="en-US" sz="2900" dirty="0" smtClean="0">
+                <a:latin typeface="Times New Roman" pitchFamily="18" charset="0"/>
+                <a:cs typeface="Times New Roman" pitchFamily="18" charset="0"/>
+              </a:rPr>
+              <a:t> </a:t>
+            </a:r>
+            <a:r>
+              <a:rPr lang="en-US" sz="2900" dirty="0" err="1" smtClean="0">
+                <a:latin typeface="Times New Roman" pitchFamily="18" charset="0"/>
+                <a:cs typeface="Times New Roman" pitchFamily="18" charset="0"/>
+              </a:rPr>
+              <a:t>hình</a:t>
+            </a:r>
+            <a:r>
+              <a:rPr lang="en-US" sz="2900" dirty="0" smtClean="0">
+                <a:latin typeface="Times New Roman" pitchFamily="18" charset="0"/>
+                <a:cs typeface="Times New Roman" pitchFamily="18" charset="0"/>
+              </a:rPr>
+              <a:t> </a:t>
+            </a:r>
+            <a:r>
+              <a:rPr lang="en-US" sz="2900" dirty="0" err="1" smtClean="0">
+                <a:latin typeface="Times New Roman" pitchFamily="18" charset="0"/>
+                <a:cs typeface="Times New Roman" pitchFamily="18" charset="0"/>
+              </a:rPr>
+              <a:t>phân</a:t>
+            </a:r>
+            <a:r>
+              <a:rPr lang="en-US" sz="2900" dirty="0" smtClean="0">
+                <a:latin typeface="Times New Roman" pitchFamily="18" charset="0"/>
+                <a:cs typeface="Times New Roman" pitchFamily="18" charset="0"/>
+              </a:rPr>
+              <a:t> </a:t>
+            </a:r>
+            <a:r>
+              <a:rPr lang="en-US" sz="2900" dirty="0" err="1" smtClean="0">
+                <a:latin typeface="Times New Roman" pitchFamily="18" charset="0"/>
+                <a:cs typeface="Times New Roman" pitchFamily="18" charset="0"/>
+              </a:rPr>
+              <a:t>định</a:t>
+            </a:r>
+            <a:r>
+              <a:rPr lang="en-US" sz="2900" dirty="0" smtClean="0">
+                <a:latin typeface="Times New Roman" pitchFamily="18" charset="0"/>
+                <a:cs typeface="Times New Roman" pitchFamily="18" charset="0"/>
+              </a:rPr>
+              <a:t> </a:t>
+            </a:r>
+            <a:r>
+              <a:rPr lang="en-US" sz="2900" dirty="0" err="1" smtClean="0">
+                <a:latin typeface="Times New Roman" pitchFamily="18" charset="0"/>
+                <a:cs typeface="Times New Roman" pitchFamily="18" charset="0"/>
+              </a:rPr>
+              <a:t>chiếu</a:t>
+            </a:r>
+            <a:r>
+              <a:rPr lang="en-US" sz="2900" dirty="0" smtClean="0">
+                <a:latin typeface="Times New Roman" pitchFamily="18" charset="0"/>
+                <a:cs typeface="Times New Roman" pitchFamily="18" charset="0"/>
+              </a:rPr>
+              <a:t> </a:t>
+            </a:r>
+            <a:r>
+              <a:rPr lang="en-US" sz="2900" dirty="0" err="1" smtClean="0">
+                <a:latin typeface="Times New Roman" pitchFamily="18" charset="0"/>
+                <a:cs typeface="Times New Roman" pitchFamily="18" charset="0"/>
+              </a:rPr>
+              <a:t>sáng</a:t>
+            </a:r>
+            <a:r>
+              <a:rPr lang="en-US" sz="2900" dirty="0" smtClean="0">
+                <a:latin typeface="Times New Roman" pitchFamily="18" charset="0"/>
+                <a:cs typeface="Times New Roman" pitchFamily="18" charset="0"/>
+              </a:rPr>
+              <a:t> hay </a:t>
+            </a:r>
+            <a:r>
+              <a:rPr lang="en-US" sz="2900" dirty="0" err="1" smtClean="0">
+                <a:latin typeface="Times New Roman" pitchFamily="18" charset="0"/>
+                <a:cs typeface="Times New Roman" pitchFamily="18" charset="0"/>
+              </a:rPr>
+              <a:t>hiển</a:t>
+            </a:r>
+            <a:r>
+              <a:rPr lang="en-US" sz="2900" dirty="0" smtClean="0">
+                <a:latin typeface="Times New Roman" pitchFamily="18" charset="0"/>
+                <a:cs typeface="Times New Roman" pitchFamily="18" charset="0"/>
+              </a:rPr>
+              <a:t> </a:t>
+            </a:r>
+            <a:r>
+              <a:rPr lang="en-US" sz="2900" dirty="0" err="1" smtClean="0">
+                <a:latin typeface="Times New Roman" pitchFamily="18" charset="0"/>
+                <a:cs typeface="Times New Roman" pitchFamily="18" charset="0"/>
+              </a:rPr>
+              <a:t>thị</a:t>
+            </a:r>
+            <a:r>
+              <a:rPr lang="en-US" sz="2900" dirty="0" smtClean="0">
+                <a:latin typeface="Times New Roman" pitchFamily="18" charset="0"/>
+                <a:cs typeface="Times New Roman" pitchFamily="18" charset="0"/>
+              </a:rPr>
+              <a:t> </a:t>
+            </a:r>
+            <a:r>
+              <a:rPr lang="en-US" sz="2900" dirty="0" err="1" smtClean="0">
+                <a:latin typeface="Times New Roman" pitchFamily="18" charset="0"/>
+                <a:cs typeface="Times New Roman" pitchFamily="18" charset="0"/>
+              </a:rPr>
+              <a:t>bằng</a:t>
+            </a:r>
+            <a:r>
+              <a:rPr lang="en-US" sz="2900" dirty="0" smtClean="0">
+                <a:latin typeface="Times New Roman" pitchFamily="18" charset="0"/>
+                <a:cs typeface="Times New Roman" pitchFamily="18" charset="0"/>
+              </a:rPr>
+              <a:t> XAML code </a:t>
+            </a:r>
+            <a:r>
+              <a:rPr lang="en-US" sz="2900" dirty="0" err="1" smtClean="0">
+                <a:latin typeface="Times New Roman" pitchFamily="18" charset="0"/>
+                <a:cs typeface="Times New Roman" pitchFamily="18" charset="0"/>
+              </a:rPr>
+              <a:t>hoặc</a:t>
+            </a:r>
+            <a:r>
+              <a:rPr lang="en-US" sz="2900" dirty="0" smtClean="0">
+                <a:latin typeface="Times New Roman" pitchFamily="18" charset="0"/>
+                <a:cs typeface="Times New Roman" pitchFamily="18" charset="0"/>
+              </a:rPr>
+              <a:t> </a:t>
+            </a:r>
+            <a:r>
+              <a:rPr lang="en-US" sz="2900" dirty="0" err="1" smtClean="0">
+                <a:latin typeface="Times New Roman" pitchFamily="18" charset="0"/>
+                <a:cs typeface="Times New Roman" pitchFamily="18" charset="0"/>
+              </a:rPr>
+              <a:t>cả</a:t>
+            </a:r>
+            <a:r>
+              <a:rPr lang="en-US" sz="2900" dirty="0" smtClean="0">
+                <a:latin typeface="Times New Roman" pitchFamily="18" charset="0"/>
+                <a:cs typeface="Times New Roman" pitchFamily="18" charset="0"/>
+              </a:rPr>
+              <a:t> </a:t>
+            </a:r>
+            <a:r>
+              <a:rPr lang="en-US" sz="2900" dirty="0" err="1" smtClean="0">
+                <a:latin typeface="Times New Roman" pitchFamily="18" charset="0"/>
+                <a:cs typeface="Times New Roman" pitchFamily="18" charset="0"/>
+              </a:rPr>
+              <a:t>hai</a:t>
+            </a:r>
+            <a:endParaRPr lang="en-US" sz="2900" dirty="0">
+              <a:latin typeface="Times New Roman" pitchFamily="18" charset="0"/>
+              <a:cs typeface="Times New Roman" pitchFamily="18" charset="0"/>
+            </a:endParaRPr>
+          </a:p>
+        </p:txBody>
+      </p:sp>
+      <p:sp>
+        <p:nvSpPr>
+          <p:cNvPr id="4" name="Slide Number Placeholder 3"/>
+          <p:cNvSpPr>
+            <a:spLocks noGrp="1"/>
+          </p:cNvSpPr>
+          <p:nvPr>
+            <p:ph type="sldNum" sz="quarter" idx="12"/>
+          </p:nvPr>
+        </p:nvSpPr>
+        <p:spPr/>
+        <p:txBody>
+          <a:bodyPr/>
+          <a:lstStyle/>
+          <a:p>
+            <a:fld id="{DDE78882-3F85-442E-9580-E9FE03BA44CF}" type="slidenum">
+              <a:rPr lang="en-US" smtClean="0"/>
+              <a:t>18</a:t>
+            </a:fld>
+            <a:endParaRPr lang="en-US"/>
+          </a:p>
+        </p:txBody>
+      </p:sp>
+    </p:spTree>
+    <p:extLst>
+      <p:ext uri="{BB962C8B-B14F-4D97-AF65-F5344CB8AC3E}">
+        <p14:creationId xmlns:p14="http://schemas.microsoft.com/office/powerpoint/2010/main" val="4074790103"/>
+      </p:ext>
+    </p:extLst>
+  </p:cSld>
+  <p:clrMapOvr>
+    <a:masterClrMapping/>
+  </p:clrMapOvr>
+  <p:timing>
+    <p:tnLst>
+      <p:par>
+        <p:cTn id="1" dur="indefinite" restart="never" nodeType="tmRoot"/>
+      </p:par>
+    </p:tnLst>
+  </p:timing>
+</p:sld>
+</file>
+
+<file path=ppt/slides/slide19.xml><?xml version="1.0" encoding="utf-8"?>
+<p:sld xmlns:a="http://schemas.openxmlformats.org/drawingml/2006/main" xmlns:r="http://schemas.openxmlformats.org/officeDocument/2006/relationships" xmlns:p="http://schemas.openxmlformats.org/presentationml/2006/main">
+  <p:cSld>
+    <p:spTree>
+      <p:nvGrpSpPr>
+        <p:cNvPr id="1" name=""/>
+        <p:cNvGrpSpPr/>
+        <p:nvPr/>
+      </p:nvGrpSpPr>
+      <p:grpSpPr>
+        <a:xfrm>
+          <a:off x="0" y="0"/>
+          <a:ext cx="0" cy="0"/>
+          <a:chOff x="0" y="0"/>
+          <a:chExt cx="0" cy="0"/>
+        </a:xfrm>
+      </p:grpSpPr>
+      <p:sp>
+        <p:nvSpPr>
+          <p:cNvPr id="2" name="Title 1"/>
+          <p:cNvSpPr>
+            <a:spLocks noGrp="1"/>
+          </p:cNvSpPr>
+          <p:nvPr>
+            <p:ph type="title"/>
+          </p:nvPr>
+        </p:nvSpPr>
+        <p:spPr>
+          <a:xfrm>
+            <a:off x="457200" y="0"/>
+            <a:ext cx="8229600" cy="1417638"/>
+          </a:xfrm>
+        </p:spPr>
+        <p:txBody>
+          <a:bodyPr>
+            <a:normAutofit fontScale="90000"/>
+          </a:bodyPr>
+          <a:lstStyle/>
+          <a:p>
+            <a:pPr algn="l"/>
+            <a:r>
+              <a:rPr lang="en-US" dirty="0" smtClean="0"/>
+              <a:t/>
+            </a:r>
+            <a:br>
+              <a:rPr lang="en-US" dirty="0" smtClean="0"/>
+            </a:br>
+            <a:r>
+              <a:rPr lang="en-US" b="1" dirty="0" smtClean="0">
+                <a:solidFill>
+                  <a:srgbClr val="0070C0"/>
+                </a:solidFill>
+                <a:sym typeface="Wingdings"/>
+              </a:rPr>
+              <a:t></a:t>
+            </a:r>
+            <a:r>
+              <a:rPr lang="en-US" b="1" dirty="0" err="1" smtClean="0">
+                <a:solidFill>
+                  <a:srgbClr val="0070C0"/>
+                </a:solidFill>
+                <a:latin typeface="Times New Roman" pitchFamily="18" charset="0"/>
+                <a:cs typeface="Times New Roman" pitchFamily="18" charset="0"/>
+                <a:sym typeface="Wingdings"/>
+              </a:rPr>
               <a:t>Mốc</a:t>
             </a:r>
             <a:r>
@@ -13955,7 +14464,7 @@
           <a:p>
             <a:fld id="{DDE78882-3F85-442E-9580-E9FE03BA44CF}" type="slidenum">
               <a:rPr lang="en-US" smtClean="0"/>
-              <a:t>17</a:t>
+              <a:t>19</a:t>
             </a:fld>
             <a:endParaRPr lang="en-US"/>
           </a:p>
@@ -13981,7 +14490,169 @@
 </p:sld>
 </file>
 
-<file path=ppt/slides/slide18.xml><?xml version="1.0" encoding="utf-8"?>
+<file path=ppt/slides/slide2.xml><?xml version="1.0" encoding="utf-8"?>
+<p:sld xmlns:a="http://schemas.openxmlformats.org/drawingml/2006/main" xmlns:r="http://schemas.openxmlformats.org/officeDocument/2006/relationships" xmlns:p="http://schemas.openxmlformats.org/presentationml/2006/main">
+  <p:cSld>
+    <p:spTree>
+      <p:nvGrpSpPr>
+        <p:cNvPr id="1" name=""/>
+        <p:cNvGrpSpPr/>
+        <p:nvPr/>
+      </p:nvGrpSpPr>
+      <p:grpSpPr>
+        <a:xfrm>
+          <a:off x="0" y="0"/>
+          <a:ext cx="0" cy="0"/>
+          <a:chOff x="0" y="0"/>
+          <a:chExt cx="0" cy="0"/>
+        </a:xfrm>
+      </p:grpSpPr>
+      <p:sp>
+        <p:nvSpPr>
+          <p:cNvPr id="2" name="Title 1"/>
+          <p:cNvSpPr>
+            <a:spLocks noGrp="1"/>
+          </p:cNvSpPr>
+          <p:nvPr>
+            <p:ph type="title"/>
+          </p:nvPr>
+        </p:nvSpPr>
+        <p:spPr/>
+        <p:txBody>
+          <a:bodyPr>
+            <a:normAutofit fontScale="90000"/>
+          </a:bodyPr>
+          <a:lstStyle/>
+          <a:p>
+            <a:pPr lvl="0"/>
+            <a:r>
+              <a:rPr lang="en-US" b="1" cap="all" smtClean="0">
+                <a:ln w="0"/>
+                <a:gradFill flip="none">
+                  <a:gsLst>
+                    <a:gs pos="0">
+                      <a:schemeClr val="accent1">
+                        <a:tint val="75000"/>
+                        <a:shade val="75000"/>
+                        <a:satMod val="170000"/>
+                      </a:schemeClr>
+                    </a:gs>
+                    <a:gs pos="49000">
+                      <a:schemeClr val="accent1">
+                        <a:tint val="88000"/>
+                        <a:shade val="65000"/>
+                        <a:satMod val="172000"/>
+                      </a:schemeClr>
+                    </a:gs>
+                    <a:gs pos="50000">
+                      <a:schemeClr val="accent1">
+                        <a:shade val="65000"/>
+                        <a:satMod val="130000"/>
+                      </a:schemeClr>
+                    </a:gs>
+                    <a:gs pos="92000">
+                      <a:schemeClr val="accent1">
+                        <a:shade val="50000"/>
+                        <a:satMod val="120000"/>
+                      </a:schemeClr>
+                    </a:gs>
+                    <a:gs pos="100000">
+                      <a:schemeClr val="accent1">
+                        <a:shade val="48000"/>
+                        <a:satMod val="120000"/>
+                      </a:schemeClr>
+                    </a:gs>
+                  </a:gsLst>
+                  <a:lin ang="5400000"/>
+                </a:gradFill>
+                <a:effectLst>
+                  <a:reflection blurRad="12700" stA="50000" endPos="50000" dist="5000" dir="5400000" sy="-100000" rotWithShape="0"/>
+                </a:effectLst>
+                <a:latin typeface="Times New Roman" pitchFamily="18" charset="0"/>
+                <a:cs typeface="Times New Roman" pitchFamily="18" charset="0"/>
+              </a:rPr>
+              <a:t>MỤC LỤC</a:t>
+            </a:r>
+            <a:r>
+              <a:rPr lang="en-US"/>
+              <a:t/>
+            </a:r>
+            <a:br>
+              <a:rPr lang="en-US"/>
+            </a:br>
+            <a:endParaRPr lang="en-US"/>
+          </a:p>
+        </p:txBody>
+      </p:sp>
+      <p:graphicFrame>
+        <p:nvGraphicFramePr>
+          <p:cNvPr id="4" name="Content Placeholder 3"/>
+          <p:cNvGraphicFramePr>
+            <a:graphicFrameLocks noGrp="1"/>
+          </p:cNvGraphicFramePr>
+          <p:nvPr>
+            <p:ph idx="1"/>
+            <p:extLst>
+              <p:ext uri="{D42A27DB-BD31-4B8C-83A1-F6EECF244321}">
+                <p14:modId xmlns:p14="http://schemas.microsoft.com/office/powerpoint/2010/main" val="4091902880"/>
+              </p:ext>
+            </p:extLst>
+          </p:nvPr>
+        </p:nvGraphicFramePr>
+        <p:xfrm>
+          <a:off x="457200" y="1600200"/>
+          <a:ext cx="8229600" cy="4525963"/>
+        </p:xfrm>
+        <a:graphic>
+          <a:graphicData uri="http://schemas.openxmlformats.org/drawingml/2006/diagram">
+            <dgm:relIds xmlns:dgm="http://schemas.openxmlformats.org/drawingml/2006/diagram" xmlns:r="http://schemas.openxmlformats.org/officeDocument/2006/relationships" r:dm="rId2" r:lo="rId3" r:qs="rId4" r:cs="rId5"/>
+          </a:graphicData>
+        </a:graphic>
+      </p:graphicFrame>
+      <p:sp>
+        <p:nvSpPr>
+          <p:cNvPr id="3" name="Slide Number Placeholder 2"/>
+          <p:cNvSpPr>
+            <a:spLocks noGrp="1"/>
+          </p:cNvSpPr>
+          <p:nvPr>
+            <p:ph type="sldNum" sz="quarter" idx="12"/>
+          </p:nvPr>
+        </p:nvSpPr>
+        <p:spPr/>
+        <p:txBody>
+          <a:bodyPr/>
+          <a:lstStyle/>
+          <a:p>
+            <a:fld id="{DDE78882-3F85-442E-9580-E9FE03BA44CF}" type="slidenum">
+              <a:rPr lang="en-US" smtClean="0"/>
+              <a:t>2</a:t>
+            </a:fld>
+            <a:endParaRPr lang="en-US"/>
+          </a:p>
+        </p:txBody>
+      </p:sp>
+    </p:spTree>
+    <p:extLst>
+      <p:ext uri="{BB962C8B-B14F-4D97-AF65-F5344CB8AC3E}">
+        <p14:creationId xmlns:p14="http://schemas.microsoft.com/office/powerpoint/2010/main" val="3497282639"/>
+      </p:ext>
+    </p:extLst>
+  </p:cSld>
+  <p:clrMapOvr>
+    <a:masterClrMapping/>
+  </p:clrMapOvr>
+  <p:timing>
+    <p:tnLst>
+      <p:par>
+        <p:cTn id="1" dur="indefinite" restart="never" nodeType="tmRoot"/>
+      </p:par>
+    </p:tnLst>
+  </p:timing>
+</p:sld>
+</file>
+
+<file path=ppt/slides/slide20.xml><?xml version="1.0" encoding="utf-8"?>
 <p:sld xmlns:a="http://schemas.openxmlformats.org/drawingml/2006/main" xmlns:r="http://schemas.openxmlformats.org/officeDocument/2006/relationships" xmlns:p="http://schemas.openxmlformats.org/presentationml/2006/main">
   <p:cSld>
     <p:spTree>
@@ -14552,7 +15223,7 @@
           <a:p>
             <a:fld id="{DDE78882-3F85-442E-9580-E9FE03BA44CF}" type="slidenum">
               <a:rPr lang="en-US" smtClean="0"/>
-              <a:t>18</a:t>
+              <a:t>20</a:t>
             </a:fld>
             <a:endParaRPr lang="en-US"/>
           </a:p>
@@ -14578,7 +15249,7 @@
 </p:sld>
 </file>
 
-<file path=ppt/slides/slide19.xml><?xml version="1.0" encoding="utf-8"?>
+<file path=ppt/slides/slide21.xml><?xml version="1.0" encoding="utf-8"?>
 <p:sld xmlns:a="http://schemas.openxmlformats.org/drawingml/2006/main" xmlns:r="http://schemas.openxmlformats.org/officeDocument/2006/relationships" xmlns:p="http://schemas.openxmlformats.org/presentationml/2006/main">
   <p:cSld>
     <p:spTree>
@@ -14869,7 +15540,7 @@
           <a:p>
             <a:fld id="{DDE78882-3F85-442E-9580-E9FE03BA44CF}" type="slidenum">
               <a:rPr lang="en-US" smtClean="0"/>
-              <a:t>19</a:t>
+              <a:t>21</a:t>
             </a:fld>
             <a:endParaRPr lang="en-US"/>
           </a:p>
@@ -14879,168 +15550,6 @@
     <p:extLst>
       <p:ext uri="{BB962C8B-B14F-4D97-AF65-F5344CB8AC3E}">
         <p14:creationId xmlns:p14="http://schemas.microsoft.com/office/powerpoint/2010/main" val="1878731497"/>
-      </p:ext>
-    </p:extLst>
-  </p:cSld>
-  <p:clrMapOvr>
-    <a:masterClrMapping/>
-  </p:clrMapOvr>
-  <p:timing>
-    <p:tnLst>
-      <p:par>
-        <p:cTn id="1" dur="indefinite" restart="never" nodeType="tmRoot"/>
-      </p:par>
-    </p:tnLst>
-  </p:timing>
-</p:sld>
-</file>
-
-<file path=ppt/slides/slide2.xml><?xml version="1.0" encoding="utf-8"?>
-<p:sld xmlns:a="http://schemas.openxmlformats.org/drawingml/2006/main" xmlns:r="http://schemas.openxmlformats.org/officeDocument/2006/relationships" xmlns:p="http://schemas.openxmlformats.org/presentationml/2006/main">
-  <p:cSld>
-    <p:spTree>
-      <p:nvGrpSpPr>
-        <p:cNvPr id="1" name=""/>
-        <p:cNvGrpSpPr/>
-        <p:nvPr/>
-      </p:nvGrpSpPr>
-      <p:grpSpPr>
-        <a:xfrm>
-          <a:off x="0" y="0"/>
-          <a:ext cx="0" cy="0"/>
-          <a:chOff x="0" y="0"/>
-          <a:chExt cx="0" cy="0"/>
-        </a:xfrm>
-      </p:grpSpPr>
-      <p:sp>
-        <p:nvSpPr>
-          <p:cNvPr id="2" name="Title 1"/>
-          <p:cNvSpPr>
-            <a:spLocks noGrp="1"/>
-          </p:cNvSpPr>
-          <p:nvPr>
-            <p:ph type="title"/>
-          </p:nvPr>
-        </p:nvSpPr>
-        <p:spPr/>
-        <p:txBody>
-          <a:bodyPr>
-            <a:normAutofit fontScale="90000"/>
-          </a:bodyPr>
-          <a:lstStyle/>
-          <a:p>
-            <a:pPr lvl="0"/>
-            <a:r>
-              <a:rPr lang="en-US" b="1" cap="all" smtClean="0">
-                <a:ln w="0"/>
-                <a:gradFill flip="none">
-                  <a:gsLst>
-                    <a:gs pos="0">
-                      <a:schemeClr val="accent1">
-                        <a:tint val="75000"/>
-                        <a:shade val="75000"/>
-                        <a:satMod val="170000"/>
-                      </a:schemeClr>
-                    </a:gs>
-                    <a:gs pos="49000">
-                      <a:schemeClr val="accent1">
-                        <a:tint val="88000"/>
-                        <a:shade val="65000"/>
-                        <a:satMod val="172000"/>
-                      </a:schemeClr>
-                    </a:gs>
-                    <a:gs pos="50000">
-                      <a:schemeClr val="accent1">
-                        <a:shade val="65000"/>
-                        <a:satMod val="130000"/>
-                      </a:schemeClr>
-                    </a:gs>
-                    <a:gs pos="92000">
-                      <a:schemeClr val="accent1">
-                        <a:shade val="50000"/>
-                        <a:satMod val="120000"/>
-                      </a:schemeClr>
-                    </a:gs>
-                    <a:gs pos="100000">
-                      <a:schemeClr val="accent1">
-                        <a:shade val="48000"/>
-                        <a:satMod val="120000"/>
-                      </a:schemeClr>
-                    </a:gs>
-                  </a:gsLst>
-                  <a:lin ang="5400000"/>
-                </a:gradFill>
-                <a:effectLst>
-                  <a:reflection blurRad="12700" stA="50000" endPos="50000" dist="5000" dir="5400000" sy="-100000" rotWithShape="0"/>
-                </a:effectLst>
-                <a:latin typeface="Times New Roman" pitchFamily="18" charset="0"/>
-                <a:cs typeface="Times New Roman" pitchFamily="18" charset="0"/>
-              </a:rPr>
-              <a:t>MỤC LỤC</a:t>
-            </a:r>
-            <a:r>
-              <a:rPr lang="en-US"/>
-              <a:t/>
-            </a:r>
-            <a:br>
-              <a:rPr lang="en-US"/>
-            </a:br>
-            <a:endParaRPr lang="en-US"/>
-          </a:p>
-        </p:txBody>
-      </p:sp>
-      <p:graphicFrame>
-        <p:nvGraphicFramePr>
-          <p:cNvPr id="4" name="Content Placeholder 3"/>
-          <p:cNvGraphicFramePr>
-            <a:graphicFrameLocks noGrp="1"/>
-          </p:cNvGraphicFramePr>
-          <p:nvPr>
-            <p:ph idx="1"/>
-            <p:extLst>
-              <p:ext uri="{D42A27DB-BD31-4B8C-83A1-F6EECF244321}">
-                <p14:modId xmlns:p14="http://schemas.microsoft.com/office/powerpoint/2010/main" val="4091902880"/>
-              </p:ext>
-            </p:extLst>
-          </p:nvPr>
-        </p:nvGraphicFramePr>
-        <p:xfrm>
-          <a:off x="457200" y="1600200"/>
-          <a:ext cx="8229600" cy="4525963"/>
-        </p:xfrm>
-        <a:graphic>
-          <a:graphicData uri="http://schemas.openxmlformats.org/drawingml/2006/diagram">
-            <dgm:relIds xmlns:dgm="http://schemas.openxmlformats.org/drawingml/2006/diagram" xmlns:r="http://schemas.openxmlformats.org/officeDocument/2006/relationships" r:dm="rId2" r:lo="rId3" r:qs="rId4" r:cs="rId5"/>
-          </a:graphicData>
-        </a:graphic>
-      </p:graphicFrame>
-      <p:sp>
-        <p:nvSpPr>
-          <p:cNvPr id="3" name="Slide Number Placeholder 2"/>
-          <p:cNvSpPr>
-            <a:spLocks noGrp="1"/>
-          </p:cNvSpPr>
-          <p:nvPr>
-            <p:ph type="sldNum" sz="quarter" idx="12"/>
-          </p:nvPr>
-        </p:nvSpPr>
-        <p:spPr/>
-        <p:txBody>
-          <a:bodyPr/>
-          <a:lstStyle/>
-          <a:p>
-            <a:fld id="{DDE78882-3F85-442E-9580-E9FE03BA44CF}" type="slidenum">
-              <a:rPr lang="en-US" smtClean="0"/>
-              <a:t>2</a:t>
-            </a:fld>
-            <a:endParaRPr lang="en-US"/>
-          </a:p>
-        </p:txBody>
-      </p:sp>
-    </p:spTree>
-    <p:extLst>
-      <p:ext uri="{BB962C8B-B14F-4D97-AF65-F5344CB8AC3E}">
-        <p14:creationId xmlns:p14="http://schemas.microsoft.com/office/powerpoint/2010/main" val="3497282639"/>
       </p:ext>
     </p:extLst>
   </p:cSld>

--- a/WPF.pptx
+++ b/WPF.pptx
@@ -7760,30 +7760,54 @@
             </a:endParaRPr>
           </a:p>
           <a:p>
-            <a:pPr lvl="1">
+            <a:pPr lvl="1" algn="r">
               <a:tabLst>
                 <a:tab pos="3657600" algn="l"/>
               </a:tabLst>
             </a:pPr>
-            <a:r>
-              <a:rPr lang="en-US" sz="2400" b="1" dirty="0" smtClean="0">
-                <a:solidFill>
-                  <a:srgbClr val="00B0F0"/>
-                </a:solidFill>
-                <a:latin typeface="Times New Roman" pitchFamily="18" charset="0"/>
-                <a:cs typeface="Times New Roman" pitchFamily="18" charset="0"/>
-              </a:rPr>
-              <a:t>GVHD:</a:t>
-            </a:r>
-          </a:p>
-          <a:p>
-            <a:pPr lvl="1">
+            <a:endParaRPr lang="en-US" sz="2400" b="1">
+              <a:solidFill>
+                <a:srgbClr val="00B0F0"/>
+              </a:solidFill>
+              <a:latin typeface="Times New Roman" pitchFamily="18" charset="0"/>
+              <a:cs typeface="Times New Roman" pitchFamily="18" charset="0"/>
+            </a:endParaRPr>
+          </a:p>
+          <a:p>
+            <a:pPr lvl="1" algn="r">
               <a:tabLst>
                 <a:tab pos="3657600" algn="l"/>
               </a:tabLst>
             </a:pPr>
             <a:r>
-              <a:rPr lang="en-US" sz="2400" b="1" dirty="0" smtClean="0">
+              <a:rPr lang="en-US" sz="2400" b="1" smtClean="0">
+                <a:latin typeface="Times New Roman" pitchFamily="18" charset="0"/>
+                <a:cs typeface="Times New Roman" pitchFamily="18" charset="0"/>
+              </a:rPr>
+              <a:t> </a:t>
+            </a:r>
+            <a:r>
+              <a:rPr lang="en-US" sz="2400" b="1">
+                <a:solidFill>
+                  <a:srgbClr val="00B0F0"/>
+                </a:solidFill>
+                <a:latin typeface="Times New Roman" pitchFamily="18" charset="0"/>
+                <a:cs typeface="Times New Roman" pitchFamily="18" charset="0"/>
+              </a:rPr>
+              <a:t>GVHD </a:t>
+            </a:r>
+            <a:r>
+              <a:rPr lang="en-US" sz="2400" b="1" smtClean="0">
+                <a:solidFill>
+                  <a:srgbClr val="00B0F0"/>
+                </a:solidFill>
+                <a:latin typeface="Times New Roman" pitchFamily="18" charset="0"/>
+                <a:cs typeface="Times New Roman" pitchFamily="18" charset="0"/>
+              </a:rPr>
+              <a:t>: </a:t>
+            </a:r>
+            <a:r>
+              <a:rPr lang="en-US" sz="2400" b="1" smtClean="0">
                 <a:latin typeface="Times New Roman" pitchFamily="18" charset="0"/>
                 <a:cs typeface="Times New Roman" pitchFamily="18" charset="0"/>
               </a:rPr>
@@ -12838,21 +12862,16 @@
             </a:r>
           </a:p>
           <a:p>
-            <a:pPr>
-              <a:buFont typeface="Wingdings"/>
-              <a:buChar char="w"/>
+            <a:pPr marL="0" indent="0">
+              <a:buNone/>
             </a:pPr>
             <a:r>
+              <a:rPr lang="en-US" sz="2800" smtClean="0"/>
+              <a:t>Vd: &lt;MediaElement </a:t>
+            </a:r>
+            <a:r>
               <a:rPr lang="en-US" sz="2800" dirty="0"/>
-              <a:t>&lt;</a:t>
-            </a:r>
-            <a:r>
-              <a:rPr lang="en-US" sz="2800" dirty="0" err="1"/>
-              <a:t>MediaElement</a:t>
-            </a:r>
-            <a:r>
-              <a:rPr lang="en-US" sz="2800" dirty="0"/>
-              <a:t> Source="C:\Documents and Settings\All Users\Documents\ My Videos\Ruby.wmv" /&gt; </a:t>
+              <a:t>Source="C:\Documents and Settings\All Users\Documents\ My Videos\Ruby.wmv" /&gt; </a:t>
             </a:r>
             <a:endParaRPr lang="en-US" sz="2900" dirty="0">
               <a:latin typeface="Times New Roman" pitchFamily="18" charset="0"/>
@@ -14260,18 +14279,7 @@
                 <a:cs typeface="Times New Roman" pitchFamily="18" charset="0"/>
                 <a:sym typeface="Wingdings"/>
               </a:rPr>
-              <a:t> </a:t>
-            </a:r>
-            <a:r>
-              <a:rPr lang="en-US" sz="4000" b="1" smtClean="0">
-                <a:solidFill>
-                  <a:srgbClr val="0070C0"/>
-                </a:solidFill>
-                <a:latin typeface="Times New Roman" pitchFamily="18" charset="0"/>
-                <a:cs typeface="Times New Roman" pitchFamily="18" charset="0"/>
-                <a:sym typeface="Wingdings"/>
-              </a:rPr>
-              <a:t>liệu</a:t>
+              <a:t> liệu</a:t>
             </a:r>
             <a:endParaRPr lang="en-US" sz="4000" dirty="0">
               <a:latin typeface="Times New Roman" pitchFamily="18" charset="0"/>
@@ -17207,18 +17215,32 @@
               <a:t> </a:t>
             </a:r>
             <a:r>
-              <a:rPr lang="en-US" sz="2900" dirty="0" err="1" smtClean="0">
+              <a:rPr lang="en-US" sz="2900" err="1" smtClean="0">
                 <a:latin typeface="Times New Roman" pitchFamily="18" charset="0"/>
                 <a:cs typeface="Times New Roman" pitchFamily="18" charset="0"/>
               </a:rPr>
               <a:t>thống</a:t>
             </a:r>
             <a:r>
-              <a:rPr lang="en-US" sz="2900" dirty="0" smtClean="0">
-                <a:latin typeface="Times New Roman" pitchFamily="18" charset="0"/>
-                <a:cs typeface="Times New Roman" pitchFamily="18" charset="0"/>
-              </a:rPr>
-              <a:t> IP </a:t>
+              <a:rPr lang="en-US" sz="2900" smtClean="0">
+                <a:latin typeface="Times New Roman" pitchFamily="18" charset="0"/>
+                <a:cs typeface="Times New Roman" pitchFamily="18" charset="0"/>
+              </a:rPr>
+              <a:t> </a:t>
+            </a:r>
+            <a:r>
+              <a:rPr lang="en-US" sz="2900" smtClean="0">
+                <a:latin typeface="Times New Roman" pitchFamily="18" charset="0"/>
+                <a:cs typeface="Times New Roman" pitchFamily="18" charset="0"/>
+              </a:rPr>
+              <a:t>API</a:t>
+            </a:r>
+            <a:r>
+              <a:rPr lang="en-US" sz="2900" smtClean="0">
+                <a:latin typeface="Times New Roman" pitchFamily="18" charset="0"/>
+                <a:cs typeface="Times New Roman" pitchFamily="18" charset="0"/>
+              </a:rPr>
+              <a:t> </a:t>
             </a:r>
             <a:r>
               <a:rPr lang="en-US" sz="2900" dirty="0" err="1" smtClean="0">
